--- a/第5章-栅格数据处理-6课时/第五章-栅格数据处理.pptx
+++ b/第5章-栅格数据处理-6课时/第五章-栅格数据处理.pptx
@@ -792,43 +792,20 @@
     </pc:docChg>
   </pc:docChgLst>
   <pc:docChgLst>
-    <pc:chgData name="Xin Luo" userId="82312ee5779919a4" providerId="LiveId" clId="{3C4A7AF4-6488-5041-B432-D36EF53163D3}"/>
-    <pc:docChg chg="undo custSel addSld delSld modSld sldOrd">
-      <pc:chgData name="Xin Luo" userId="82312ee5779919a4" providerId="LiveId" clId="{3C4A7AF4-6488-5041-B432-D36EF53163D3}" dt="2023-02-23T14:33:41.327" v="6919" actId="478"/>
+    <pc:chgData name="Xin Luo" userId="82312ee5779919a4" providerId="LiveId" clId="{23920C8D-EBCE-A347-9C82-C14316D20539}"/>
+    <pc:docChg chg="undo custSel addSld modSld">
+      <pc:chgData name="Xin Luo" userId="82312ee5779919a4" providerId="LiveId" clId="{23920C8D-EBCE-A347-9C82-C14316D20539}" dt="2022-10-26T12:19:06.428" v="501" actId="767"/>
       <pc:docMkLst>
         <pc:docMk/>
       </pc:docMkLst>
-      <pc:sldChg chg="del">
-        <pc:chgData name="Xin Luo" userId="82312ee5779919a4" providerId="LiveId" clId="{3C4A7AF4-6488-5041-B432-D36EF53163D3}" dt="2023-02-22T05:30:51.981" v="0" actId="2696"/>
-        <pc:sldMkLst>
-          <pc:docMk/>
-          <pc:sldMk cId="1153920038" sldId="2206"/>
-        </pc:sldMkLst>
-      </pc:sldChg>
-      <pc:sldChg chg="addSp modSp mod">
-        <pc:chgData name="Xin Luo" userId="82312ee5779919a4" providerId="LiveId" clId="{3C4A7AF4-6488-5041-B432-D36EF53163D3}" dt="2023-02-23T07:39:26.083" v="2380" actId="20577"/>
+      <pc:sldChg chg="modSp mod">
+        <pc:chgData name="Xin Luo" userId="82312ee5779919a4" providerId="LiveId" clId="{23920C8D-EBCE-A347-9C82-C14316D20539}" dt="2022-10-10T01:06:29.261" v="368" actId="404"/>
         <pc:sldMkLst>
           <pc:docMk/>
           <pc:sldMk cId="1576120367" sldId="2387"/>
         </pc:sldMkLst>
         <pc:spChg chg="mod">
-          <ac:chgData name="Xin Luo" userId="82312ee5779919a4" providerId="LiveId" clId="{3C4A7AF4-6488-5041-B432-D36EF53163D3}" dt="2023-02-22T07:31:19.249" v="233"/>
-          <ac:spMkLst>
-            <pc:docMk/>
-            <pc:sldMk cId="1576120367" sldId="2387"/>
-            <ac:spMk id="4" creationId="{E22E439B-4B3F-A527-61D0-3ED55D24E856}"/>
-          </ac:spMkLst>
-        </pc:spChg>
-        <pc:spChg chg="mod">
-          <ac:chgData name="Xin Luo" userId="82312ee5779919a4" providerId="LiveId" clId="{3C4A7AF4-6488-5041-B432-D36EF53163D3}" dt="2023-02-22T07:31:49.764" v="280" actId="20577"/>
-          <ac:spMkLst>
-            <pc:docMk/>
-            <pc:sldMk cId="1576120367" sldId="2387"/>
-            <ac:spMk id="5" creationId="{494DAA55-5621-28DB-D255-E0EBB6C6477B}"/>
-          </ac:spMkLst>
-        </pc:spChg>
-        <pc:spChg chg="mod">
-          <ac:chgData name="Xin Luo" userId="82312ee5779919a4" providerId="LiveId" clId="{3C4A7AF4-6488-5041-B432-D36EF53163D3}" dt="2023-02-23T07:39:26.083" v="2380" actId="20577"/>
+          <ac:chgData name="Xin Luo" userId="82312ee5779919a4" providerId="LiveId" clId="{23920C8D-EBCE-A347-9C82-C14316D20539}" dt="2022-10-10T01:06:29.261" v="368" actId="404"/>
           <ac:spMkLst>
             <pc:docMk/>
             <pc:sldMk cId="1576120367" sldId="2387"/>
@@ -836,7 +813,7 @@
           </ac:spMkLst>
         </pc:spChg>
         <pc:spChg chg="mod">
-          <ac:chgData name="Xin Luo" userId="82312ee5779919a4" providerId="LiveId" clId="{3C4A7AF4-6488-5041-B432-D36EF53163D3}" dt="2023-02-23T04:51:20.387" v="1923" actId="20577"/>
+          <ac:chgData name="Xin Luo" userId="82312ee5779919a4" providerId="LiveId" clId="{23920C8D-EBCE-A347-9C82-C14316D20539}" dt="2022-10-10T01:06:13.262" v="366" actId="403"/>
           <ac:spMkLst>
             <pc:docMk/>
             <pc:sldMk cId="1576120367" sldId="2387"/>
@@ -844,7 +821,7 @@
           </ac:spMkLst>
         </pc:spChg>
         <pc:spChg chg="mod">
-          <ac:chgData name="Xin Luo" userId="82312ee5779919a4" providerId="LiveId" clId="{3C4A7AF4-6488-5041-B432-D36EF53163D3}" dt="2023-02-23T07:39:23.145" v="2375" actId="20577"/>
+          <ac:chgData name="Xin Luo" userId="82312ee5779919a4" providerId="LiveId" clId="{23920C8D-EBCE-A347-9C82-C14316D20539}" dt="2022-10-10T01:06:29.261" v="368" actId="404"/>
           <ac:spMkLst>
             <pc:docMk/>
             <pc:sldMk cId="1576120367" sldId="2387"/>
@@ -852,46 +829,38 @@
           </ac:spMkLst>
         </pc:spChg>
         <pc:spChg chg="mod">
-          <ac:chgData name="Xin Luo" userId="82312ee5779919a4" providerId="LiveId" clId="{3C4A7AF4-6488-5041-B432-D36EF53163D3}" dt="2023-02-23T04:51:33.868" v="1950" actId="20577"/>
+          <ac:chgData name="Xin Luo" userId="82312ee5779919a4" providerId="LiveId" clId="{23920C8D-EBCE-A347-9C82-C14316D20539}" dt="2022-10-10T01:06:13.262" v="366" actId="403"/>
           <ac:spMkLst>
             <pc:docMk/>
             <pc:sldMk cId="1576120367" sldId="2387"/>
             <ac:spMk id="14" creationId="{00000000-0000-0000-0000-000000000000}"/>
           </ac:spMkLst>
         </pc:spChg>
-        <pc:grpChg chg="add mod">
-          <ac:chgData name="Xin Luo" userId="82312ee5779919a4" providerId="LiveId" clId="{3C4A7AF4-6488-5041-B432-D36EF53163D3}" dt="2023-02-22T07:32:25.478" v="308" actId="1076"/>
-          <ac:grpSpMkLst>
+        <pc:spChg chg="mod">
+          <ac:chgData name="Xin Luo" userId="82312ee5779919a4" providerId="LiveId" clId="{23920C8D-EBCE-A347-9C82-C14316D20539}" dt="2022-10-10T01:06:29.261" v="368" actId="404"/>
+          <ac:spMkLst>
             <pc:docMk/>
             <pc:sldMk cId="1576120367" sldId="2387"/>
-            <ac:grpSpMk id="2" creationId="{AFCAA61D-767A-24EA-9072-7425684288BB}"/>
-          </ac:grpSpMkLst>
-        </pc:grpChg>
-        <pc:grpChg chg="mod">
-          <ac:chgData name="Xin Luo" userId="82312ee5779919a4" providerId="LiveId" clId="{3C4A7AF4-6488-5041-B432-D36EF53163D3}" dt="2023-02-23T07:39:19.698" v="2367" actId="1076"/>
-          <ac:grpSpMkLst>
+            <ac:spMk id="15" creationId="{00000000-0000-0000-0000-000000000000}"/>
+          </ac:spMkLst>
+        </pc:spChg>
+        <pc:spChg chg="mod">
+          <ac:chgData name="Xin Luo" userId="82312ee5779919a4" providerId="LiveId" clId="{23920C8D-EBCE-A347-9C82-C14316D20539}" dt="2022-10-10T01:06:19.369" v="367" actId="14100"/>
+          <ac:spMkLst>
             <pc:docMk/>
             <pc:sldMk cId="1576120367" sldId="2387"/>
-            <ac:grpSpMk id="3" creationId="{12ED16A1-79B8-7DB1-1CC1-250B051BAD58}"/>
-          </ac:grpSpMkLst>
-        </pc:grpChg>
-        <pc:grpChg chg="mod">
-          <ac:chgData name="Xin Luo" userId="82312ee5779919a4" providerId="LiveId" clId="{3C4A7AF4-6488-5041-B432-D36EF53163D3}" dt="2023-02-23T07:39:15.729" v="2366" actId="1076"/>
-          <ac:grpSpMkLst>
-            <pc:docMk/>
-            <pc:sldMk cId="1576120367" sldId="2387"/>
-            <ac:grpSpMk id="9" creationId="{84B9B8D5-4BCC-CDFF-1E13-B005060A8BDF}"/>
-          </ac:grpSpMkLst>
-        </pc:grpChg>
+            <ac:spMk id="16" creationId="{00000000-0000-0000-0000-000000000000}"/>
+          </ac:spMkLst>
+        </pc:spChg>
       </pc:sldChg>
       <pc:sldChg chg="modSp mod">
-        <pc:chgData name="Xin Luo" userId="82312ee5779919a4" providerId="LiveId" clId="{3C4A7AF4-6488-5041-B432-D36EF53163D3}" dt="2023-02-22T07:33:21.001" v="351" actId="20577"/>
+        <pc:chgData name="Xin Luo" userId="82312ee5779919a4" providerId="LiveId" clId="{23920C8D-EBCE-A347-9C82-C14316D20539}" dt="2022-10-10T01:06:39.449" v="369" actId="403"/>
         <pc:sldMkLst>
           <pc:docMk/>
           <pc:sldMk cId="2415901206" sldId="2447"/>
         </pc:sldMkLst>
         <pc:spChg chg="mod">
-          <ac:chgData name="Xin Luo" userId="82312ee5779919a4" providerId="LiveId" clId="{3C4A7AF4-6488-5041-B432-D36EF53163D3}" dt="2023-02-22T07:33:21.001" v="351" actId="20577"/>
+          <ac:chgData name="Xin Luo" userId="82312ee5779919a4" providerId="LiveId" clId="{23920C8D-EBCE-A347-9C82-C14316D20539}" dt="2022-10-10T01:06:39.449" v="369" actId="403"/>
           <ac:spMkLst>
             <pc:docMk/>
             <pc:sldMk cId="2415901206" sldId="2447"/>
@@ -900,1922 +869,267 @@
         </pc:spChg>
       </pc:sldChg>
       <pc:sldChg chg="addSp delSp modSp mod">
-        <pc:chgData name="Xin Luo" userId="82312ee5779919a4" providerId="LiveId" clId="{3C4A7AF4-6488-5041-B432-D36EF53163D3}" dt="2023-02-23T01:16:39.011" v="1571" actId="1037"/>
+        <pc:chgData name="Xin Luo" userId="82312ee5779919a4" providerId="LiveId" clId="{23920C8D-EBCE-A347-9C82-C14316D20539}" dt="2022-10-26T11:18:20.490" v="500"/>
         <pc:sldMkLst>
           <pc:docMk/>
-          <pc:sldMk cId="4067577602" sldId="2605"/>
+          <pc:sldMk cId="2689840772" sldId="2604"/>
         </pc:sldMkLst>
         <pc:spChg chg="mod">
-          <ac:chgData name="Xin Luo" userId="82312ee5779919a4" providerId="LiveId" clId="{3C4A7AF4-6488-5041-B432-D36EF53163D3}" dt="2023-02-22T07:38:53.396" v="381" actId="20577"/>
-          <ac:spMkLst>
-            <pc:docMk/>
-            <pc:sldMk cId="4067577602" sldId="2605"/>
+          <ac:chgData name="Xin Luo" userId="82312ee5779919a4" providerId="LiveId" clId="{23920C8D-EBCE-A347-9C82-C14316D20539}" dt="2022-10-26T11:18:14.630" v="497" actId="1038"/>
+          <ac:spMkLst>
+            <pc:docMk/>
+            <pc:sldMk cId="2689840772" sldId="2604"/>
+            <ac:spMk id="2" creationId="{DB381E7B-A050-4BE4-6756-9B64308C74D7}"/>
+          </ac:spMkLst>
+        </pc:spChg>
+        <pc:spChg chg="del mod">
+          <ac:chgData name="Xin Luo" userId="82312ee5779919a4" providerId="LiveId" clId="{23920C8D-EBCE-A347-9C82-C14316D20539}" dt="2022-10-10T00:58:26.498" v="9" actId="478"/>
+          <ac:spMkLst>
+            <pc:docMk/>
+            <pc:sldMk cId="2689840772" sldId="2604"/>
             <ac:spMk id="3" creationId="{00000000-0000-0000-0000-000000000000}"/>
           </ac:spMkLst>
         </pc:spChg>
         <pc:spChg chg="add del mod">
-          <ac:chgData name="Xin Luo" userId="82312ee5779919a4" providerId="LiveId" clId="{3C4A7AF4-6488-5041-B432-D36EF53163D3}" dt="2023-02-22T14:18:41.269" v="1148" actId="478"/>
-          <ac:spMkLst>
-            <pc:docMk/>
-            <pc:sldMk cId="4067577602" sldId="2605"/>
-            <ac:spMk id="4" creationId="{3684DBBF-D5C3-AAFB-5142-DEFC9143FCE7}"/>
-          </ac:spMkLst>
-        </pc:spChg>
-        <pc:spChg chg="del">
-          <ac:chgData name="Xin Luo" userId="82312ee5779919a4" providerId="LiveId" clId="{3C4A7AF4-6488-5041-B432-D36EF53163D3}" dt="2023-02-22T13:47:47.275" v="383" actId="478"/>
-          <ac:spMkLst>
-            <pc:docMk/>
-            <pc:sldMk cId="4067577602" sldId="2605"/>
-            <ac:spMk id="5" creationId="{8CB3051E-1455-F2D6-027A-C359D1264B18}"/>
+          <ac:chgData name="Xin Luo" userId="82312ee5779919a4" providerId="LiveId" clId="{23920C8D-EBCE-A347-9C82-C14316D20539}" dt="2022-10-26T11:18:20.490" v="500"/>
+          <ac:spMkLst>
+            <pc:docMk/>
+            <pc:sldMk cId="2689840772" sldId="2604"/>
+            <ac:spMk id="3" creationId="{0AC6D251-AEF6-35BE-71D5-DE25EAD72977}"/>
           </ac:spMkLst>
         </pc:spChg>
         <pc:spChg chg="add mod">
-          <ac:chgData name="Xin Luo" userId="82312ee5779919a4" providerId="LiveId" clId="{3C4A7AF4-6488-5041-B432-D36EF53163D3}" dt="2023-02-23T01:16:39.011" v="1571" actId="1037"/>
-          <ac:spMkLst>
-            <pc:docMk/>
-            <pc:sldMk cId="4067577602" sldId="2605"/>
-            <ac:spMk id="15" creationId="{8F7436BD-0CD5-04DA-2B44-925CE86CF70D}"/>
-          </ac:spMkLst>
-        </pc:spChg>
-        <pc:spChg chg="add mod">
-          <ac:chgData name="Xin Luo" userId="82312ee5779919a4" providerId="LiveId" clId="{3C4A7AF4-6488-5041-B432-D36EF53163D3}" dt="2023-02-22T14:35:48.413" v="1376" actId="1076"/>
-          <ac:spMkLst>
-            <pc:docMk/>
-            <pc:sldMk cId="4067577602" sldId="2605"/>
-            <ac:spMk id="16" creationId="{5E1E7D79-A815-9A32-ABAB-129BFCE643F1}"/>
-          </ac:spMkLst>
-        </pc:spChg>
+          <ac:chgData name="Xin Luo" userId="82312ee5779919a4" providerId="LiveId" clId="{23920C8D-EBCE-A347-9C82-C14316D20539}" dt="2022-10-10T01:03:50.909" v="356" actId="20577"/>
+          <ac:spMkLst>
+            <pc:docMk/>
+            <pc:sldMk cId="2689840772" sldId="2604"/>
+            <ac:spMk id="4" creationId="{5B949F23-92C2-3ACE-AE9A-58F8C8D7AB52}"/>
+          </ac:spMkLst>
+        </pc:spChg>
+      </pc:sldChg>
+      <pc:sldChg chg="modSp mod">
+        <pc:chgData name="Xin Luo" userId="82312ee5779919a4" providerId="LiveId" clId="{23920C8D-EBCE-A347-9C82-C14316D20539}" dt="2022-10-25T11:53:23.523" v="402" actId="207"/>
+        <pc:sldMkLst>
+          <pc:docMk/>
+          <pc:sldMk cId="1392274363" sldId="2606"/>
+        </pc:sldMkLst>
         <pc:spChg chg="mod">
-          <ac:chgData name="Xin Luo" userId="82312ee5779919a4" providerId="LiveId" clId="{3C4A7AF4-6488-5041-B432-D36EF53163D3}" dt="2023-02-22T14:25:21.534" v="1184" actId="115"/>
-          <ac:spMkLst>
-            <pc:docMk/>
-            <pc:sldMk cId="4067577602" sldId="2605"/>
-            <ac:spMk id="17" creationId="{9E05FFCA-3371-AF5C-381D-71D984055F5A}"/>
-          </ac:spMkLst>
-        </pc:spChg>
-        <pc:picChg chg="add mod">
-          <ac:chgData name="Xin Luo" userId="82312ee5779919a4" providerId="LiveId" clId="{3C4A7AF4-6488-5041-B432-D36EF53163D3}" dt="2023-02-22T14:36:37.590" v="1394" actId="1076"/>
+          <ac:chgData name="Xin Luo" userId="82312ee5779919a4" providerId="LiveId" clId="{23920C8D-EBCE-A347-9C82-C14316D20539}" dt="2022-10-10T01:08:08.448" v="392" actId="20577"/>
+          <ac:spMkLst>
+            <pc:docMk/>
+            <pc:sldMk cId="1392274363" sldId="2606"/>
+            <ac:spMk id="35" creationId="{2CBBD54C-A0C4-CFAB-2A67-F8BF299D28F5}"/>
+          </ac:spMkLst>
+        </pc:spChg>
+        <pc:spChg chg="mod">
+          <ac:chgData name="Xin Luo" userId="82312ee5779919a4" providerId="LiveId" clId="{23920C8D-EBCE-A347-9C82-C14316D20539}" dt="2022-10-25T11:53:23.523" v="402" actId="207"/>
+          <ac:spMkLst>
+            <pc:docMk/>
+            <pc:sldMk cId="1392274363" sldId="2606"/>
+            <ac:spMk id="42" creationId="{E4B07DDE-AB89-2B16-6B7A-2142621DE6F5}"/>
+          </ac:spMkLst>
+        </pc:spChg>
+      </pc:sldChg>
+      <pc:sldChg chg="modSp mod">
+        <pc:chgData name="Xin Luo" userId="82312ee5779919a4" providerId="LiveId" clId="{23920C8D-EBCE-A347-9C82-C14316D20539}" dt="2022-10-25T12:03:26.240" v="414" actId="14100"/>
+        <pc:sldMkLst>
+          <pc:docMk/>
+          <pc:sldMk cId="292605530" sldId="2607"/>
+        </pc:sldMkLst>
+        <pc:spChg chg="mod">
+          <ac:chgData name="Xin Luo" userId="82312ee5779919a4" providerId="LiveId" clId="{23920C8D-EBCE-A347-9C82-C14316D20539}" dt="2022-10-25T12:03:26.240" v="414" actId="14100"/>
+          <ac:spMkLst>
+            <pc:docMk/>
+            <pc:sldMk cId="292605530" sldId="2607"/>
+            <ac:spMk id="18" creationId="{8399C9E7-13B6-1DAF-F5BF-4471E8528C5F}"/>
+          </ac:spMkLst>
+        </pc:spChg>
+      </pc:sldChg>
+      <pc:sldChg chg="modSp mod">
+        <pc:chgData name="Xin Luo" userId="82312ee5779919a4" providerId="LiveId" clId="{23920C8D-EBCE-A347-9C82-C14316D20539}" dt="2022-10-25T12:09:03.730" v="478" actId="1036"/>
+        <pc:sldMkLst>
+          <pc:docMk/>
+          <pc:sldMk cId="2780969545" sldId="2609"/>
+        </pc:sldMkLst>
+        <pc:spChg chg="mod">
+          <ac:chgData name="Xin Luo" userId="82312ee5779919a4" providerId="LiveId" clId="{23920C8D-EBCE-A347-9C82-C14316D20539}" dt="2022-10-25T12:08:56.496" v="469" actId="115"/>
+          <ac:spMkLst>
+            <pc:docMk/>
+            <pc:sldMk cId="2780969545" sldId="2609"/>
+            <ac:spMk id="6" creationId="{2D1A6305-FF43-CF53-224A-B6D4901EAB0F}"/>
+          </ac:spMkLst>
+        </pc:spChg>
+        <pc:spChg chg="mod">
+          <ac:chgData name="Xin Luo" userId="82312ee5779919a4" providerId="LiveId" clId="{23920C8D-EBCE-A347-9C82-C14316D20539}" dt="2022-10-25T12:09:03.730" v="478" actId="1036"/>
+          <ac:spMkLst>
+            <pc:docMk/>
+            <pc:sldMk cId="2780969545" sldId="2609"/>
+            <ac:spMk id="11" creationId="{63EAC848-88D2-7A10-E878-444ADA855E23}"/>
+          </ac:spMkLst>
+        </pc:spChg>
+        <pc:spChg chg="mod">
+          <ac:chgData name="Xin Luo" userId="82312ee5779919a4" providerId="LiveId" clId="{23920C8D-EBCE-A347-9C82-C14316D20539}" dt="2022-10-25T12:09:03.730" v="478" actId="1036"/>
+          <ac:spMkLst>
+            <pc:docMk/>
+            <pc:sldMk cId="2780969545" sldId="2609"/>
+            <ac:spMk id="12" creationId="{BED7A820-9D6E-7E7E-A906-8A9424528316}"/>
+          </ac:spMkLst>
+        </pc:spChg>
+        <pc:spChg chg="mod">
+          <ac:chgData name="Xin Luo" userId="82312ee5779919a4" providerId="LiveId" clId="{23920C8D-EBCE-A347-9C82-C14316D20539}" dt="2022-10-25T12:09:03.730" v="478" actId="1036"/>
+          <ac:spMkLst>
+            <pc:docMk/>
+            <pc:sldMk cId="2780969545" sldId="2609"/>
+            <ac:spMk id="20" creationId="{87EC125B-CB98-6914-1633-6697471A2CB4}"/>
+          </ac:spMkLst>
+        </pc:spChg>
+        <pc:spChg chg="mod">
+          <ac:chgData name="Xin Luo" userId="82312ee5779919a4" providerId="LiveId" clId="{23920C8D-EBCE-A347-9C82-C14316D20539}" dt="2022-10-25T12:09:03.730" v="478" actId="1036"/>
+          <ac:spMkLst>
+            <pc:docMk/>
+            <pc:sldMk cId="2780969545" sldId="2609"/>
+            <ac:spMk id="21" creationId="{0AF67847-7DEF-CDAB-6208-0271BFB4FB06}"/>
+          </ac:spMkLst>
+        </pc:spChg>
+        <pc:spChg chg="mod">
+          <ac:chgData name="Xin Luo" userId="82312ee5779919a4" providerId="LiveId" clId="{23920C8D-EBCE-A347-9C82-C14316D20539}" dt="2022-10-25T12:09:03.730" v="478" actId="1036"/>
+          <ac:spMkLst>
+            <pc:docMk/>
+            <pc:sldMk cId="2780969545" sldId="2609"/>
+            <ac:spMk id="23" creationId="{0011846D-F543-398E-85CB-0AB0A842928A}"/>
+          </ac:spMkLst>
+        </pc:spChg>
+        <pc:spChg chg="mod">
+          <ac:chgData name="Xin Luo" userId="82312ee5779919a4" providerId="LiveId" clId="{23920C8D-EBCE-A347-9C82-C14316D20539}" dt="2022-10-25T12:09:03.730" v="478" actId="1036"/>
+          <ac:spMkLst>
+            <pc:docMk/>
+            <pc:sldMk cId="2780969545" sldId="2609"/>
+            <ac:spMk id="24" creationId="{37B5D87E-7419-7CC0-91CC-8A0807F0F999}"/>
+          </ac:spMkLst>
+        </pc:spChg>
+        <pc:spChg chg="mod">
+          <ac:chgData name="Xin Luo" userId="82312ee5779919a4" providerId="LiveId" clId="{23920C8D-EBCE-A347-9C82-C14316D20539}" dt="2022-10-25T12:09:03.730" v="478" actId="1036"/>
+          <ac:spMkLst>
+            <pc:docMk/>
+            <pc:sldMk cId="2780969545" sldId="2609"/>
+            <ac:spMk id="25" creationId="{4745244D-B431-F067-4A97-7CC4387296FB}"/>
+          </ac:spMkLst>
+        </pc:spChg>
+        <pc:spChg chg="mod">
+          <ac:chgData name="Xin Luo" userId="82312ee5779919a4" providerId="LiveId" clId="{23920C8D-EBCE-A347-9C82-C14316D20539}" dt="2022-10-25T12:09:03.730" v="478" actId="1036"/>
+          <ac:spMkLst>
+            <pc:docMk/>
+            <pc:sldMk cId="2780969545" sldId="2609"/>
+            <ac:spMk id="26" creationId="{FB9C53DE-8D1F-6DF4-8CE3-3A262A9F8737}"/>
+          </ac:spMkLst>
+        </pc:spChg>
+        <pc:picChg chg="mod">
+          <ac:chgData name="Xin Luo" userId="82312ee5779919a4" providerId="LiveId" clId="{23920C8D-EBCE-A347-9C82-C14316D20539}" dt="2022-10-25T12:09:03.730" v="478" actId="1036"/>
           <ac:picMkLst>
             <pc:docMk/>
-            <pc:sldMk cId="4067577602" sldId="2605"/>
-            <ac:picMk id="7" creationId="{C7993E05-4ADB-9D0C-E633-5749F445E479}"/>
+            <pc:sldMk cId="2780969545" sldId="2609"/>
+            <ac:picMk id="4" creationId="{49B7ACC6-6794-9162-52B2-E80F7E4B0442}"/>
           </ac:picMkLst>
         </pc:picChg>
-        <pc:picChg chg="add del mod">
-          <ac:chgData name="Xin Luo" userId="82312ee5779919a4" providerId="LiveId" clId="{3C4A7AF4-6488-5041-B432-D36EF53163D3}" dt="2023-02-22T14:24:46.251" v="1173" actId="478"/>
+        <pc:picChg chg="mod">
+          <ac:chgData name="Xin Luo" userId="82312ee5779919a4" providerId="LiveId" clId="{23920C8D-EBCE-A347-9C82-C14316D20539}" dt="2022-10-25T12:09:03.730" v="478" actId="1036"/>
           <ac:picMkLst>
             <pc:docMk/>
-            <pc:sldMk cId="4067577602" sldId="2605"/>
-            <ac:picMk id="9" creationId="{D4A1F7D5-C3DE-337A-6369-48B839C7030D}"/>
+            <pc:sldMk cId="2780969545" sldId="2609"/>
+            <ac:picMk id="7" creationId="{42FD45A0-A9EA-D518-41B5-21FA7A24BA60}"/>
           </ac:picMkLst>
         </pc:picChg>
-        <pc:picChg chg="add mod">
-          <ac:chgData name="Xin Luo" userId="82312ee5779919a4" providerId="LiveId" clId="{3C4A7AF4-6488-5041-B432-D36EF53163D3}" dt="2023-02-22T14:36:43.182" v="1396" actId="1076"/>
+        <pc:picChg chg="mod">
+          <ac:chgData name="Xin Luo" userId="82312ee5779919a4" providerId="LiveId" clId="{23920C8D-EBCE-A347-9C82-C14316D20539}" dt="2022-10-25T12:09:03.730" v="478" actId="1036"/>
           <ac:picMkLst>
             <pc:docMk/>
-            <pc:sldMk cId="4067577602" sldId="2605"/>
-            <ac:picMk id="10" creationId="{26D555B6-DE11-BF17-8D9F-B5F93A876835}"/>
+            <pc:sldMk cId="2780969545" sldId="2609"/>
+            <ac:picMk id="10" creationId="{C2B12388-3179-41F8-2462-0C9BA14093FF}"/>
           </ac:picMkLst>
         </pc:picChg>
-        <pc:picChg chg="del">
-          <ac:chgData name="Xin Luo" userId="82312ee5779919a4" providerId="LiveId" clId="{3C4A7AF4-6488-5041-B432-D36EF53163D3}" dt="2023-02-22T13:47:45.826" v="382" actId="478"/>
+        <pc:picChg chg="mod">
+          <ac:chgData name="Xin Luo" userId="82312ee5779919a4" providerId="LiveId" clId="{23920C8D-EBCE-A347-9C82-C14316D20539}" dt="2022-10-25T12:09:03.730" v="478" actId="1036"/>
           <ac:picMkLst>
             <pc:docMk/>
-            <pc:sldMk cId="4067577602" sldId="2605"/>
-            <ac:picMk id="1026" creationId="{9270A6EE-B03E-77C5-630F-E811251395A0}"/>
+            <pc:sldMk cId="2780969545" sldId="2609"/>
+            <ac:picMk id="7170" creationId="{A3C33C8C-6841-03A7-574F-E161D6BA2409}"/>
           </ac:picMkLst>
         </pc:picChg>
-        <pc:picChg chg="add mod">
-          <ac:chgData name="Xin Luo" userId="82312ee5779919a4" providerId="LiveId" clId="{3C4A7AF4-6488-5041-B432-D36EF53163D3}" dt="2023-02-22T14:34:30.005" v="1302" actId="1036"/>
-          <ac:picMkLst>
-            <pc:docMk/>
-            <pc:sldMk cId="4067577602" sldId="2605"/>
-            <ac:picMk id="1028" creationId="{9FA49340-63F1-4959-1786-FD893DE76CE9}"/>
-          </ac:picMkLst>
-        </pc:picChg>
-        <pc:picChg chg="add mod">
-          <ac:chgData name="Xin Luo" userId="82312ee5779919a4" providerId="LiveId" clId="{3C4A7AF4-6488-5041-B432-D36EF53163D3}" dt="2023-02-22T14:36:33.444" v="1393" actId="1076"/>
-          <ac:picMkLst>
-            <pc:docMk/>
-            <pc:sldMk cId="4067577602" sldId="2605"/>
-            <ac:picMk id="1030" creationId="{35CDAC06-D9CF-2AC8-535E-A1B01EC14218}"/>
-          </ac:picMkLst>
-        </pc:picChg>
-        <pc:picChg chg="add mod">
-          <ac:chgData name="Xin Luo" userId="82312ee5779919a4" providerId="LiveId" clId="{3C4A7AF4-6488-5041-B432-D36EF53163D3}" dt="2023-02-22T14:35:58.140" v="1379" actId="14100"/>
-          <ac:picMkLst>
-            <pc:docMk/>
-            <pc:sldMk cId="4067577602" sldId="2605"/>
-            <ac:picMk id="1032" creationId="{AFE202E8-A338-4627-93EE-5AD65BEE9525}"/>
-          </ac:picMkLst>
-        </pc:picChg>
-        <pc:picChg chg="add mod">
-          <ac:chgData name="Xin Luo" userId="82312ee5779919a4" providerId="LiveId" clId="{3C4A7AF4-6488-5041-B432-D36EF53163D3}" dt="2023-02-22T14:34:30.005" v="1302" actId="1036"/>
-          <ac:picMkLst>
-            <pc:docMk/>
-            <pc:sldMk cId="4067577602" sldId="2605"/>
-            <ac:picMk id="1034" creationId="{D5CBEF68-23C0-8F4A-FA5F-CB6BCAE76176}"/>
-          </ac:picMkLst>
-        </pc:picChg>
-        <pc:picChg chg="add mod">
-          <ac:chgData name="Xin Luo" userId="82312ee5779919a4" providerId="LiveId" clId="{3C4A7AF4-6488-5041-B432-D36EF53163D3}" dt="2023-02-22T14:34:36.142" v="1309" actId="1035"/>
-          <ac:picMkLst>
-            <pc:docMk/>
-            <pc:sldMk cId="4067577602" sldId="2605"/>
-            <ac:picMk id="1036" creationId="{5E2738F1-9461-1F5B-3007-2AA2AD20C330}"/>
-          </ac:picMkLst>
-        </pc:picChg>
-        <pc:cxnChg chg="add mod">
-          <ac:chgData name="Xin Luo" userId="82312ee5779919a4" providerId="LiveId" clId="{3C4A7AF4-6488-5041-B432-D36EF53163D3}" dt="2023-02-22T14:33:32.573" v="1248" actId="14100"/>
+        <pc:cxnChg chg="mod">
+          <ac:chgData name="Xin Luo" userId="82312ee5779919a4" providerId="LiveId" clId="{23920C8D-EBCE-A347-9C82-C14316D20539}" dt="2022-10-25T12:09:03.730" v="478" actId="1036"/>
           <ac:cxnSpMkLst>
             <pc:docMk/>
-            <pc:sldMk cId="4067577602" sldId="2605"/>
-            <ac:cxnSpMk id="12" creationId="{78FA799A-1F2C-F1DA-9F71-B1B8AFBC5758}"/>
+            <pc:sldMk cId="2780969545" sldId="2609"/>
+            <ac:cxnSpMk id="9" creationId="{FD972B84-6C44-171E-8256-D2A04F01B0C9}"/>
+          </ac:cxnSpMkLst>
+        </pc:cxnChg>
+        <pc:cxnChg chg="mod">
+          <ac:chgData name="Xin Luo" userId="82312ee5779919a4" providerId="LiveId" clId="{23920C8D-EBCE-A347-9C82-C14316D20539}" dt="2022-10-25T12:09:03.730" v="478" actId="1036"/>
+          <ac:cxnSpMkLst>
+            <pc:docMk/>
+            <pc:sldMk cId="2780969545" sldId="2609"/>
+            <ac:cxnSpMk id="16" creationId="{612BCBDC-DECE-5090-7C5B-6492FF4CE722}"/>
+          </ac:cxnSpMkLst>
+        </pc:cxnChg>
+        <pc:cxnChg chg="mod">
+          <ac:chgData name="Xin Luo" userId="82312ee5779919a4" providerId="LiveId" clId="{23920C8D-EBCE-A347-9C82-C14316D20539}" dt="2022-10-25T12:09:03.730" v="478" actId="1036"/>
+          <ac:cxnSpMkLst>
+            <pc:docMk/>
+            <pc:sldMk cId="2780969545" sldId="2609"/>
+            <ac:cxnSpMk id="17" creationId="{AF045F09-2718-C456-D477-E816A43885FF}"/>
+          </ac:cxnSpMkLst>
+        </pc:cxnChg>
+        <pc:cxnChg chg="mod">
+          <ac:chgData name="Xin Luo" userId="82312ee5779919a4" providerId="LiveId" clId="{23920C8D-EBCE-A347-9C82-C14316D20539}" dt="2022-10-25T12:09:03.730" v="478" actId="1036"/>
+          <ac:cxnSpMkLst>
+            <pc:docMk/>
+            <pc:sldMk cId="2780969545" sldId="2609"/>
+            <ac:cxnSpMk id="28" creationId="{6C11ADF7-6234-2989-2798-F5AAD5EDE3BF}"/>
           </ac:cxnSpMkLst>
         </pc:cxnChg>
       </pc:sldChg>
-      <pc:sldChg chg="del">
-        <pc:chgData name="Xin Luo" userId="82312ee5779919a4" providerId="LiveId" clId="{3C4A7AF4-6488-5041-B432-D36EF53163D3}" dt="2023-02-22T05:30:52.002" v="3" actId="2696"/>
+      <pc:sldChg chg="modSp mod">
+        <pc:chgData name="Xin Luo" userId="82312ee5779919a4" providerId="LiveId" clId="{23920C8D-EBCE-A347-9C82-C14316D20539}" dt="2022-10-26T02:56:58.658" v="480" actId="207"/>
         <pc:sldMkLst>
           <pc:docMk/>
-          <pc:sldMk cId="2688334957" sldId="2705"/>
+          <pc:sldMk cId="63705705" sldId="2612"/>
         </pc:sldMkLst>
+        <pc:spChg chg="mod">
+          <ac:chgData name="Xin Luo" userId="82312ee5779919a4" providerId="LiveId" clId="{23920C8D-EBCE-A347-9C82-C14316D20539}" dt="2022-10-26T02:56:58.658" v="480" actId="207"/>
+          <ac:spMkLst>
+            <pc:docMk/>
+            <pc:sldMk cId="63705705" sldId="2612"/>
+            <ac:spMk id="63" creationId="{6400CC45-5050-7ACD-CE08-CC6D7000A1DA}"/>
+          </ac:spMkLst>
+        </pc:spChg>
       </pc:sldChg>
-      <pc:sldChg chg="del">
-        <pc:chgData name="Xin Luo" userId="82312ee5779919a4" providerId="LiveId" clId="{3C4A7AF4-6488-5041-B432-D36EF53163D3}" dt="2023-02-22T05:30:51.986" v="2" actId="2696"/>
+      <pc:sldChg chg="addSp modSp">
+        <pc:chgData name="Xin Luo" userId="82312ee5779919a4" providerId="LiveId" clId="{23920C8D-EBCE-A347-9C82-C14316D20539}" dt="2022-10-26T12:19:06.428" v="501" actId="767"/>
         <pc:sldMkLst>
           <pc:docMk/>
-          <pc:sldMk cId="2464444856" sldId="2706"/>
+          <pc:sldMk cId="963926578" sldId="2613"/>
         </pc:sldMkLst>
+        <pc:spChg chg="add mod">
+          <ac:chgData name="Xin Luo" userId="82312ee5779919a4" providerId="LiveId" clId="{23920C8D-EBCE-A347-9C82-C14316D20539}" dt="2022-10-26T12:19:06.428" v="501" actId="767"/>
+          <ac:spMkLst>
+            <pc:docMk/>
+            <pc:sldMk cId="963926578" sldId="2613"/>
+            <ac:spMk id="2" creationId="{5F7683B3-77E0-69A9-94AE-FF04E7249325}"/>
+          </ac:spMkLst>
+        </pc:spChg>
       </pc:sldChg>
-      <pc:sldChg chg="del">
-        <pc:chgData name="Xin Luo" userId="82312ee5779919a4" providerId="LiveId" clId="{3C4A7AF4-6488-5041-B432-D36EF53163D3}" dt="2023-02-22T05:30:51.983" v="1" actId="2696"/>
+      <pc:sldChg chg="modSp add mod">
+        <pc:chgData name="Xin Luo" userId="82312ee5779919a4" providerId="LiveId" clId="{23920C8D-EBCE-A347-9C82-C14316D20539}" dt="2022-10-10T01:06:02.902" v="365" actId="403"/>
         <pc:sldMkLst>
           <pc:docMk/>
-          <pc:sldMk cId="1602808061" sldId="2707"/>
-        </pc:sldMkLst>
-      </pc:sldChg>
-      <pc:sldChg chg="modSp mod">
-        <pc:chgData name="Xin Luo" userId="82312ee5779919a4" providerId="LiveId" clId="{3C4A7AF4-6488-5041-B432-D36EF53163D3}" dt="2023-02-22T07:27:49.994" v="45" actId="20577"/>
-        <pc:sldMkLst>
-          <pc:docMk/>
-          <pc:sldMk cId="1658607177" sldId="2708"/>
+          <pc:sldMk cId="2358282757" sldId="2714"/>
         </pc:sldMkLst>
         <pc:spChg chg="mod">
-          <ac:chgData name="Xin Luo" userId="82312ee5779919a4" providerId="LiveId" clId="{3C4A7AF4-6488-5041-B432-D36EF53163D3}" dt="2023-02-22T05:30:59.167" v="9" actId="20577"/>
-          <ac:spMkLst>
-            <pc:docMk/>
-            <pc:sldMk cId="1658607177" sldId="2708"/>
-            <ac:spMk id="3" creationId="{E375549C-74EF-2C8F-6432-2C52B803FB1B}"/>
-          </ac:spMkLst>
-        </pc:spChg>
-        <pc:spChg chg="mod">
-          <ac:chgData name="Xin Luo" userId="82312ee5779919a4" providerId="LiveId" clId="{3C4A7AF4-6488-5041-B432-D36EF53163D3}" dt="2023-02-22T07:27:49.994" v="45" actId="20577"/>
-          <ac:spMkLst>
-            <pc:docMk/>
-            <pc:sldMk cId="1658607177" sldId="2708"/>
-            <ac:spMk id="24" creationId="{00000000-0000-0000-0000-000000000000}"/>
-          </ac:spMkLst>
-        </pc:spChg>
-      </pc:sldChg>
-      <pc:sldChg chg="modSp add mod">
-        <pc:chgData name="Xin Luo" userId="82312ee5779919a4" providerId="LiveId" clId="{3C4A7AF4-6488-5041-B432-D36EF53163D3}" dt="2023-02-23T07:39:57.891" v="2394" actId="20577"/>
-        <pc:sldMkLst>
-          <pc:docMk/>
-          <pc:sldMk cId="481122590" sldId="2709"/>
-        </pc:sldMkLst>
-        <pc:spChg chg="mod">
-          <ac:chgData name="Xin Luo" userId="82312ee5779919a4" providerId="LiveId" clId="{3C4A7AF4-6488-5041-B432-D36EF53163D3}" dt="2023-02-23T07:39:57.891" v="2394" actId="20577"/>
-          <ac:spMkLst>
-            <pc:docMk/>
-            <pc:sldMk cId="481122590" sldId="2709"/>
-            <ac:spMk id="7" creationId="{00000000-0000-0000-0000-000000000000}"/>
-          </ac:spMkLst>
-        </pc:spChg>
-      </pc:sldChg>
-      <pc:sldChg chg="addSp delSp modSp del mod">
-        <pc:chgData name="Xin Luo" userId="82312ee5779919a4" providerId="LiveId" clId="{3C4A7AF4-6488-5041-B432-D36EF53163D3}" dt="2023-02-23T07:26:52.546" v="2336" actId="2696"/>
-        <pc:sldMkLst>
-          <pc:docMk/>
-          <pc:sldMk cId="1257969106" sldId="2709"/>
-        </pc:sldMkLst>
-        <pc:spChg chg="add del mod">
-          <ac:chgData name="Xin Luo" userId="82312ee5779919a4" providerId="LiveId" clId="{3C4A7AF4-6488-5041-B432-D36EF53163D3}" dt="2023-02-23T07:23:16.824" v="2299"/>
-          <ac:spMkLst>
-            <pc:docMk/>
-            <pc:sldMk cId="1257969106" sldId="2709"/>
-            <ac:spMk id="2" creationId="{4F16F311-539C-1B93-3CE1-715CE6FEC011}"/>
-          </ac:spMkLst>
-        </pc:spChg>
-        <pc:spChg chg="add del mod">
-          <ac:chgData name="Xin Luo" userId="82312ee5779919a4" providerId="LiveId" clId="{3C4A7AF4-6488-5041-B432-D36EF53163D3}" dt="2023-02-23T07:23:16.824" v="2299"/>
-          <ac:spMkLst>
-            <pc:docMk/>
-            <pc:sldMk cId="1257969106" sldId="2709"/>
-            <ac:spMk id="4" creationId="{883EF12F-27CE-609F-1E57-59730B969DB2}"/>
-          </ac:spMkLst>
-        </pc:spChg>
-        <pc:spChg chg="mod">
-          <ac:chgData name="Xin Luo" userId="82312ee5779919a4" providerId="LiveId" clId="{3C4A7AF4-6488-5041-B432-D36EF53163D3}" dt="2023-02-23T07:23:37.260" v="2303" actId="20577"/>
-          <ac:spMkLst>
-            <pc:docMk/>
-            <pc:sldMk cId="1257969106" sldId="2709"/>
-            <ac:spMk id="7" creationId="{00000000-0000-0000-0000-000000000000}"/>
-          </ac:spMkLst>
-        </pc:spChg>
-      </pc:sldChg>
-      <pc:sldChg chg="del">
-        <pc:chgData name="Xin Luo" userId="82312ee5779919a4" providerId="LiveId" clId="{3C4A7AF4-6488-5041-B432-D36EF53163D3}" dt="2023-02-22T07:32:46.487" v="311" actId="2696"/>
-        <pc:sldMkLst>
-          <pc:docMk/>
-          <pc:sldMk cId="2744383376" sldId="2711"/>
-        </pc:sldMkLst>
-      </pc:sldChg>
-      <pc:sldChg chg="del">
-        <pc:chgData name="Xin Luo" userId="82312ee5779919a4" providerId="LiveId" clId="{3C4A7AF4-6488-5041-B432-D36EF53163D3}" dt="2023-02-22T07:32:46.489" v="312" actId="2696"/>
-        <pc:sldMkLst>
-          <pc:docMk/>
-          <pc:sldMk cId="280619949" sldId="2714"/>
-        </pc:sldMkLst>
-      </pc:sldChg>
-      <pc:sldChg chg="del">
-        <pc:chgData name="Xin Luo" userId="82312ee5779919a4" providerId="LiveId" clId="{3C4A7AF4-6488-5041-B432-D36EF53163D3}" dt="2023-02-22T07:32:53.087" v="313" actId="2696"/>
-        <pc:sldMkLst>
-          <pc:docMk/>
-          <pc:sldMk cId="3852391939" sldId="2715"/>
-        </pc:sldMkLst>
-      </pc:sldChg>
-      <pc:sldChg chg="delSp modSp del mod ord">
-        <pc:chgData name="Xin Luo" userId="82312ee5779919a4" providerId="LiveId" clId="{3C4A7AF4-6488-5041-B432-D36EF53163D3}" dt="2023-02-23T07:26:52.546" v="2336" actId="2696"/>
-        <pc:sldMkLst>
-          <pc:docMk/>
-          <pc:sldMk cId="3026715585" sldId="2716"/>
-        </pc:sldMkLst>
-        <pc:spChg chg="mod">
-          <ac:chgData name="Xin Luo" userId="82312ee5779919a4" providerId="LiveId" clId="{3C4A7AF4-6488-5041-B432-D36EF53163D3}" dt="2023-02-23T07:23:45.452" v="2305" actId="20577"/>
-          <ac:spMkLst>
-            <pc:docMk/>
-            <pc:sldMk cId="3026715585" sldId="2716"/>
-            <ac:spMk id="3" creationId="{00000000-0000-0000-0000-000000000000}"/>
-          </ac:spMkLst>
-        </pc:spChg>
-        <pc:spChg chg="del">
-          <ac:chgData name="Xin Luo" userId="82312ee5779919a4" providerId="LiveId" clId="{3C4A7AF4-6488-5041-B432-D36EF53163D3}" dt="2023-02-23T01:12:00.098" v="1532" actId="478"/>
-          <ac:spMkLst>
-            <pc:docMk/>
-            <pc:sldMk cId="3026715585" sldId="2716"/>
-            <ac:spMk id="4" creationId="{B31A8325-31D8-6F06-6D89-E39763C56875}"/>
-          </ac:spMkLst>
-        </pc:spChg>
-        <pc:spChg chg="del">
-          <ac:chgData name="Xin Luo" userId="82312ee5779919a4" providerId="LiveId" clId="{3C4A7AF4-6488-5041-B432-D36EF53163D3}" dt="2023-02-23T01:11:57.107" v="1531" actId="478"/>
-          <ac:spMkLst>
-            <pc:docMk/>
-            <pc:sldMk cId="3026715585" sldId="2716"/>
-            <ac:spMk id="17" creationId="{9E05FFCA-3371-AF5C-381D-71D984055F5A}"/>
-          </ac:spMkLst>
-        </pc:spChg>
-      </pc:sldChg>
-      <pc:sldChg chg="addSp modSp add mod">
-        <pc:chgData name="Xin Luo" userId="82312ee5779919a4" providerId="LiveId" clId="{3C4A7AF4-6488-5041-B432-D36EF53163D3}" dt="2023-02-23T07:58:34.775" v="2627" actId="20577"/>
-        <pc:sldMkLst>
-          <pc:docMk/>
-          <pc:sldMk cId="3833073590" sldId="2716"/>
-        </pc:sldMkLst>
-        <pc:spChg chg="mod">
-          <ac:chgData name="Xin Luo" userId="82312ee5779919a4" providerId="LiveId" clId="{3C4A7AF4-6488-5041-B432-D36EF53163D3}" dt="2023-02-23T07:58:34.775" v="2627" actId="20577"/>
-          <ac:spMkLst>
-            <pc:docMk/>
-            <pc:sldMk cId="3833073590" sldId="2716"/>
-            <ac:spMk id="2" creationId="{631AADB6-C88A-D817-4683-FC087E4E240F}"/>
-          </ac:spMkLst>
-        </pc:spChg>
-        <pc:spChg chg="mod">
-          <ac:chgData name="Xin Luo" userId="82312ee5779919a4" providerId="LiveId" clId="{3C4A7AF4-6488-5041-B432-D36EF53163D3}" dt="2023-02-23T07:40:13.902" v="2397" actId="20577"/>
-          <ac:spMkLst>
-            <pc:docMk/>
-            <pc:sldMk cId="3833073590" sldId="2716"/>
-            <ac:spMk id="3" creationId="{00000000-0000-0000-0000-000000000000}"/>
-          </ac:spMkLst>
-        </pc:spChg>
-        <pc:spChg chg="add mod">
-          <ac:chgData name="Xin Luo" userId="82312ee5779919a4" providerId="LiveId" clId="{3C4A7AF4-6488-5041-B432-D36EF53163D3}" dt="2023-02-23T07:55:19.067" v="2577" actId="115"/>
-          <ac:spMkLst>
-            <pc:docMk/>
-            <pc:sldMk cId="3833073590" sldId="2716"/>
-            <ac:spMk id="5" creationId="{9F4AEA98-0C33-E82A-EB75-839D0F0B55A4}"/>
-          </ac:spMkLst>
-        </pc:spChg>
-      </pc:sldChg>
-      <pc:sldChg chg="del">
-        <pc:chgData name="Xin Luo" userId="82312ee5779919a4" providerId="LiveId" clId="{3C4A7AF4-6488-5041-B432-D36EF53163D3}" dt="2023-02-22T07:32:53.106" v="315" actId="2696"/>
-        <pc:sldMkLst>
-          <pc:docMk/>
-          <pc:sldMk cId="4136986794" sldId="2717"/>
-        </pc:sldMkLst>
-      </pc:sldChg>
-      <pc:sldChg chg="del">
-        <pc:chgData name="Xin Luo" userId="82312ee5779919a4" providerId="LiveId" clId="{3C4A7AF4-6488-5041-B432-D36EF53163D3}" dt="2023-02-22T07:32:53.089" v="314" actId="2696"/>
-        <pc:sldMkLst>
-          <pc:docMk/>
-          <pc:sldMk cId="1778017482" sldId="2718"/>
-        </pc:sldMkLst>
-      </pc:sldChg>
-      <pc:sldChg chg="modSp del mod ord">
-        <pc:chgData name="Xin Luo" userId="82312ee5779919a4" providerId="LiveId" clId="{3C4A7AF4-6488-5041-B432-D36EF53163D3}" dt="2023-02-23T07:26:52.546" v="2336" actId="2696"/>
-        <pc:sldMkLst>
-          <pc:docMk/>
-          <pc:sldMk cId="1858913004" sldId="2719"/>
-        </pc:sldMkLst>
-        <pc:spChg chg="mod">
-          <ac:chgData name="Xin Luo" userId="82312ee5779919a4" providerId="LiveId" clId="{3C4A7AF4-6488-5041-B432-D36EF53163D3}" dt="2023-02-23T07:06:13.687" v="1964" actId="20577"/>
-          <ac:spMkLst>
-            <pc:docMk/>
-            <pc:sldMk cId="1858913004" sldId="2719"/>
-            <ac:spMk id="2" creationId="{631AADB6-C88A-D817-4683-FC087E4E240F}"/>
-          </ac:spMkLst>
-        </pc:spChg>
-        <pc:spChg chg="mod">
-          <ac:chgData name="Xin Luo" userId="82312ee5779919a4" providerId="LiveId" clId="{3C4A7AF4-6488-5041-B432-D36EF53163D3}" dt="2023-02-23T07:26:41.367" v="2335" actId="20577"/>
-          <ac:spMkLst>
-            <pc:docMk/>
-            <pc:sldMk cId="1858913004" sldId="2719"/>
-            <ac:spMk id="3" creationId="{00000000-0000-0000-0000-000000000000}"/>
-          </ac:spMkLst>
-        </pc:spChg>
-        <pc:spChg chg="mod">
-          <ac:chgData name="Xin Luo" userId="82312ee5779919a4" providerId="LiveId" clId="{3C4A7AF4-6488-5041-B432-D36EF53163D3}" dt="2023-02-23T07:18:35.599" v="2267" actId="20577"/>
-          <ac:spMkLst>
-            <pc:docMk/>
-            <pc:sldMk cId="1858913004" sldId="2719"/>
-            <ac:spMk id="5" creationId="{FCD10A89-5E0E-5D73-1D4F-9E11D943B29C}"/>
-          </ac:spMkLst>
-        </pc:spChg>
-      </pc:sldChg>
-      <pc:sldChg chg="modSp add del mod">
-        <pc:chgData name="Xin Luo" userId="82312ee5779919a4" providerId="LiveId" clId="{3C4A7AF4-6488-5041-B432-D36EF53163D3}" dt="2023-02-23T07:29:10.384" v="2343" actId="2696"/>
-        <pc:sldMkLst>
-          <pc:docMk/>
-          <pc:sldMk cId="3840444413" sldId="2719"/>
-        </pc:sldMkLst>
-        <pc:spChg chg="mod">
-          <ac:chgData name="Xin Luo" userId="82312ee5779919a4" providerId="LiveId" clId="{3C4A7AF4-6488-5041-B432-D36EF53163D3}" dt="2023-02-23T07:27:15.924" v="2338" actId="1076"/>
-          <ac:spMkLst>
-            <pc:docMk/>
-            <pc:sldMk cId="3840444413" sldId="2719"/>
-            <ac:spMk id="5" creationId="{FCD10A89-5E0E-5D73-1D4F-9E11D943B29C}"/>
-          </ac:spMkLst>
-        </pc:spChg>
-      </pc:sldChg>
-      <pc:sldChg chg="modSp add mod ord">
-        <pc:chgData name="Xin Luo" userId="82312ee5779919a4" providerId="LiveId" clId="{3C4A7AF4-6488-5041-B432-D36EF53163D3}" dt="2023-02-23T04:51:04.333" v="1905" actId="20577"/>
-        <pc:sldMkLst>
-          <pc:docMk/>
-          <pc:sldMk cId="972163772" sldId="2720"/>
-        </pc:sldMkLst>
-        <pc:spChg chg="mod">
-          <ac:chgData name="Xin Luo" userId="82312ee5779919a4" providerId="LiveId" clId="{3C4A7AF4-6488-5041-B432-D36EF53163D3}" dt="2023-02-23T04:51:04.333" v="1905" actId="20577"/>
-          <ac:spMkLst>
-            <pc:docMk/>
-            <pc:sldMk cId="972163772" sldId="2720"/>
-            <ac:spMk id="7" creationId="{00000000-0000-0000-0000-000000000000}"/>
-          </ac:spMkLst>
-        </pc:spChg>
-      </pc:sldChg>
-      <pc:sldChg chg="del">
-        <pc:chgData name="Xin Luo" userId="82312ee5779919a4" providerId="LiveId" clId="{3C4A7AF4-6488-5041-B432-D36EF53163D3}" dt="2023-02-22T07:32:37.778" v="309" actId="2696"/>
-        <pc:sldMkLst>
-          <pc:docMk/>
-          <pc:sldMk cId="3480831675" sldId="2720"/>
-        </pc:sldMkLst>
-      </pc:sldChg>
-      <pc:sldChg chg="del">
-        <pc:chgData name="Xin Luo" userId="82312ee5779919a4" providerId="LiveId" clId="{3C4A7AF4-6488-5041-B432-D36EF53163D3}" dt="2023-02-22T07:32:46.484" v="310" actId="2696"/>
-        <pc:sldMkLst>
-          <pc:docMk/>
-          <pc:sldMk cId="1410676903" sldId="2721"/>
-        </pc:sldMkLst>
-      </pc:sldChg>
-      <pc:sldChg chg="delSp modSp add mod ord">
-        <pc:chgData name="Xin Luo" userId="82312ee5779919a4" providerId="LiveId" clId="{3C4A7AF4-6488-5041-B432-D36EF53163D3}" dt="2023-02-23T07:12:50.196" v="2062" actId="478"/>
-        <pc:sldMkLst>
-          <pc:docMk/>
-          <pc:sldMk cId="2689695864" sldId="2721"/>
-        </pc:sldMkLst>
-        <pc:spChg chg="mod">
-          <ac:chgData name="Xin Luo" userId="82312ee5779919a4" providerId="LiveId" clId="{3C4A7AF4-6488-5041-B432-D36EF53163D3}" dt="2023-02-23T07:07:57.259" v="2017" actId="20577"/>
-          <ac:spMkLst>
-            <pc:docMk/>
-            <pc:sldMk cId="2689695864" sldId="2721"/>
-            <ac:spMk id="2" creationId="{631AADB6-C88A-D817-4683-FC087E4E240F}"/>
-          </ac:spMkLst>
-        </pc:spChg>
-        <pc:spChg chg="mod">
-          <ac:chgData name="Xin Luo" userId="82312ee5779919a4" providerId="LiveId" clId="{3C4A7AF4-6488-5041-B432-D36EF53163D3}" dt="2023-02-23T07:07:20.323" v="1987"/>
-          <ac:spMkLst>
-            <pc:docMk/>
-            <pc:sldMk cId="2689695864" sldId="2721"/>
-            <ac:spMk id="3" creationId="{00000000-0000-0000-0000-000000000000}"/>
-          </ac:spMkLst>
-        </pc:spChg>
-        <pc:spChg chg="del">
-          <ac:chgData name="Xin Luo" userId="82312ee5779919a4" providerId="LiveId" clId="{3C4A7AF4-6488-5041-B432-D36EF53163D3}" dt="2023-02-23T07:12:50.196" v="2062" actId="478"/>
-          <ac:spMkLst>
-            <pc:docMk/>
-            <pc:sldMk cId="2689695864" sldId="2721"/>
-            <ac:spMk id="4" creationId="{B31A8325-31D8-6F06-6D89-E39763C56875}"/>
-          </ac:spMkLst>
-        </pc:spChg>
-        <pc:spChg chg="mod">
-          <ac:chgData name="Xin Luo" userId="82312ee5779919a4" providerId="LiveId" clId="{3C4A7AF4-6488-5041-B432-D36EF53163D3}" dt="2023-02-23T07:09:59.951" v="2061" actId="20577"/>
-          <ac:spMkLst>
-            <pc:docMk/>
-            <pc:sldMk cId="2689695864" sldId="2721"/>
-            <ac:spMk id="17" creationId="{9E05FFCA-3371-AF5C-381D-71D984055F5A}"/>
-          </ac:spMkLst>
-        </pc:spChg>
-      </pc:sldChg>
-      <pc:sldChg chg="add del">
-        <pc:chgData name="Xin Luo" userId="82312ee5779919a4" providerId="LiveId" clId="{3C4A7AF4-6488-5041-B432-D36EF53163D3}" dt="2023-02-23T01:10:59.145" v="1497"/>
-        <pc:sldMkLst>
-          <pc:docMk/>
-          <pc:sldMk cId="2910826875" sldId="2721"/>
-        </pc:sldMkLst>
-      </pc:sldChg>
-      <pc:sldChg chg="addSp delSp modSp add mod ord">
-        <pc:chgData name="Xin Luo" userId="82312ee5779919a4" providerId="LiveId" clId="{3C4A7AF4-6488-5041-B432-D36EF53163D3}" dt="2023-02-23T07:26:03.168" v="2327" actId="20577"/>
-        <pc:sldMkLst>
-          <pc:docMk/>
-          <pc:sldMk cId="1209572041" sldId="2722"/>
-        </pc:sldMkLst>
-        <pc:spChg chg="del mod">
-          <ac:chgData name="Xin Luo" userId="82312ee5779919a4" providerId="LiveId" clId="{3C4A7AF4-6488-5041-B432-D36EF53163D3}" dt="2023-02-23T07:25:48.882" v="2315" actId="478"/>
-          <ac:spMkLst>
-            <pc:docMk/>
-            <pc:sldMk cId="1209572041" sldId="2722"/>
-            <ac:spMk id="2" creationId="{631AADB6-C88A-D817-4683-FC087E4E240F}"/>
-          </ac:spMkLst>
-        </pc:spChg>
-        <pc:spChg chg="mod">
-          <ac:chgData name="Xin Luo" userId="82312ee5779919a4" providerId="LiveId" clId="{3C4A7AF4-6488-5041-B432-D36EF53163D3}" dt="2023-02-23T07:26:03.168" v="2327" actId="20577"/>
-          <ac:spMkLst>
-            <pc:docMk/>
-            <pc:sldMk cId="1209572041" sldId="2722"/>
-            <ac:spMk id="3" creationId="{00000000-0000-0000-0000-000000000000}"/>
-          </ac:spMkLst>
-        </pc:spChg>
-        <pc:spChg chg="add del mod">
-          <ac:chgData name="Xin Luo" userId="82312ee5779919a4" providerId="LiveId" clId="{3C4A7AF4-6488-5041-B432-D36EF53163D3}" dt="2023-02-23T07:25:42.840" v="2313" actId="478"/>
-          <ac:spMkLst>
-            <pc:docMk/>
-            <pc:sldMk cId="1209572041" sldId="2722"/>
-            <ac:spMk id="4" creationId="{1142D573-39B3-7F92-D797-85454C098638}"/>
-          </ac:spMkLst>
-        </pc:spChg>
-        <pc:spChg chg="add del mod">
-          <ac:chgData name="Xin Luo" userId="82312ee5779919a4" providerId="LiveId" clId="{3C4A7AF4-6488-5041-B432-D36EF53163D3}" dt="2023-02-23T07:25:42.840" v="2313" actId="478"/>
-          <ac:spMkLst>
-            <pc:docMk/>
-            <pc:sldMk cId="1209572041" sldId="2722"/>
-            <ac:spMk id="5" creationId="{A5864BEB-996C-F0AF-3A0B-26BB46B4EE87}"/>
-          </ac:spMkLst>
-        </pc:spChg>
-        <pc:spChg chg="add del mod">
-          <ac:chgData name="Xin Luo" userId="82312ee5779919a4" providerId="LiveId" clId="{3C4A7AF4-6488-5041-B432-D36EF53163D3}" dt="2023-02-23T07:25:48.882" v="2315" actId="478"/>
-          <ac:spMkLst>
-            <pc:docMk/>
-            <pc:sldMk cId="1209572041" sldId="2722"/>
-            <ac:spMk id="6" creationId="{D5048D8D-770E-37C2-8271-C710C5C8E2D0}"/>
-          </ac:spMkLst>
-        </pc:spChg>
-        <pc:spChg chg="add del mod">
-          <ac:chgData name="Xin Luo" userId="82312ee5779919a4" providerId="LiveId" clId="{3C4A7AF4-6488-5041-B432-D36EF53163D3}" dt="2023-02-23T07:25:48.882" v="2315" actId="478"/>
-          <ac:spMkLst>
-            <pc:docMk/>
-            <pc:sldMk cId="1209572041" sldId="2722"/>
-            <ac:spMk id="8" creationId="{196BD59A-0CC5-48B3-F0DD-26A59FE6A391}"/>
-          </ac:spMkLst>
-        </pc:spChg>
-        <pc:spChg chg="add del mod">
-          <ac:chgData name="Xin Luo" userId="82312ee5779919a4" providerId="LiveId" clId="{3C4A7AF4-6488-5041-B432-D36EF53163D3}" dt="2023-02-23T07:25:48.882" v="2315" actId="478"/>
-          <ac:spMkLst>
-            <pc:docMk/>
-            <pc:sldMk cId="1209572041" sldId="2722"/>
-            <ac:spMk id="9" creationId="{C753F62A-4457-3186-8C22-1660EC8CABE8}"/>
-          </ac:spMkLst>
-        </pc:spChg>
-        <pc:spChg chg="add mod">
-          <ac:chgData name="Xin Luo" userId="82312ee5779919a4" providerId="LiveId" clId="{3C4A7AF4-6488-5041-B432-D36EF53163D3}" dt="2023-02-23T07:25:49.454" v="2316"/>
-          <ac:spMkLst>
-            <pc:docMk/>
-            <pc:sldMk cId="1209572041" sldId="2722"/>
-            <ac:spMk id="11" creationId="{53A7E693-8098-76C4-CD5D-47166ABEB164}"/>
-          </ac:spMkLst>
-        </pc:spChg>
-        <pc:spChg chg="add mod">
-          <ac:chgData name="Xin Luo" userId="82312ee5779919a4" providerId="LiveId" clId="{3C4A7AF4-6488-5041-B432-D36EF53163D3}" dt="2023-02-23T07:25:49.454" v="2316"/>
-          <ac:spMkLst>
-            <pc:docMk/>
-            <pc:sldMk cId="1209572041" sldId="2722"/>
-            <ac:spMk id="13" creationId="{303BC878-BC57-D350-27A3-F03AE48213AC}"/>
-          </ac:spMkLst>
-        </pc:spChg>
-        <pc:spChg chg="add mod">
-          <ac:chgData name="Xin Luo" userId="82312ee5779919a4" providerId="LiveId" clId="{3C4A7AF4-6488-5041-B432-D36EF53163D3}" dt="2023-02-23T07:25:49.454" v="2316"/>
-          <ac:spMkLst>
-            <pc:docMk/>
-            <pc:sldMk cId="1209572041" sldId="2722"/>
-            <ac:spMk id="14" creationId="{0DADB612-499B-577C-8C56-FA81A4204DD1}"/>
-          </ac:spMkLst>
-        </pc:spChg>
-        <pc:spChg chg="del">
-          <ac:chgData name="Xin Luo" userId="82312ee5779919a4" providerId="LiveId" clId="{3C4A7AF4-6488-5041-B432-D36EF53163D3}" dt="2023-02-23T01:32:29.566" v="1590" actId="478"/>
-          <ac:spMkLst>
-            <pc:docMk/>
-            <pc:sldMk cId="1209572041" sldId="2722"/>
-            <ac:spMk id="15" creationId="{8F7436BD-0CD5-04DA-2B44-925CE86CF70D}"/>
-          </ac:spMkLst>
-        </pc:spChg>
-        <pc:spChg chg="del">
-          <ac:chgData name="Xin Luo" userId="82312ee5779919a4" providerId="LiveId" clId="{3C4A7AF4-6488-5041-B432-D36EF53163D3}" dt="2023-02-23T01:32:29.566" v="1590" actId="478"/>
-          <ac:spMkLst>
-            <pc:docMk/>
-            <pc:sldMk cId="1209572041" sldId="2722"/>
-            <ac:spMk id="16" creationId="{5E1E7D79-A815-9A32-ABAB-129BFCE643F1}"/>
-          </ac:spMkLst>
-        </pc:spChg>
-        <pc:spChg chg="del">
-          <ac:chgData name="Xin Luo" userId="82312ee5779919a4" providerId="LiveId" clId="{3C4A7AF4-6488-5041-B432-D36EF53163D3}" dt="2023-02-23T01:32:26.511" v="1589" actId="478"/>
-          <ac:spMkLst>
-            <pc:docMk/>
-            <pc:sldMk cId="1209572041" sldId="2722"/>
-            <ac:spMk id="17" creationId="{9E05FFCA-3371-AF5C-381D-71D984055F5A}"/>
-          </ac:spMkLst>
-        </pc:spChg>
-        <pc:picChg chg="del">
-          <ac:chgData name="Xin Luo" userId="82312ee5779919a4" providerId="LiveId" clId="{3C4A7AF4-6488-5041-B432-D36EF53163D3}" dt="2023-02-23T01:32:29.566" v="1590" actId="478"/>
-          <ac:picMkLst>
-            <pc:docMk/>
-            <pc:sldMk cId="1209572041" sldId="2722"/>
-            <ac:picMk id="7" creationId="{C7993E05-4ADB-9D0C-E633-5749F445E479}"/>
-          </ac:picMkLst>
-        </pc:picChg>
-        <pc:picChg chg="del">
-          <ac:chgData name="Xin Luo" userId="82312ee5779919a4" providerId="LiveId" clId="{3C4A7AF4-6488-5041-B432-D36EF53163D3}" dt="2023-02-23T01:32:29.566" v="1590" actId="478"/>
-          <ac:picMkLst>
-            <pc:docMk/>
-            <pc:sldMk cId="1209572041" sldId="2722"/>
-            <ac:picMk id="10" creationId="{26D555B6-DE11-BF17-8D9F-B5F93A876835}"/>
-          </ac:picMkLst>
-        </pc:picChg>
-        <pc:picChg chg="del">
-          <ac:chgData name="Xin Luo" userId="82312ee5779919a4" providerId="LiveId" clId="{3C4A7AF4-6488-5041-B432-D36EF53163D3}" dt="2023-02-23T01:32:29.566" v="1590" actId="478"/>
-          <ac:picMkLst>
-            <pc:docMk/>
-            <pc:sldMk cId="1209572041" sldId="2722"/>
-            <ac:picMk id="1028" creationId="{9FA49340-63F1-4959-1786-FD893DE76CE9}"/>
-          </ac:picMkLst>
-        </pc:picChg>
-        <pc:picChg chg="del">
-          <ac:chgData name="Xin Luo" userId="82312ee5779919a4" providerId="LiveId" clId="{3C4A7AF4-6488-5041-B432-D36EF53163D3}" dt="2023-02-23T01:32:29.566" v="1590" actId="478"/>
-          <ac:picMkLst>
-            <pc:docMk/>
-            <pc:sldMk cId="1209572041" sldId="2722"/>
-            <ac:picMk id="1030" creationId="{35CDAC06-D9CF-2AC8-535E-A1B01EC14218}"/>
-          </ac:picMkLst>
-        </pc:picChg>
-        <pc:picChg chg="del">
-          <ac:chgData name="Xin Luo" userId="82312ee5779919a4" providerId="LiveId" clId="{3C4A7AF4-6488-5041-B432-D36EF53163D3}" dt="2023-02-23T01:32:29.566" v="1590" actId="478"/>
-          <ac:picMkLst>
-            <pc:docMk/>
-            <pc:sldMk cId="1209572041" sldId="2722"/>
-            <ac:picMk id="1032" creationId="{AFE202E8-A338-4627-93EE-5AD65BEE9525}"/>
-          </ac:picMkLst>
-        </pc:picChg>
-        <pc:picChg chg="del">
-          <ac:chgData name="Xin Luo" userId="82312ee5779919a4" providerId="LiveId" clId="{3C4A7AF4-6488-5041-B432-D36EF53163D3}" dt="2023-02-23T01:32:29.566" v="1590" actId="478"/>
-          <ac:picMkLst>
-            <pc:docMk/>
-            <pc:sldMk cId="1209572041" sldId="2722"/>
-            <ac:picMk id="1034" creationId="{D5CBEF68-23C0-8F4A-FA5F-CB6BCAE76176}"/>
-          </ac:picMkLst>
-        </pc:picChg>
-        <pc:picChg chg="del">
-          <ac:chgData name="Xin Luo" userId="82312ee5779919a4" providerId="LiveId" clId="{3C4A7AF4-6488-5041-B432-D36EF53163D3}" dt="2023-02-23T01:32:29.566" v="1590" actId="478"/>
-          <ac:picMkLst>
-            <pc:docMk/>
-            <pc:sldMk cId="1209572041" sldId="2722"/>
-            <ac:picMk id="1036" creationId="{5E2738F1-9461-1F5B-3007-2AA2AD20C330}"/>
-          </ac:picMkLst>
-        </pc:picChg>
-        <pc:cxnChg chg="del">
-          <ac:chgData name="Xin Luo" userId="82312ee5779919a4" providerId="LiveId" clId="{3C4A7AF4-6488-5041-B432-D36EF53163D3}" dt="2023-02-23T01:32:29.566" v="1590" actId="478"/>
-          <ac:cxnSpMkLst>
-            <pc:docMk/>
-            <pc:sldMk cId="1209572041" sldId="2722"/>
-            <ac:cxnSpMk id="12" creationId="{78FA799A-1F2C-F1DA-9F71-B1B8AFBC5758}"/>
-          </ac:cxnSpMkLst>
-        </pc:cxnChg>
-      </pc:sldChg>
-      <pc:sldChg chg="add del">
-        <pc:chgData name="Xin Luo" userId="82312ee5779919a4" providerId="LiveId" clId="{3C4A7AF4-6488-5041-B432-D36EF53163D3}" dt="2023-02-23T01:15:26.280" v="1535"/>
-        <pc:sldMkLst>
-          <pc:docMk/>
-          <pc:sldMk cId="1287359691" sldId="2722"/>
-        </pc:sldMkLst>
-      </pc:sldChg>
-      <pc:sldChg chg="add del">
-        <pc:chgData name="Xin Luo" userId="82312ee5779919a4" providerId="LiveId" clId="{3C4A7AF4-6488-5041-B432-D36EF53163D3}" dt="2023-02-23T04:49:30.686" v="1883" actId="2696"/>
-        <pc:sldMkLst>
-          <pc:docMk/>
-          <pc:sldMk cId="510300836" sldId="2723"/>
-        </pc:sldMkLst>
-      </pc:sldChg>
-      <pc:sldChg chg="addSp delSp modSp add del mod">
-        <pc:chgData name="Xin Luo" userId="82312ee5779919a4" providerId="LiveId" clId="{3C4A7AF4-6488-5041-B432-D36EF53163D3}" dt="2023-02-23T07:26:33.576" v="2330" actId="2696"/>
-        <pc:sldMkLst>
-          <pc:docMk/>
-          <pc:sldMk cId="2794277739" sldId="2723"/>
-        </pc:sldMkLst>
-        <pc:spChg chg="mod">
-          <ac:chgData name="Xin Luo" userId="82312ee5779919a4" providerId="LiveId" clId="{3C4A7AF4-6488-5041-B432-D36EF53163D3}" dt="2023-02-23T07:06:24.407" v="1980" actId="20577"/>
-          <ac:spMkLst>
-            <pc:docMk/>
-            <pc:sldMk cId="2794277739" sldId="2723"/>
-            <ac:spMk id="2" creationId="{631AADB6-C88A-D817-4683-FC087E4E240F}"/>
-          </ac:spMkLst>
-        </pc:spChg>
-        <pc:spChg chg="add mod">
-          <ac:chgData name="Xin Luo" userId="82312ee5779919a4" providerId="LiveId" clId="{3C4A7AF4-6488-5041-B432-D36EF53163D3}" dt="2023-02-23T07:19:15.938" v="2297" actId="1076"/>
-          <ac:spMkLst>
-            <pc:docMk/>
-            <pc:sldMk cId="2794277739" sldId="2723"/>
-            <ac:spMk id="4" creationId="{7D2A1925-7BBA-27BB-70E3-C015303A4605}"/>
-          </ac:spMkLst>
-        </pc:spChg>
-        <pc:spChg chg="mod">
-          <ac:chgData name="Xin Luo" userId="82312ee5779919a4" providerId="LiveId" clId="{3C4A7AF4-6488-5041-B432-D36EF53163D3}" dt="2023-02-23T07:19:11.984" v="2296" actId="1035"/>
-          <ac:spMkLst>
-            <pc:docMk/>
-            <pc:sldMk cId="2794277739" sldId="2723"/>
-            <ac:spMk id="5" creationId="{FCD10A89-5E0E-5D73-1D4F-9E11D943B29C}"/>
-          </ac:spMkLst>
-        </pc:spChg>
-        <pc:spChg chg="add del mod">
-          <ac:chgData name="Xin Luo" userId="82312ee5779919a4" providerId="LiveId" clId="{3C4A7AF4-6488-5041-B432-D36EF53163D3}" dt="2023-02-23T07:18:49.470" v="2269" actId="478"/>
-          <ac:spMkLst>
-            <pc:docMk/>
-            <pc:sldMk cId="2794277739" sldId="2723"/>
-            <ac:spMk id="6" creationId="{0CFC768D-C6B8-7C78-18C8-88120E1BA164}"/>
-          </ac:spMkLst>
-        </pc:spChg>
-      </pc:sldChg>
-      <pc:sldChg chg="addSp delSp new del mod">
-        <pc:chgData name="Xin Luo" userId="82312ee5779919a4" providerId="LiveId" clId="{3C4A7AF4-6488-5041-B432-D36EF53163D3}" dt="2023-02-23T07:57:59.493" v="2582" actId="2696"/>
-        <pc:sldMkLst>
-          <pc:docMk/>
-          <pc:sldMk cId="2812212654" sldId="2723"/>
-        </pc:sldMkLst>
-        <pc:spChg chg="add del">
-          <ac:chgData name="Xin Luo" userId="82312ee5779919a4" providerId="LiveId" clId="{3C4A7AF4-6488-5041-B432-D36EF53163D3}" dt="2023-02-23T07:57:53.654" v="2580" actId="478"/>
-          <ac:spMkLst>
-            <pc:docMk/>
-            <pc:sldMk cId="2812212654" sldId="2723"/>
-            <ac:spMk id="5" creationId="{32DB6C91-4B3F-C593-6DD6-5D44AE8A16A1}"/>
-          </ac:spMkLst>
-        </pc:spChg>
-      </pc:sldChg>
-      <pc:sldChg chg="delSp modSp add del mod">
-        <pc:chgData name="Xin Luo" userId="82312ee5779919a4" providerId="LiveId" clId="{3C4A7AF4-6488-5041-B432-D36EF53163D3}" dt="2023-02-23T07:58:40.953" v="2629" actId="2696"/>
-        <pc:sldMkLst>
-          <pc:docMk/>
-          <pc:sldMk cId="1937332499" sldId="2724"/>
-        </pc:sldMkLst>
-        <pc:spChg chg="del">
-          <ac:chgData name="Xin Luo" userId="82312ee5779919a4" providerId="LiveId" clId="{3C4A7AF4-6488-5041-B432-D36EF53163D3}" dt="2023-02-23T07:58:08.084" v="2584" actId="478"/>
-          <ac:spMkLst>
-            <pc:docMk/>
-            <pc:sldMk cId="1937332499" sldId="2724"/>
-            <ac:spMk id="2" creationId="{631AADB6-C88A-D817-4683-FC087E4E240F}"/>
-          </ac:spMkLst>
-        </pc:spChg>
-        <pc:spChg chg="mod">
-          <ac:chgData name="Xin Luo" userId="82312ee5779919a4" providerId="LiveId" clId="{3C4A7AF4-6488-5041-B432-D36EF53163D3}" dt="2023-02-23T07:58:04.716" v="2583" actId="20577"/>
-          <ac:spMkLst>
-            <pc:docMk/>
-            <pc:sldMk cId="1937332499" sldId="2724"/>
-            <ac:spMk id="5" creationId="{9F4AEA98-0C33-E82A-EB75-839D0F0B55A4}"/>
-          </ac:spMkLst>
-        </pc:spChg>
-      </pc:sldChg>
-      <pc:sldChg chg="addSp delSp modSp add mod">
-        <pc:chgData name="Xin Luo" userId="82312ee5779919a4" providerId="LiveId" clId="{3C4A7AF4-6488-5041-B432-D36EF53163D3}" dt="2023-02-23T14:01:10.568" v="6309" actId="403"/>
-        <pc:sldMkLst>
-          <pc:docMk/>
-          <pc:sldMk cId="353940032" sldId="2725"/>
-        </pc:sldMkLst>
-        <pc:spChg chg="del">
-          <ac:chgData name="Xin Luo" userId="82312ee5779919a4" providerId="LiveId" clId="{3C4A7AF4-6488-5041-B432-D36EF53163D3}" dt="2023-02-23T07:58:44.285" v="2630" actId="478"/>
-          <ac:spMkLst>
-            <pc:docMk/>
-            <pc:sldMk cId="353940032" sldId="2725"/>
-            <ac:spMk id="5" creationId="{9F4AEA98-0C33-E82A-EB75-839D0F0B55A4}"/>
-          </ac:spMkLst>
-        </pc:spChg>
-        <pc:spChg chg="add del mod">
-          <ac:chgData name="Xin Luo" userId="82312ee5779919a4" providerId="LiveId" clId="{3C4A7AF4-6488-5041-B432-D36EF53163D3}" dt="2023-02-23T08:03:26.952" v="2830" actId="478"/>
-          <ac:spMkLst>
-            <pc:docMk/>
-            <pc:sldMk cId="353940032" sldId="2725"/>
-            <ac:spMk id="8" creationId="{B4BD9B36-DD0F-C605-CD8A-4496EF1E69FB}"/>
-          </ac:spMkLst>
-        </pc:spChg>
-        <pc:spChg chg="add del mod">
-          <ac:chgData name="Xin Luo" userId="82312ee5779919a4" providerId="LiveId" clId="{3C4A7AF4-6488-5041-B432-D36EF53163D3}" dt="2023-02-23T08:17:02.315" v="2960" actId="478"/>
-          <ac:spMkLst>
-            <pc:docMk/>
-            <pc:sldMk cId="353940032" sldId="2725"/>
-            <ac:spMk id="9" creationId="{C5D5B32B-C0A4-3998-E51B-D49719750C93}"/>
-          </ac:spMkLst>
-        </pc:spChg>
-        <pc:spChg chg="add del">
-          <ac:chgData name="Xin Luo" userId="82312ee5779919a4" providerId="LiveId" clId="{3C4A7AF4-6488-5041-B432-D36EF53163D3}" dt="2023-02-23T08:13:11.506" v="2838" actId="22"/>
-          <ac:spMkLst>
-            <pc:docMk/>
-            <pc:sldMk cId="353940032" sldId="2725"/>
-            <ac:spMk id="11" creationId="{394DCEF2-1A72-55F4-C8F5-0A6F901EB8C5}"/>
-          </ac:spMkLst>
-        </pc:spChg>
-        <pc:spChg chg="add del mod">
-          <ac:chgData name="Xin Luo" userId="82312ee5779919a4" providerId="LiveId" clId="{3C4A7AF4-6488-5041-B432-D36EF53163D3}" dt="2023-02-23T08:13:58.411" v="2853" actId="478"/>
-          <ac:spMkLst>
-            <pc:docMk/>
-            <pc:sldMk cId="353940032" sldId="2725"/>
-            <ac:spMk id="14" creationId="{CB13D4B6-397A-405A-F3FA-3AB8A074904A}"/>
-          </ac:spMkLst>
-        </pc:spChg>
-        <pc:spChg chg="add mod">
-          <ac:chgData name="Xin Luo" userId="82312ee5779919a4" providerId="LiveId" clId="{3C4A7AF4-6488-5041-B432-D36EF53163D3}" dt="2023-02-23T14:01:07.716" v="6308" actId="1037"/>
-          <ac:spMkLst>
-            <pc:docMk/>
-            <pc:sldMk cId="353940032" sldId="2725"/>
-            <ac:spMk id="18" creationId="{EA1F849C-A369-B918-F9E4-7A2F143D4F50}"/>
-          </ac:spMkLst>
-        </pc:spChg>
-        <pc:spChg chg="add mod">
-          <ac:chgData name="Xin Luo" userId="82312ee5779919a4" providerId="LiveId" clId="{3C4A7AF4-6488-5041-B432-D36EF53163D3}" dt="2023-02-23T14:01:07.716" v="6308" actId="1037"/>
-          <ac:spMkLst>
-            <pc:docMk/>
-            <pc:sldMk cId="353940032" sldId="2725"/>
-            <ac:spMk id="23" creationId="{86451A61-9A98-4F6C-FD33-95BBB6A82E9B}"/>
-          </ac:spMkLst>
-        </pc:spChg>
-        <pc:spChg chg="add mod">
-          <ac:chgData name="Xin Luo" userId="82312ee5779919a4" providerId="LiveId" clId="{3C4A7AF4-6488-5041-B432-D36EF53163D3}" dt="2023-02-23T14:01:07.716" v="6308" actId="1037"/>
-          <ac:spMkLst>
-            <pc:docMk/>
-            <pc:sldMk cId="353940032" sldId="2725"/>
-            <ac:spMk id="27" creationId="{B5505DF4-B06F-0E86-A93E-D8AA97280A97}"/>
-          </ac:spMkLst>
-        </pc:spChg>
-        <pc:spChg chg="add mod">
-          <ac:chgData name="Xin Luo" userId="82312ee5779919a4" providerId="LiveId" clId="{3C4A7AF4-6488-5041-B432-D36EF53163D3}" dt="2023-02-23T14:01:07.716" v="6308" actId="1037"/>
-          <ac:spMkLst>
-            <pc:docMk/>
-            <pc:sldMk cId="353940032" sldId="2725"/>
-            <ac:spMk id="32" creationId="{4C666A96-1F83-4E49-2237-FBD1F6223EE5}"/>
-          </ac:spMkLst>
-        </pc:spChg>
-        <pc:spChg chg="add del mod">
-          <ac:chgData name="Xin Luo" userId="82312ee5779919a4" providerId="LiveId" clId="{3C4A7AF4-6488-5041-B432-D36EF53163D3}" dt="2023-02-23T08:17:34.201" v="2978" actId="478"/>
-          <ac:spMkLst>
-            <pc:docMk/>
-            <pc:sldMk cId="353940032" sldId="2725"/>
-            <ac:spMk id="33" creationId="{58A165C7-14DF-84A3-969A-9CD45F1DCE16}"/>
-          </ac:spMkLst>
-        </pc:spChg>
-        <pc:spChg chg="add mod">
-          <ac:chgData name="Xin Luo" userId="82312ee5779919a4" providerId="LiveId" clId="{3C4A7AF4-6488-5041-B432-D36EF53163D3}" dt="2023-02-23T14:01:07.716" v="6308" actId="1037"/>
-          <ac:spMkLst>
-            <pc:docMk/>
-            <pc:sldMk cId="353940032" sldId="2725"/>
-            <ac:spMk id="36" creationId="{61265673-F240-13EE-D023-1E17A69A2015}"/>
-          </ac:spMkLst>
-        </pc:spChg>
-        <pc:spChg chg="add mod">
-          <ac:chgData name="Xin Luo" userId="82312ee5779919a4" providerId="LiveId" clId="{3C4A7AF4-6488-5041-B432-D36EF53163D3}" dt="2023-02-23T14:01:07.716" v="6308" actId="1037"/>
-          <ac:spMkLst>
-            <pc:docMk/>
-            <pc:sldMk cId="353940032" sldId="2725"/>
-            <ac:spMk id="41" creationId="{4AEBC326-1609-596B-8537-39F116527A31}"/>
-          </ac:spMkLst>
-        </pc:spChg>
-        <pc:spChg chg="add mod">
-          <ac:chgData name="Xin Luo" userId="82312ee5779919a4" providerId="LiveId" clId="{3C4A7AF4-6488-5041-B432-D36EF53163D3}" dt="2023-02-23T14:01:10.568" v="6309" actId="403"/>
-          <ac:spMkLst>
-            <pc:docMk/>
-            <pc:sldMk cId="353940032" sldId="2725"/>
-            <ac:spMk id="52" creationId="{BDCBD33D-9B4F-EBEE-30C8-194823DDF5C4}"/>
-          </ac:spMkLst>
-        </pc:spChg>
-        <pc:picChg chg="add del mod">
-          <ac:chgData name="Xin Luo" userId="82312ee5779919a4" providerId="LiveId" clId="{3C4A7AF4-6488-5041-B432-D36EF53163D3}" dt="2023-02-23T07:59:45.150" v="2636" actId="478"/>
-          <ac:picMkLst>
-            <pc:docMk/>
-            <pc:sldMk cId="353940032" sldId="2725"/>
-            <ac:picMk id="6" creationId="{ABF2538E-3931-684C-5309-B671AB9AA143}"/>
-          </ac:picMkLst>
-        </pc:picChg>
-        <pc:picChg chg="add mod">
-          <ac:chgData name="Xin Luo" userId="82312ee5779919a4" providerId="LiveId" clId="{3C4A7AF4-6488-5041-B432-D36EF53163D3}" dt="2023-02-23T14:01:07.716" v="6308" actId="1037"/>
-          <ac:picMkLst>
-            <pc:docMk/>
-            <pc:sldMk cId="353940032" sldId="2725"/>
-            <ac:picMk id="13" creationId="{8C9C030C-3B7C-019D-DCD0-031FFB65880B}"/>
-          </ac:picMkLst>
-        </pc:picChg>
-        <pc:picChg chg="add del mod">
-          <ac:chgData name="Xin Luo" userId="82312ee5779919a4" providerId="LiveId" clId="{3C4A7AF4-6488-5041-B432-D36EF53163D3}" dt="2023-02-23T08:14:05.156" v="2855"/>
-          <ac:picMkLst>
-            <pc:docMk/>
-            <pc:sldMk cId="353940032" sldId="2725"/>
-            <ac:picMk id="16" creationId="{77387614-61CB-0F04-BCF9-79224E134DDE}"/>
-          </ac:picMkLst>
-        </pc:picChg>
-        <pc:picChg chg="add del mod">
-          <ac:chgData name="Xin Luo" userId="82312ee5779919a4" providerId="LiveId" clId="{3C4A7AF4-6488-5041-B432-D36EF53163D3}" dt="2023-02-23T08:13:09.198" v="2836" actId="478"/>
-          <ac:picMkLst>
-            <pc:docMk/>
-            <pc:sldMk cId="353940032" sldId="2725"/>
-            <ac:picMk id="7170" creationId="{597AA3CD-2B11-EA12-7C93-7AEDDD1C97EB}"/>
-          </ac:picMkLst>
-        </pc:picChg>
-        <pc:cxnChg chg="add mod">
-          <ac:chgData name="Xin Luo" userId="82312ee5779919a4" providerId="LiveId" clId="{3C4A7AF4-6488-5041-B432-D36EF53163D3}" dt="2023-02-23T14:01:07.716" v="6308" actId="1037"/>
-          <ac:cxnSpMkLst>
-            <pc:docMk/>
-            <pc:sldMk cId="353940032" sldId="2725"/>
-            <ac:cxnSpMk id="20" creationId="{F2DADA90-0297-320A-7A9B-7BCB73C8D266}"/>
-          </ac:cxnSpMkLst>
-        </pc:cxnChg>
-        <pc:cxnChg chg="add mod">
-          <ac:chgData name="Xin Luo" userId="82312ee5779919a4" providerId="LiveId" clId="{3C4A7AF4-6488-5041-B432-D36EF53163D3}" dt="2023-02-23T14:01:07.716" v="6308" actId="1037"/>
-          <ac:cxnSpMkLst>
-            <pc:docMk/>
-            <pc:sldMk cId="353940032" sldId="2725"/>
-            <ac:cxnSpMk id="24" creationId="{82FB81A3-8873-C2B6-3A89-83770CDB4D12}"/>
-          </ac:cxnSpMkLst>
-        </pc:cxnChg>
-        <pc:cxnChg chg="add mod">
-          <ac:chgData name="Xin Luo" userId="82312ee5779919a4" providerId="LiveId" clId="{3C4A7AF4-6488-5041-B432-D36EF53163D3}" dt="2023-02-23T14:01:07.716" v="6308" actId="1037"/>
-          <ac:cxnSpMkLst>
-            <pc:docMk/>
-            <pc:sldMk cId="353940032" sldId="2725"/>
-            <ac:cxnSpMk id="28" creationId="{69368A4A-1E30-C7FF-93A8-823E0BFFDDAF}"/>
-          </ac:cxnSpMkLst>
-        </pc:cxnChg>
-        <pc:cxnChg chg="add del mod">
-          <ac:chgData name="Xin Luo" userId="82312ee5779919a4" providerId="LiveId" clId="{3C4A7AF4-6488-5041-B432-D36EF53163D3}" dt="2023-02-23T08:16:31.548" v="2938" actId="478"/>
-          <ac:cxnSpMkLst>
-            <pc:docMk/>
-            <pc:sldMk cId="353940032" sldId="2725"/>
-            <ac:cxnSpMk id="34" creationId="{BE0EC96C-0881-8776-2467-19FDCB952D04}"/>
-          </ac:cxnSpMkLst>
-        </pc:cxnChg>
-        <pc:cxnChg chg="add mod">
-          <ac:chgData name="Xin Luo" userId="82312ee5779919a4" providerId="LiveId" clId="{3C4A7AF4-6488-5041-B432-D36EF53163D3}" dt="2023-02-23T14:01:07.716" v="6308" actId="1037"/>
-          <ac:cxnSpMkLst>
-            <pc:docMk/>
-            <pc:sldMk cId="353940032" sldId="2725"/>
-            <ac:cxnSpMk id="37" creationId="{ED1D5863-9CEA-F4CB-B242-8166548C4786}"/>
-          </ac:cxnSpMkLst>
-        </pc:cxnChg>
-        <pc:cxnChg chg="add mod">
-          <ac:chgData name="Xin Luo" userId="82312ee5779919a4" providerId="LiveId" clId="{3C4A7AF4-6488-5041-B432-D36EF53163D3}" dt="2023-02-23T14:01:07.716" v="6308" actId="1037"/>
-          <ac:cxnSpMkLst>
-            <pc:docMk/>
-            <pc:sldMk cId="353940032" sldId="2725"/>
-            <ac:cxnSpMk id="43" creationId="{C3F4E5FF-54E3-E9AA-5351-C586D6201A32}"/>
-          </ac:cxnSpMkLst>
-        </pc:cxnChg>
-      </pc:sldChg>
-      <pc:sldChg chg="addSp delSp modSp add mod">
-        <pc:chgData name="Xin Luo" userId="82312ee5779919a4" providerId="LiveId" clId="{3C4A7AF4-6488-5041-B432-D36EF53163D3}" dt="2023-02-23T08:31:04.830" v="3778" actId="113"/>
-        <pc:sldMkLst>
-          <pc:docMk/>
-          <pc:sldMk cId="45083394" sldId="2726"/>
-        </pc:sldMkLst>
-        <pc:spChg chg="mod">
-          <ac:chgData name="Xin Luo" userId="82312ee5779919a4" providerId="LiveId" clId="{3C4A7AF4-6488-5041-B432-D36EF53163D3}" dt="2023-02-23T08:22:15.262" v="3115" actId="20577"/>
-          <ac:spMkLst>
-            <pc:docMk/>
-            <pc:sldMk cId="45083394" sldId="2726"/>
-            <ac:spMk id="2" creationId="{631AADB6-C88A-D817-4683-FC087E4E240F}"/>
-          </ac:spMkLst>
-        </pc:spChg>
-        <pc:spChg chg="add mod">
-          <ac:chgData name="Xin Luo" userId="82312ee5779919a4" providerId="LiveId" clId="{3C4A7AF4-6488-5041-B432-D36EF53163D3}" dt="2023-02-23T08:28:50.576" v="3636" actId="21"/>
-          <ac:spMkLst>
-            <pc:docMk/>
-            <pc:sldMk cId="45083394" sldId="2726"/>
-            <ac:spMk id="4" creationId="{D9BBA39C-AB76-6753-5B9C-0A4D018B0DED}"/>
-          </ac:spMkLst>
-        </pc:spChg>
-        <pc:spChg chg="add mod">
-          <ac:chgData name="Xin Luo" userId="82312ee5779919a4" providerId="LiveId" clId="{3C4A7AF4-6488-5041-B432-D36EF53163D3}" dt="2023-02-23T08:29:47.843" v="3720" actId="20577"/>
-          <ac:spMkLst>
-            <pc:docMk/>
-            <pc:sldMk cId="45083394" sldId="2726"/>
-            <ac:spMk id="8" creationId="{D11D64FF-DB4E-870B-A0A7-C88F2B6D8D18}"/>
-          </ac:spMkLst>
-        </pc:spChg>
-        <pc:spChg chg="add mod">
-          <ac:chgData name="Xin Luo" userId="82312ee5779919a4" providerId="LiveId" clId="{3C4A7AF4-6488-5041-B432-D36EF53163D3}" dt="2023-02-23T08:31:04.830" v="3778" actId="113"/>
-          <ac:spMkLst>
-            <pc:docMk/>
-            <pc:sldMk cId="45083394" sldId="2726"/>
-            <ac:spMk id="9" creationId="{43B7FFBD-DD4A-E963-5F79-321CB599D69F}"/>
-          </ac:spMkLst>
-        </pc:spChg>
-        <pc:spChg chg="add mod">
-          <ac:chgData name="Xin Luo" userId="82312ee5779919a4" providerId="LiveId" clId="{3C4A7AF4-6488-5041-B432-D36EF53163D3}" dt="2023-02-23T08:31:04.830" v="3778" actId="113"/>
-          <ac:spMkLst>
-            <pc:docMk/>
-            <pc:sldMk cId="45083394" sldId="2726"/>
-            <ac:spMk id="10" creationId="{169CC821-AC60-1C05-1AAB-8774F66B13FE}"/>
-          </ac:spMkLst>
-        </pc:spChg>
-        <pc:spChg chg="del">
-          <ac:chgData name="Xin Luo" userId="82312ee5779919a4" providerId="LiveId" clId="{3C4A7AF4-6488-5041-B432-D36EF53163D3}" dt="2023-02-23T08:20:54.394" v="3035" actId="478"/>
-          <ac:spMkLst>
-            <pc:docMk/>
-            <pc:sldMk cId="45083394" sldId="2726"/>
-            <ac:spMk id="18" creationId="{EA1F849C-A369-B918-F9E4-7A2F143D4F50}"/>
-          </ac:spMkLst>
-        </pc:spChg>
-        <pc:spChg chg="del">
-          <ac:chgData name="Xin Luo" userId="82312ee5779919a4" providerId="LiveId" clId="{3C4A7AF4-6488-5041-B432-D36EF53163D3}" dt="2023-02-23T08:20:54.394" v="3035" actId="478"/>
-          <ac:spMkLst>
-            <pc:docMk/>
-            <pc:sldMk cId="45083394" sldId="2726"/>
-            <ac:spMk id="23" creationId="{86451A61-9A98-4F6C-FD33-95BBB6A82E9B}"/>
-          </ac:spMkLst>
-        </pc:spChg>
-        <pc:spChg chg="del">
-          <ac:chgData name="Xin Luo" userId="82312ee5779919a4" providerId="LiveId" clId="{3C4A7AF4-6488-5041-B432-D36EF53163D3}" dt="2023-02-23T08:20:54.394" v="3035" actId="478"/>
-          <ac:spMkLst>
-            <pc:docMk/>
-            <pc:sldMk cId="45083394" sldId="2726"/>
-            <ac:spMk id="27" creationId="{B5505DF4-B06F-0E86-A93E-D8AA97280A97}"/>
-          </ac:spMkLst>
-        </pc:spChg>
-        <pc:spChg chg="del">
-          <ac:chgData name="Xin Luo" userId="82312ee5779919a4" providerId="LiveId" clId="{3C4A7AF4-6488-5041-B432-D36EF53163D3}" dt="2023-02-23T08:20:54.394" v="3035" actId="478"/>
-          <ac:spMkLst>
-            <pc:docMk/>
-            <pc:sldMk cId="45083394" sldId="2726"/>
-            <ac:spMk id="32" creationId="{4C666A96-1F83-4E49-2237-FBD1F6223EE5}"/>
-          </ac:spMkLst>
-        </pc:spChg>
-        <pc:spChg chg="del">
-          <ac:chgData name="Xin Luo" userId="82312ee5779919a4" providerId="LiveId" clId="{3C4A7AF4-6488-5041-B432-D36EF53163D3}" dt="2023-02-23T08:20:54.394" v="3035" actId="478"/>
-          <ac:spMkLst>
-            <pc:docMk/>
-            <pc:sldMk cId="45083394" sldId="2726"/>
-            <ac:spMk id="36" creationId="{61265673-F240-13EE-D023-1E17A69A2015}"/>
-          </ac:spMkLst>
-        </pc:spChg>
-        <pc:spChg chg="del">
-          <ac:chgData name="Xin Luo" userId="82312ee5779919a4" providerId="LiveId" clId="{3C4A7AF4-6488-5041-B432-D36EF53163D3}" dt="2023-02-23T08:20:54.394" v="3035" actId="478"/>
-          <ac:spMkLst>
-            <pc:docMk/>
-            <pc:sldMk cId="45083394" sldId="2726"/>
-            <ac:spMk id="41" creationId="{4AEBC326-1609-596B-8537-39F116527A31}"/>
-          </ac:spMkLst>
-        </pc:spChg>
-        <pc:spChg chg="del">
-          <ac:chgData name="Xin Luo" userId="82312ee5779919a4" providerId="LiveId" clId="{3C4A7AF4-6488-5041-B432-D36EF53163D3}" dt="2023-02-23T08:20:57.243" v="3036" actId="478"/>
-          <ac:spMkLst>
-            <pc:docMk/>
-            <pc:sldMk cId="45083394" sldId="2726"/>
-            <ac:spMk id="52" creationId="{BDCBD33D-9B4F-EBEE-30C8-194823DDF5C4}"/>
-          </ac:spMkLst>
-        </pc:spChg>
-        <pc:picChg chg="add mod">
-          <ac:chgData name="Xin Luo" userId="82312ee5779919a4" providerId="LiveId" clId="{3C4A7AF4-6488-5041-B432-D36EF53163D3}" dt="2023-02-23T08:29:04.406" v="3641" actId="1076"/>
-          <ac:picMkLst>
-            <pc:docMk/>
-            <pc:sldMk cId="45083394" sldId="2726"/>
-            <ac:picMk id="6" creationId="{8F0ECEE9-414A-4841-4298-78B3FB0882AD}"/>
-          </ac:picMkLst>
-        </pc:picChg>
-        <pc:picChg chg="del">
-          <ac:chgData name="Xin Luo" userId="82312ee5779919a4" providerId="LiveId" clId="{3C4A7AF4-6488-5041-B432-D36EF53163D3}" dt="2023-02-23T08:20:54.394" v="3035" actId="478"/>
-          <ac:picMkLst>
-            <pc:docMk/>
-            <pc:sldMk cId="45083394" sldId="2726"/>
-            <ac:picMk id="13" creationId="{8C9C030C-3B7C-019D-DCD0-031FFB65880B}"/>
-          </ac:picMkLst>
-        </pc:picChg>
-        <pc:cxnChg chg="add mod">
-          <ac:chgData name="Xin Luo" userId="82312ee5779919a4" providerId="LiveId" clId="{3C4A7AF4-6488-5041-B432-D36EF53163D3}" dt="2023-02-23T08:30:42.382" v="3770" actId="13822"/>
-          <ac:cxnSpMkLst>
-            <pc:docMk/>
-            <pc:sldMk cId="45083394" sldId="2726"/>
-            <ac:cxnSpMk id="12" creationId="{A43ECA29-12BC-846A-2DE4-6FB5931244DE}"/>
-          </ac:cxnSpMkLst>
-        </pc:cxnChg>
-        <pc:cxnChg chg="add mod">
-          <ac:chgData name="Xin Luo" userId="82312ee5779919a4" providerId="LiveId" clId="{3C4A7AF4-6488-5041-B432-D36EF53163D3}" dt="2023-02-23T08:30:54.723" v="3774" actId="14100"/>
-          <ac:cxnSpMkLst>
-            <pc:docMk/>
-            <pc:sldMk cId="45083394" sldId="2726"/>
-            <ac:cxnSpMk id="14" creationId="{6561B644-72BB-3413-18C9-17D070F6E82C}"/>
-          </ac:cxnSpMkLst>
-        </pc:cxnChg>
-        <pc:cxnChg chg="del mod">
-          <ac:chgData name="Xin Luo" userId="82312ee5779919a4" providerId="LiveId" clId="{3C4A7AF4-6488-5041-B432-D36EF53163D3}" dt="2023-02-23T08:20:54.394" v="3035" actId="478"/>
-          <ac:cxnSpMkLst>
-            <pc:docMk/>
-            <pc:sldMk cId="45083394" sldId="2726"/>
-            <ac:cxnSpMk id="20" creationId="{F2DADA90-0297-320A-7A9B-7BCB73C8D266}"/>
-          </ac:cxnSpMkLst>
-        </pc:cxnChg>
-        <pc:cxnChg chg="del mod">
-          <ac:chgData name="Xin Luo" userId="82312ee5779919a4" providerId="LiveId" clId="{3C4A7AF4-6488-5041-B432-D36EF53163D3}" dt="2023-02-23T08:20:54.394" v="3035" actId="478"/>
-          <ac:cxnSpMkLst>
-            <pc:docMk/>
-            <pc:sldMk cId="45083394" sldId="2726"/>
-            <ac:cxnSpMk id="24" creationId="{82FB81A3-8873-C2B6-3A89-83770CDB4D12}"/>
-          </ac:cxnSpMkLst>
-        </pc:cxnChg>
-        <pc:cxnChg chg="del mod">
-          <ac:chgData name="Xin Luo" userId="82312ee5779919a4" providerId="LiveId" clId="{3C4A7AF4-6488-5041-B432-D36EF53163D3}" dt="2023-02-23T08:20:54.394" v="3035" actId="478"/>
-          <ac:cxnSpMkLst>
-            <pc:docMk/>
-            <pc:sldMk cId="45083394" sldId="2726"/>
-            <ac:cxnSpMk id="28" creationId="{69368A4A-1E30-C7FF-93A8-823E0BFFDDAF}"/>
-          </ac:cxnSpMkLst>
-        </pc:cxnChg>
-        <pc:cxnChg chg="del mod">
-          <ac:chgData name="Xin Luo" userId="82312ee5779919a4" providerId="LiveId" clId="{3C4A7AF4-6488-5041-B432-D36EF53163D3}" dt="2023-02-23T08:20:54.394" v="3035" actId="478"/>
-          <ac:cxnSpMkLst>
-            <pc:docMk/>
-            <pc:sldMk cId="45083394" sldId="2726"/>
-            <ac:cxnSpMk id="37" creationId="{ED1D5863-9CEA-F4CB-B242-8166548C4786}"/>
-          </ac:cxnSpMkLst>
-        </pc:cxnChg>
-        <pc:cxnChg chg="del mod">
-          <ac:chgData name="Xin Luo" userId="82312ee5779919a4" providerId="LiveId" clId="{3C4A7AF4-6488-5041-B432-D36EF53163D3}" dt="2023-02-23T08:20:54.394" v="3035" actId="478"/>
-          <ac:cxnSpMkLst>
-            <pc:docMk/>
-            <pc:sldMk cId="45083394" sldId="2726"/>
-            <ac:cxnSpMk id="43" creationId="{C3F4E5FF-54E3-E9AA-5351-C586D6201A32}"/>
-          </ac:cxnSpMkLst>
-        </pc:cxnChg>
-      </pc:sldChg>
-      <pc:sldChg chg="addSp delSp modSp add mod">
-        <pc:chgData name="Xin Luo" userId="82312ee5779919a4" providerId="LiveId" clId="{3C4A7AF4-6488-5041-B432-D36EF53163D3}" dt="2023-02-23T09:13:39.268" v="5260" actId="1076"/>
-        <pc:sldMkLst>
-          <pc:docMk/>
-          <pc:sldMk cId="148985918" sldId="2727"/>
-        </pc:sldMkLst>
-        <pc:spChg chg="mod">
-          <ac:chgData name="Xin Luo" userId="82312ee5779919a4" providerId="LiveId" clId="{3C4A7AF4-6488-5041-B432-D36EF53163D3}" dt="2023-02-23T09:02:50.639" v="4813" actId="20577"/>
-          <ac:spMkLst>
-            <pc:docMk/>
-            <pc:sldMk cId="148985918" sldId="2727"/>
-            <ac:spMk id="2" creationId="{631AADB6-C88A-D817-4683-FC087E4E240F}"/>
-          </ac:spMkLst>
-        </pc:spChg>
-        <pc:spChg chg="add mod">
-          <ac:chgData name="Xin Luo" userId="82312ee5779919a4" providerId="LiveId" clId="{3C4A7AF4-6488-5041-B432-D36EF53163D3}" dt="2023-02-23T09:13:32.099" v="5259" actId="20577"/>
-          <ac:spMkLst>
-            <pc:docMk/>
-            <pc:sldMk cId="148985918" sldId="2727"/>
-            <ac:spMk id="8" creationId="{BE76C63F-77AB-4EA1-EEE4-7A2884A0CA66}"/>
-          </ac:spMkLst>
-        </pc:spChg>
-        <pc:spChg chg="add mod">
-          <ac:chgData name="Xin Luo" userId="82312ee5779919a4" providerId="LiveId" clId="{3C4A7AF4-6488-5041-B432-D36EF53163D3}" dt="2023-02-23T09:06:57.700" v="4996" actId="164"/>
-          <ac:spMkLst>
-            <pc:docMk/>
-            <pc:sldMk cId="148985918" sldId="2727"/>
-            <ac:spMk id="9" creationId="{2A57F97B-233C-EA66-362B-DE220896F614}"/>
-          </ac:spMkLst>
-        </pc:spChg>
-        <pc:spChg chg="add mod">
-          <ac:chgData name="Xin Luo" userId="82312ee5779919a4" providerId="LiveId" clId="{3C4A7AF4-6488-5041-B432-D36EF53163D3}" dt="2023-02-23T09:06:57.700" v="4996" actId="164"/>
-          <ac:spMkLst>
-            <pc:docMk/>
-            <pc:sldMk cId="148985918" sldId="2727"/>
-            <ac:spMk id="10" creationId="{05061545-3FDF-F0F7-4A20-489EFC9330A5}"/>
-          </ac:spMkLst>
-        </pc:spChg>
-        <pc:spChg chg="add del mod">
-          <ac:chgData name="Xin Luo" userId="82312ee5779919a4" providerId="LiveId" clId="{3C4A7AF4-6488-5041-B432-D36EF53163D3}" dt="2023-02-23T09:07:43.842" v="5057" actId="478"/>
-          <ac:spMkLst>
-            <pc:docMk/>
-            <pc:sldMk cId="148985918" sldId="2727"/>
-            <ac:spMk id="14" creationId="{2A050FDD-5C29-A58A-197A-D5C19F9B5220}"/>
-          </ac:spMkLst>
-        </pc:spChg>
-        <pc:spChg chg="add mod">
-          <ac:chgData name="Xin Luo" userId="82312ee5779919a4" providerId="LiveId" clId="{3C4A7AF4-6488-5041-B432-D36EF53163D3}" dt="2023-02-23T09:09:33.604" v="5094" actId="164"/>
-          <ac:spMkLst>
-            <pc:docMk/>
-            <pc:sldMk cId="148985918" sldId="2727"/>
-            <ac:spMk id="15" creationId="{DF93D913-36DA-AAF7-8561-3F9531FE4A54}"/>
-          </ac:spMkLst>
-        </pc:spChg>
-        <pc:spChg chg="add mod">
-          <ac:chgData name="Xin Luo" userId="82312ee5779919a4" providerId="LiveId" clId="{3C4A7AF4-6488-5041-B432-D36EF53163D3}" dt="2023-02-23T09:09:33.604" v="5094" actId="164"/>
-          <ac:spMkLst>
-            <pc:docMk/>
-            <pc:sldMk cId="148985918" sldId="2727"/>
-            <ac:spMk id="16" creationId="{A455D8E5-C706-2A45-C85C-DFAC15A06B89}"/>
-          </ac:spMkLst>
-        </pc:spChg>
-        <pc:grpChg chg="add mod">
-          <ac:chgData name="Xin Luo" userId="82312ee5779919a4" providerId="LiveId" clId="{3C4A7AF4-6488-5041-B432-D36EF53163D3}" dt="2023-02-23T09:13:39.268" v="5260" actId="1076"/>
-          <ac:grpSpMkLst>
-            <pc:docMk/>
-            <pc:sldMk cId="148985918" sldId="2727"/>
-            <ac:grpSpMk id="13" creationId="{1FD0C9A9-218B-07EF-0C27-42925534088E}"/>
-          </ac:grpSpMkLst>
-        </pc:grpChg>
-        <pc:grpChg chg="add mod">
-          <ac:chgData name="Xin Luo" userId="82312ee5779919a4" providerId="LiveId" clId="{3C4A7AF4-6488-5041-B432-D36EF53163D3}" dt="2023-02-23T09:13:39.268" v="5260" actId="1076"/>
-          <ac:grpSpMkLst>
-            <pc:docMk/>
-            <pc:sldMk cId="148985918" sldId="2727"/>
-            <ac:grpSpMk id="17" creationId="{48848DA8-CFA1-BCEC-5CB7-145BDC28B35D}"/>
-          </ac:grpSpMkLst>
-        </pc:grpChg>
-        <pc:picChg chg="add del mod">
-          <ac:chgData name="Xin Luo" userId="82312ee5779919a4" providerId="LiveId" clId="{3C4A7AF4-6488-5041-B432-D36EF53163D3}" dt="2023-02-23T08:54:57.402" v="4456" actId="21"/>
-          <ac:picMkLst>
-            <pc:docMk/>
-            <pc:sldMk cId="148985918" sldId="2727"/>
-            <ac:picMk id="5" creationId="{EBA5FE03-5125-C70A-F513-A5C24B3C1A14}"/>
-          </ac:picMkLst>
-        </pc:picChg>
-        <pc:picChg chg="add mod">
-          <ac:chgData name="Xin Luo" userId="82312ee5779919a4" providerId="LiveId" clId="{3C4A7AF4-6488-5041-B432-D36EF53163D3}" dt="2023-02-23T09:06:57.700" v="4996" actId="164"/>
-          <ac:picMkLst>
-            <pc:docMk/>
-            <pc:sldMk cId="148985918" sldId="2727"/>
-            <ac:picMk id="7" creationId="{2A956C61-5B6E-D321-B51C-B54690362CE0}"/>
-          </ac:picMkLst>
-        </pc:picChg>
-        <pc:picChg chg="add mod">
-          <ac:chgData name="Xin Luo" userId="82312ee5779919a4" providerId="LiveId" clId="{3C4A7AF4-6488-5041-B432-D36EF53163D3}" dt="2023-02-23T09:09:33.604" v="5094" actId="164"/>
-          <ac:picMkLst>
-            <pc:docMk/>
-            <pc:sldMk cId="148985918" sldId="2727"/>
-            <ac:picMk id="12" creationId="{66610A52-7A60-4351-A358-E26F160E7D72}"/>
-          </ac:picMkLst>
-        </pc:picChg>
-      </pc:sldChg>
-      <pc:sldChg chg="addSp delSp modSp add mod">
-        <pc:chgData name="Xin Luo" userId="82312ee5779919a4" providerId="LiveId" clId="{3C4A7AF4-6488-5041-B432-D36EF53163D3}" dt="2023-02-23T08:32:21.875" v="3790" actId="1076"/>
-        <pc:sldMkLst>
-          <pc:docMk/>
-          <pc:sldMk cId="3544980656" sldId="2728"/>
-        </pc:sldMkLst>
-        <pc:spChg chg="del">
-          <ac:chgData name="Xin Luo" userId="82312ee5779919a4" providerId="LiveId" clId="{3C4A7AF4-6488-5041-B432-D36EF53163D3}" dt="2023-02-23T08:31:33.135" v="3781" actId="478"/>
-          <ac:spMkLst>
-            <pc:docMk/>
-            <pc:sldMk cId="3544980656" sldId="2728"/>
-            <ac:spMk id="4" creationId="{D9BBA39C-AB76-6753-5B9C-0A4D018B0DED}"/>
-          </ac:spMkLst>
-        </pc:spChg>
-        <pc:spChg chg="del">
-          <ac:chgData name="Xin Luo" userId="82312ee5779919a4" providerId="LiveId" clId="{3C4A7AF4-6488-5041-B432-D36EF53163D3}" dt="2023-02-23T08:31:29.753" v="3780" actId="478"/>
-          <ac:spMkLst>
-            <pc:docMk/>
-            <pc:sldMk cId="3544980656" sldId="2728"/>
-            <ac:spMk id="8" creationId="{D11D64FF-DB4E-870B-A0A7-C88F2B6D8D18}"/>
-          </ac:spMkLst>
-        </pc:spChg>
-        <pc:spChg chg="del">
-          <ac:chgData name="Xin Luo" userId="82312ee5779919a4" providerId="LiveId" clId="{3C4A7AF4-6488-5041-B432-D36EF53163D3}" dt="2023-02-23T08:31:36.177" v="3782" actId="478"/>
-          <ac:spMkLst>
-            <pc:docMk/>
-            <pc:sldMk cId="3544980656" sldId="2728"/>
-            <ac:spMk id="9" creationId="{43B7FFBD-DD4A-E963-5F79-321CB599D69F}"/>
-          </ac:spMkLst>
-        </pc:spChg>
-        <pc:spChg chg="del">
-          <ac:chgData name="Xin Luo" userId="82312ee5779919a4" providerId="LiveId" clId="{3C4A7AF4-6488-5041-B432-D36EF53163D3}" dt="2023-02-23T08:31:36.177" v="3782" actId="478"/>
-          <ac:spMkLst>
-            <pc:docMk/>
-            <pc:sldMk cId="3544980656" sldId="2728"/>
-            <ac:spMk id="10" creationId="{169CC821-AC60-1C05-1AAB-8774F66B13FE}"/>
-          </ac:spMkLst>
-        </pc:spChg>
-        <pc:picChg chg="del">
-          <ac:chgData name="Xin Luo" userId="82312ee5779919a4" providerId="LiveId" clId="{3C4A7AF4-6488-5041-B432-D36EF53163D3}" dt="2023-02-23T08:31:36.177" v="3782" actId="478"/>
-          <ac:picMkLst>
-            <pc:docMk/>
-            <pc:sldMk cId="3544980656" sldId="2728"/>
-            <ac:picMk id="6" creationId="{8F0ECEE9-414A-4841-4298-78B3FB0882AD}"/>
-          </ac:picMkLst>
-        </pc:picChg>
-        <pc:picChg chg="add mod">
-          <ac:chgData name="Xin Luo" userId="82312ee5779919a4" providerId="LiveId" clId="{3C4A7AF4-6488-5041-B432-D36EF53163D3}" dt="2023-02-23T08:32:21.875" v="3790" actId="1076"/>
-          <ac:picMkLst>
-            <pc:docMk/>
-            <pc:sldMk cId="3544980656" sldId="2728"/>
-            <ac:picMk id="7" creationId="{E9C83831-84AF-EB65-1442-172F35DE9DAB}"/>
-          </ac:picMkLst>
-        </pc:picChg>
-        <pc:cxnChg chg="del">
-          <ac:chgData name="Xin Luo" userId="82312ee5779919a4" providerId="LiveId" clId="{3C4A7AF4-6488-5041-B432-D36EF53163D3}" dt="2023-02-23T08:31:36.177" v="3782" actId="478"/>
-          <ac:cxnSpMkLst>
-            <pc:docMk/>
-            <pc:sldMk cId="3544980656" sldId="2728"/>
-            <ac:cxnSpMk id="12" creationId="{A43ECA29-12BC-846A-2DE4-6FB5931244DE}"/>
-          </ac:cxnSpMkLst>
-        </pc:cxnChg>
-        <pc:cxnChg chg="del">
-          <ac:chgData name="Xin Luo" userId="82312ee5779919a4" providerId="LiveId" clId="{3C4A7AF4-6488-5041-B432-D36EF53163D3}" dt="2023-02-23T08:31:36.177" v="3782" actId="478"/>
-          <ac:cxnSpMkLst>
-            <pc:docMk/>
-            <pc:sldMk cId="3544980656" sldId="2728"/>
-            <ac:cxnSpMk id="14" creationId="{6561B644-72BB-3413-18C9-17D070F6E82C}"/>
-          </ac:cxnSpMkLst>
-        </pc:cxnChg>
-      </pc:sldChg>
-      <pc:sldChg chg="addSp delSp modSp add mod">
-        <pc:chgData name="Xin Luo" userId="82312ee5779919a4" providerId="LiveId" clId="{3C4A7AF4-6488-5041-B432-D36EF53163D3}" dt="2023-02-23T09:02:43.022" v="4809" actId="20577"/>
-        <pc:sldMkLst>
-          <pc:docMk/>
-          <pc:sldMk cId="1664139585" sldId="2729"/>
-        </pc:sldMkLst>
-        <pc:spChg chg="mod">
-          <ac:chgData name="Xin Luo" userId="82312ee5779919a4" providerId="LiveId" clId="{3C4A7AF4-6488-5041-B432-D36EF53163D3}" dt="2023-02-23T09:02:43.022" v="4809" actId="20577"/>
-          <ac:spMkLst>
-            <pc:docMk/>
-            <pc:sldMk cId="1664139585" sldId="2729"/>
-            <ac:spMk id="2" creationId="{631AADB6-C88A-D817-4683-FC087E4E240F}"/>
-          </ac:spMkLst>
-        </pc:spChg>
-        <pc:spChg chg="add mod">
-          <ac:chgData name="Xin Luo" userId="82312ee5779919a4" providerId="LiveId" clId="{3C4A7AF4-6488-5041-B432-D36EF53163D3}" dt="2023-02-23T08:46:44.018" v="4297" actId="20577"/>
-          <ac:spMkLst>
-            <pc:docMk/>
-            <pc:sldMk cId="1664139585" sldId="2729"/>
-            <ac:spMk id="4" creationId="{A48F68EC-B4FA-96B9-0619-1D7CA71743F2}"/>
-          </ac:spMkLst>
-        </pc:spChg>
-        <pc:spChg chg="add mod">
-          <ac:chgData name="Xin Luo" userId="82312ee5779919a4" providerId="LiveId" clId="{3C4A7AF4-6488-5041-B432-D36EF53163D3}" dt="2023-02-23T08:48:14.635" v="4350" actId="404"/>
-          <ac:spMkLst>
-            <pc:docMk/>
-            <pc:sldMk cId="1664139585" sldId="2729"/>
-            <ac:spMk id="8" creationId="{9597684A-B805-E883-E79A-691F6EF9A66B}"/>
-          </ac:spMkLst>
-        </pc:spChg>
-        <pc:spChg chg="add mod">
-          <ac:chgData name="Xin Luo" userId="82312ee5779919a4" providerId="LiveId" clId="{3C4A7AF4-6488-5041-B432-D36EF53163D3}" dt="2023-02-23T08:48:14.635" v="4350" actId="404"/>
-          <ac:spMkLst>
-            <pc:docMk/>
-            <pc:sldMk cId="1664139585" sldId="2729"/>
-            <ac:spMk id="12" creationId="{E306EF68-0494-C32C-D024-73CAA4391062}"/>
-          </ac:spMkLst>
-        </pc:spChg>
-        <pc:spChg chg="add del mod">
-          <ac:chgData name="Xin Luo" userId="82312ee5779919a4" providerId="LiveId" clId="{3C4A7AF4-6488-5041-B432-D36EF53163D3}" dt="2023-02-23T08:46:58.841" v="4299"/>
-          <ac:spMkLst>
-            <pc:docMk/>
-            <pc:sldMk cId="1664139585" sldId="2729"/>
-            <ac:spMk id="13" creationId="{1F1152D4-0A0D-97DF-84F0-894EBB9433D0}"/>
-          </ac:spMkLst>
-        </pc:spChg>
-        <pc:spChg chg="add del mod">
-          <ac:chgData name="Xin Luo" userId="82312ee5779919a4" providerId="LiveId" clId="{3C4A7AF4-6488-5041-B432-D36EF53163D3}" dt="2023-02-23T08:47:04.887" v="4301"/>
-          <ac:spMkLst>
-            <pc:docMk/>
-            <pc:sldMk cId="1664139585" sldId="2729"/>
-            <ac:spMk id="14" creationId="{1002F82A-FD74-219B-01B5-80247C07A991}"/>
-          </ac:spMkLst>
-        </pc:spChg>
-        <pc:spChg chg="add mod">
-          <ac:chgData name="Xin Luo" userId="82312ee5779919a4" providerId="LiveId" clId="{3C4A7AF4-6488-5041-B432-D36EF53163D3}" dt="2023-02-23T08:48:14.635" v="4350" actId="404"/>
-          <ac:spMkLst>
-            <pc:docMk/>
-            <pc:sldMk cId="1664139585" sldId="2729"/>
-            <ac:spMk id="16" creationId="{E2DA478E-BBDA-94A9-C4E5-8DF31834C994}"/>
-          </ac:spMkLst>
-        </pc:spChg>
-        <pc:spChg chg="add mod">
-          <ac:chgData name="Xin Luo" userId="82312ee5779919a4" providerId="LiveId" clId="{3C4A7AF4-6488-5041-B432-D36EF53163D3}" dt="2023-02-23T08:48:14.635" v="4350" actId="404"/>
-          <ac:spMkLst>
-            <pc:docMk/>
-            <pc:sldMk cId="1664139585" sldId="2729"/>
-            <ac:spMk id="17" creationId="{FBB4FC8D-8E08-9397-E459-DBB800FF6754}"/>
-          </ac:spMkLst>
-        </pc:spChg>
-        <pc:grpChg chg="add mod">
-          <ac:chgData name="Xin Luo" userId="82312ee5779919a4" providerId="LiveId" clId="{3C4A7AF4-6488-5041-B432-D36EF53163D3}" dt="2023-02-23T08:47:57.186" v="4348" actId="164"/>
-          <ac:grpSpMkLst>
-            <pc:docMk/>
-            <pc:sldMk cId="1664139585" sldId="2729"/>
-            <ac:grpSpMk id="9" creationId="{AB82EF5E-36B6-4B68-763F-8260BCED7E25}"/>
-          </ac:grpSpMkLst>
-        </pc:grpChg>
-        <pc:grpChg chg="add mod">
-          <ac:chgData name="Xin Luo" userId="82312ee5779919a4" providerId="LiveId" clId="{3C4A7AF4-6488-5041-B432-D36EF53163D3}" dt="2023-02-23T08:48:31.559" v="4354" actId="1076"/>
-          <ac:grpSpMkLst>
-            <pc:docMk/>
-            <pc:sldMk cId="1664139585" sldId="2729"/>
-            <ac:grpSpMk id="18" creationId="{0DD68EE4-6630-75BA-7E39-99DB63529BEC}"/>
-          </ac:grpSpMkLst>
-        </pc:grpChg>
-        <pc:grpChg chg="add mod">
-          <ac:chgData name="Xin Luo" userId="82312ee5779919a4" providerId="LiveId" clId="{3C4A7AF4-6488-5041-B432-D36EF53163D3}" dt="2023-02-23T08:48:31.559" v="4354" actId="1076"/>
-          <ac:grpSpMkLst>
-            <pc:docMk/>
-            <pc:sldMk cId="1664139585" sldId="2729"/>
-            <ac:grpSpMk id="19" creationId="{CC13FC93-9D53-8437-285C-997C8D3C5460}"/>
-          </ac:grpSpMkLst>
-        </pc:grpChg>
-        <pc:picChg chg="add mod">
-          <ac:chgData name="Xin Luo" userId="82312ee5779919a4" providerId="LiveId" clId="{3C4A7AF4-6488-5041-B432-D36EF53163D3}" dt="2023-02-23T08:44:29.871" v="4141" actId="164"/>
-          <ac:picMkLst>
-            <pc:docMk/>
-            <pc:sldMk cId="1664139585" sldId="2729"/>
-            <ac:picMk id="6" creationId="{1DE4B58D-C83F-B09C-55FD-73CA2236BAC9}"/>
-          </ac:picMkLst>
-        </pc:picChg>
-        <pc:picChg chg="del">
-          <ac:chgData name="Xin Luo" userId="82312ee5779919a4" providerId="LiveId" clId="{3C4A7AF4-6488-5041-B432-D36EF53163D3}" dt="2023-02-23T08:32:51.104" v="3831" actId="478"/>
-          <ac:picMkLst>
-            <pc:docMk/>
-            <pc:sldMk cId="1664139585" sldId="2729"/>
-            <ac:picMk id="7" creationId="{E9C83831-84AF-EB65-1442-172F35DE9DAB}"/>
-          </ac:picMkLst>
-        </pc:picChg>
-        <pc:picChg chg="add mod">
-          <ac:chgData name="Xin Luo" userId="82312ee5779919a4" providerId="LiveId" clId="{3C4A7AF4-6488-5041-B432-D36EF53163D3}" dt="2023-02-23T08:48:23.436" v="4353" actId="14100"/>
-          <ac:picMkLst>
-            <pc:docMk/>
-            <pc:sldMk cId="1664139585" sldId="2729"/>
-            <ac:picMk id="11" creationId="{BE4A142E-6DBB-4445-BF78-4D6C23EB8C69}"/>
-          </ac:picMkLst>
-        </pc:picChg>
-      </pc:sldChg>
-      <pc:sldChg chg="addSp delSp modSp add mod">
-        <pc:chgData name="Xin Luo" userId="82312ee5779919a4" providerId="LiveId" clId="{3C4A7AF4-6488-5041-B432-D36EF53163D3}" dt="2023-02-23T09:02:46.545" v="4811" actId="20577"/>
-        <pc:sldMkLst>
-          <pc:docMk/>
-          <pc:sldMk cId="3561803108" sldId="2730"/>
-        </pc:sldMkLst>
-        <pc:spChg chg="mod">
-          <ac:chgData name="Xin Luo" userId="82312ee5779919a4" providerId="LiveId" clId="{3C4A7AF4-6488-5041-B432-D36EF53163D3}" dt="2023-02-23T09:02:46.545" v="4811" actId="20577"/>
-          <ac:spMkLst>
-            <pc:docMk/>
-            <pc:sldMk cId="3561803108" sldId="2730"/>
-            <ac:spMk id="2" creationId="{631AADB6-C88A-D817-4683-FC087E4E240F}"/>
-          </ac:spMkLst>
-        </pc:spChg>
-        <pc:spChg chg="mod">
-          <ac:chgData name="Xin Luo" userId="82312ee5779919a4" providerId="LiveId" clId="{3C4A7AF4-6488-5041-B432-D36EF53163D3}" dt="2023-02-23T08:57:21.442" v="4706" actId="20577"/>
-          <ac:spMkLst>
-            <pc:docMk/>
-            <pc:sldMk cId="3561803108" sldId="2730"/>
-            <ac:spMk id="4" creationId="{A48F68EC-B4FA-96B9-0619-1D7CA71743F2}"/>
-          </ac:spMkLst>
-        </pc:spChg>
-        <pc:spChg chg="add mod">
-          <ac:chgData name="Xin Luo" userId="82312ee5779919a4" providerId="LiveId" clId="{3C4A7AF4-6488-5041-B432-D36EF53163D3}" dt="2023-02-23T08:59:18.569" v="4780" actId="1076"/>
-          <ac:spMkLst>
-            <pc:docMk/>
-            <pc:sldMk cId="3561803108" sldId="2730"/>
-            <ac:spMk id="13" creationId="{04321939-84B1-BDA1-9A32-0A1D3A224B4E}"/>
-          </ac:spMkLst>
-        </pc:spChg>
-        <pc:spChg chg="add mod">
-          <ac:chgData name="Xin Luo" userId="82312ee5779919a4" providerId="LiveId" clId="{3C4A7AF4-6488-5041-B432-D36EF53163D3}" dt="2023-02-23T08:59:05.661" v="4776" actId="1076"/>
-          <ac:spMkLst>
-            <pc:docMk/>
-            <pc:sldMk cId="3561803108" sldId="2730"/>
-            <ac:spMk id="14" creationId="{44C585EA-9BC6-24DF-B96C-D6B18443B7ED}"/>
-          </ac:spMkLst>
-        </pc:spChg>
-        <pc:grpChg chg="del">
-          <ac:chgData name="Xin Luo" userId="82312ee5779919a4" providerId="LiveId" clId="{3C4A7AF4-6488-5041-B432-D36EF53163D3}" dt="2023-02-23T08:51:50.637" v="4356" actId="478"/>
-          <ac:grpSpMkLst>
-            <pc:docMk/>
-            <pc:sldMk cId="3561803108" sldId="2730"/>
-            <ac:grpSpMk id="18" creationId="{0DD68EE4-6630-75BA-7E39-99DB63529BEC}"/>
-          </ac:grpSpMkLst>
-        </pc:grpChg>
-        <pc:grpChg chg="del">
-          <ac:chgData name="Xin Luo" userId="82312ee5779919a4" providerId="LiveId" clId="{3C4A7AF4-6488-5041-B432-D36EF53163D3}" dt="2023-02-23T08:51:50.637" v="4356" actId="478"/>
-          <ac:grpSpMkLst>
-            <pc:docMk/>
-            <pc:sldMk cId="3561803108" sldId="2730"/>
-            <ac:grpSpMk id="19" creationId="{CC13FC93-9D53-8437-285C-997C8D3C5460}"/>
-          </ac:grpSpMkLst>
-        </pc:grpChg>
-        <pc:picChg chg="add mod">
-          <ac:chgData name="Xin Luo" userId="82312ee5779919a4" providerId="LiveId" clId="{3C4A7AF4-6488-5041-B432-D36EF53163D3}" dt="2023-02-23T08:59:15.233" v="4779" actId="1076"/>
-          <ac:picMkLst>
-            <pc:docMk/>
-            <pc:sldMk cId="3561803108" sldId="2730"/>
-            <ac:picMk id="5" creationId="{A93DD3EB-FFE1-BEF3-1059-6F1C5837F783}"/>
-          </ac:picMkLst>
-        </pc:picChg>
-        <pc:picChg chg="add mod">
-          <ac:chgData name="Xin Luo" userId="82312ee5779919a4" providerId="LiveId" clId="{3C4A7AF4-6488-5041-B432-D36EF53163D3}" dt="2023-02-23T08:58:08.013" v="4717" actId="1076"/>
-          <ac:picMkLst>
-            <pc:docMk/>
-            <pc:sldMk cId="3561803108" sldId="2730"/>
-            <ac:picMk id="10" creationId="{D64AD824-256D-4966-4AC9-6C2C2EA4A0CC}"/>
-          </ac:picMkLst>
-        </pc:picChg>
-      </pc:sldChg>
-      <pc:sldChg chg="addSp delSp modSp add mod">
-        <pc:chgData name="Xin Luo" userId="82312ee5779919a4" providerId="LiveId" clId="{3C4A7AF4-6488-5041-B432-D36EF53163D3}" dt="2023-02-23T11:42:21.434" v="5641" actId="20577"/>
-        <pc:sldMkLst>
-          <pc:docMk/>
-          <pc:sldMk cId="236610701" sldId="2731"/>
-        </pc:sldMkLst>
-        <pc:spChg chg="mod">
-          <ac:chgData name="Xin Luo" userId="82312ee5779919a4" providerId="LiveId" clId="{3C4A7AF4-6488-5041-B432-D36EF53163D3}" dt="2023-02-23T09:13:26.596" v="5258" actId="20577"/>
-          <ac:spMkLst>
-            <pc:docMk/>
-            <pc:sldMk cId="236610701" sldId="2731"/>
-            <ac:spMk id="8" creationId="{BE76C63F-77AB-4EA1-EEE4-7A2884A0CA66}"/>
-          </ac:spMkLst>
-        </pc:spChg>
-        <pc:spChg chg="add mod">
-          <ac:chgData name="Xin Luo" userId="82312ee5779919a4" providerId="LiveId" clId="{3C4A7AF4-6488-5041-B432-D36EF53163D3}" dt="2023-02-23T09:17:26.318" v="5367" actId="164"/>
-          <ac:spMkLst>
-            <pc:docMk/>
-            <pc:sldMk cId="236610701" sldId="2731"/>
-            <ac:spMk id="11" creationId="{9E5C7F14-8DBC-F1A3-04A2-0F4098DCEFB1}"/>
-          </ac:spMkLst>
-        </pc:spChg>
-        <pc:spChg chg="add mod">
-          <ac:chgData name="Xin Luo" userId="82312ee5779919a4" providerId="LiveId" clId="{3C4A7AF4-6488-5041-B432-D36EF53163D3}" dt="2023-02-23T09:17:26.318" v="5367" actId="164"/>
-          <ac:spMkLst>
-            <pc:docMk/>
-            <pc:sldMk cId="236610701" sldId="2731"/>
-            <ac:spMk id="14" creationId="{686F3DD9-150B-080E-A0DD-364869B53625}"/>
-          </ac:spMkLst>
-        </pc:spChg>
-        <pc:spChg chg="add mod">
-          <ac:chgData name="Xin Luo" userId="82312ee5779919a4" providerId="LiveId" clId="{3C4A7AF4-6488-5041-B432-D36EF53163D3}" dt="2023-02-23T09:17:26.318" v="5367" actId="164"/>
-          <ac:spMkLst>
-            <pc:docMk/>
-            <pc:sldMk cId="236610701" sldId="2731"/>
-            <ac:spMk id="18" creationId="{0EA5ECFB-D617-12D2-A81B-C4CFF2A4717D}"/>
-          </ac:spMkLst>
-        </pc:spChg>
-        <pc:spChg chg="add del mod">
-          <ac:chgData name="Xin Luo" userId="82312ee5779919a4" providerId="LiveId" clId="{3C4A7AF4-6488-5041-B432-D36EF53163D3}" dt="2023-02-23T09:16:21.438" v="5320"/>
-          <ac:spMkLst>
-            <pc:docMk/>
-            <pc:sldMk cId="236610701" sldId="2731"/>
-            <ac:spMk id="21" creationId="{8BED0A83-9C8C-9FEE-3D3C-E0DDB3352BF2}"/>
-          </ac:spMkLst>
-        </pc:spChg>
-        <pc:spChg chg="add mod">
-          <ac:chgData name="Xin Luo" userId="82312ee5779919a4" providerId="LiveId" clId="{3C4A7AF4-6488-5041-B432-D36EF53163D3}" dt="2023-02-23T09:17:22.065" v="5366" actId="164"/>
-          <ac:spMkLst>
-            <pc:docMk/>
-            <pc:sldMk cId="236610701" sldId="2731"/>
-            <ac:spMk id="24" creationId="{2BC5AFCA-8C0F-694D-C8E4-96DC57905D7C}"/>
-          </ac:spMkLst>
-        </pc:spChg>
-        <pc:spChg chg="add mod">
-          <ac:chgData name="Xin Luo" userId="82312ee5779919a4" providerId="LiveId" clId="{3C4A7AF4-6488-5041-B432-D36EF53163D3}" dt="2023-02-23T11:42:21.434" v="5641" actId="20577"/>
-          <ac:spMkLst>
-            <pc:docMk/>
-            <pc:sldMk cId="236610701" sldId="2731"/>
-            <ac:spMk id="27" creationId="{277CEA1D-ACA7-1951-68B0-9AFFF02511BD}"/>
-          </ac:spMkLst>
-        </pc:spChg>
-        <pc:grpChg chg="del">
-          <ac:chgData name="Xin Luo" userId="82312ee5779919a4" providerId="LiveId" clId="{3C4A7AF4-6488-5041-B432-D36EF53163D3}" dt="2023-02-23T09:13:14.650" v="5252" actId="478"/>
-          <ac:grpSpMkLst>
-            <pc:docMk/>
-            <pc:sldMk cId="236610701" sldId="2731"/>
-            <ac:grpSpMk id="13" creationId="{1FD0C9A9-218B-07EF-0C27-42925534088E}"/>
-          </ac:grpSpMkLst>
-        </pc:grpChg>
-        <pc:grpChg chg="del">
-          <ac:chgData name="Xin Luo" userId="82312ee5779919a4" providerId="LiveId" clId="{3C4A7AF4-6488-5041-B432-D36EF53163D3}" dt="2023-02-23T09:13:16.234" v="5253" actId="478"/>
-          <ac:grpSpMkLst>
-            <pc:docMk/>
-            <pc:sldMk cId="236610701" sldId="2731"/>
-            <ac:grpSpMk id="17" creationId="{48848DA8-CFA1-BCEC-5CB7-145BDC28B35D}"/>
-          </ac:grpSpMkLst>
-        </pc:grpChg>
-        <pc:grpChg chg="add mod">
-          <ac:chgData name="Xin Luo" userId="82312ee5779919a4" providerId="LiveId" clId="{3C4A7AF4-6488-5041-B432-D36EF53163D3}" dt="2023-02-23T09:20:40.507" v="5582" actId="1076"/>
-          <ac:grpSpMkLst>
-            <pc:docMk/>
-            <pc:sldMk cId="236610701" sldId="2731"/>
-            <ac:grpSpMk id="25" creationId="{0B21BADB-6B5A-522D-BF02-92EE6C415AC5}"/>
-          </ac:grpSpMkLst>
-        </pc:grpChg>
-        <pc:grpChg chg="add mod">
-          <ac:chgData name="Xin Luo" userId="82312ee5779919a4" providerId="LiveId" clId="{3C4A7AF4-6488-5041-B432-D36EF53163D3}" dt="2023-02-23T09:17:26.318" v="5367" actId="164"/>
-          <ac:grpSpMkLst>
-            <pc:docMk/>
-            <pc:sldMk cId="236610701" sldId="2731"/>
-            <ac:grpSpMk id="26" creationId="{5B1A5EB8-5704-DE8A-ECFB-CA0887FF9903}"/>
-          </ac:grpSpMkLst>
-        </pc:grpChg>
-        <pc:grpChg chg="add mod">
-          <ac:chgData name="Xin Luo" userId="82312ee5779919a4" providerId="LiveId" clId="{3C4A7AF4-6488-5041-B432-D36EF53163D3}" dt="2023-02-23T09:22:32.183" v="5612" actId="14100"/>
-          <ac:grpSpMkLst>
-            <pc:docMk/>
-            <pc:sldMk cId="236610701" sldId="2731"/>
-            <ac:grpSpMk id="40" creationId="{6EB5AEC1-1519-3329-CA3D-552C73370758}"/>
-          </ac:grpSpMkLst>
-        </pc:grpChg>
-        <pc:picChg chg="add del mod">
-          <ac:chgData name="Xin Luo" userId="82312ee5779919a4" providerId="LiveId" clId="{3C4A7AF4-6488-5041-B432-D36EF53163D3}" dt="2023-02-23T09:13:09.369" v="5251" actId="21"/>
-          <ac:picMkLst>
-            <pc:docMk/>
-            <pc:sldMk cId="236610701" sldId="2731"/>
-            <ac:picMk id="5" creationId="{DDA50919-604F-7994-0EBE-62535FEF2A8F}"/>
-          </ac:picMkLst>
-        </pc:picChg>
-        <pc:picChg chg="add mod">
-          <ac:chgData name="Xin Luo" userId="82312ee5779919a4" providerId="LiveId" clId="{3C4A7AF4-6488-5041-B432-D36EF53163D3}" dt="2023-02-23T09:17:26.318" v="5367" actId="164"/>
-          <ac:picMkLst>
-            <pc:docMk/>
-            <pc:sldMk cId="236610701" sldId="2731"/>
-            <ac:picMk id="6" creationId="{B0A2D4E0-98C8-E402-421A-F04C8C179FCD}"/>
-          </ac:picMkLst>
-        </pc:picChg>
-        <pc:picChg chg="add mod">
-          <ac:chgData name="Xin Luo" userId="82312ee5779919a4" providerId="LiveId" clId="{3C4A7AF4-6488-5041-B432-D36EF53163D3}" dt="2023-02-23T09:17:22.065" v="5366" actId="164"/>
-          <ac:picMkLst>
-            <pc:docMk/>
-            <pc:sldMk cId="236610701" sldId="2731"/>
-            <ac:picMk id="23" creationId="{EDB68736-0547-1775-0EC0-381F53A99851}"/>
-          </ac:picMkLst>
-        </pc:picChg>
-        <pc:cxnChg chg="add mod">
-          <ac:chgData name="Xin Luo" userId="82312ee5779919a4" providerId="LiveId" clId="{3C4A7AF4-6488-5041-B432-D36EF53163D3}" dt="2023-02-23T09:17:26.318" v="5367" actId="164"/>
-          <ac:cxnSpMkLst>
-            <pc:docMk/>
-            <pc:sldMk cId="236610701" sldId="2731"/>
-            <ac:cxnSpMk id="20" creationId="{20EA748A-F362-CFAF-00A1-8064C2727630}"/>
-          </ac:cxnSpMkLst>
-        </pc:cxnChg>
-        <pc:cxnChg chg="add mod">
-          <ac:chgData name="Xin Luo" userId="82312ee5779919a4" providerId="LiveId" clId="{3C4A7AF4-6488-5041-B432-D36EF53163D3}" dt="2023-02-23T09:22:56.564" v="5618" actId="1582"/>
-          <ac:cxnSpMkLst>
-            <pc:docMk/>
-            <pc:sldMk cId="236610701" sldId="2731"/>
-            <ac:cxnSpMk id="28" creationId="{22ABCAC2-3896-1807-0504-ED7D00362192}"/>
-          </ac:cxnSpMkLst>
-        </pc:cxnChg>
-        <pc:cxnChg chg="add mod">
-          <ac:chgData name="Xin Luo" userId="82312ee5779919a4" providerId="LiveId" clId="{3C4A7AF4-6488-5041-B432-D36EF53163D3}" dt="2023-02-23T09:22:56.564" v="5618" actId="1582"/>
-          <ac:cxnSpMkLst>
-            <pc:docMk/>
-            <pc:sldMk cId="236610701" sldId="2731"/>
-            <ac:cxnSpMk id="31" creationId="{00341ACC-3D99-3C97-0E83-F5CD7B18B865}"/>
-          </ac:cxnSpMkLst>
-        </pc:cxnChg>
-        <pc:cxnChg chg="add mod">
-          <ac:chgData name="Xin Luo" userId="82312ee5779919a4" providerId="LiveId" clId="{3C4A7AF4-6488-5041-B432-D36EF53163D3}" dt="2023-02-23T09:23:20.010" v="5622" actId="14100"/>
-          <ac:cxnSpMkLst>
-            <pc:docMk/>
-            <pc:sldMk cId="236610701" sldId="2731"/>
-            <ac:cxnSpMk id="34" creationId="{85A86870-8686-A430-1EC5-D3515360DAE4}"/>
-          </ac:cxnSpMkLst>
-        </pc:cxnChg>
-      </pc:sldChg>
-      <pc:sldChg chg="add del">
-        <pc:chgData name="Xin Luo" userId="82312ee5779919a4" providerId="LiveId" clId="{3C4A7AF4-6488-5041-B432-D36EF53163D3}" dt="2023-02-23T08:54:40.823" v="4449"/>
-        <pc:sldMkLst>
-          <pc:docMk/>
-          <pc:sldMk cId="3607281671" sldId="2731"/>
-        </pc:sldMkLst>
-      </pc:sldChg>
-      <pc:sldChg chg="addSp delSp modSp add mod modNotesTx">
-        <pc:chgData name="Xin Luo" userId="82312ee5779919a4" providerId="LiveId" clId="{3C4A7AF4-6488-5041-B432-D36EF53163D3}" dt="2023-02-23T13:58:03.496" v="6246" actId="1076"/>
-        <pc:sldMkLst>
-          <pc:docMk/>
-          <pc:sldMk cId="1986913413" sldId="2732"/>
-        </pc:sldMkLst>
-        <pc:spChg chg="mod">
-          <ac:chgData name="Xin Luo" userId="82312ee5779919a4" providerId="LiveId" clId="{3C4A7AF4-6488-5041-B432-D36EF53163D3}" dt="2023-02-23T09:23:56.813" v="5638" actId="20577"/>
-          <ac:spMkLst>
-            <pc:docMk/>
-            <pc:sldMk cId="1986913413" sldId="2732"/>
-            <ac:spMk id="2" creationId="{631AADB6-C88A-D817-4683-FC087E4E240F}"/>
-          </ac:spMkLst>
-        </pc:spChg>
-        <pc:spChg chg="add del mod">
-          <ac:chgData name="Xin Luo" userId="82312ee5779919a4" providerId="LiveId" clId="{3C4A7AF4-6488-5041-B432-D36EF53163D3}" dt="2023-02-23T13:49:16.589" v="6211" actId="1036"/>
-          <ac:spMkLst>
-            <pc:docMk/>
-            <pc:sldMk cId="1986913413" sldId="2732"/>
-            <ac:spMk id="8" creationId="{BE76C63F-77AB-4EA1-EEE4-7A2884A0CA66}"/>
-          </ac:spMkLst>
-        </pc:spChg>
-        <pc:spChg chg="add mod">
-          <ac:chgData name="Xin Luo" userId="82312ee5779919a4" providerId="LiveId" clId="{3C4A7AF4-6488-5041-B432-D36EF53163D3}" dt="2023-02-23T13:39:58.827" v="6149" actId="164"/>
-          <ac:spMkLst>
-            <pc:docMk/>
-            <pc:sldMk cId="1986913413" sldId="2732"/>
-            <ac:spMk id="16" creationId="{3E7D4095-D2BB-E6C2-A00B-51E8F93D4AE6}"/>
-          </ac:spMkLst>
-        </pc:spChg>
-        <pc:spChg chg="add mod">
-          <ac:chgData name="Xin Luo" userId="82312ee5779919a4" providerId="LiveId" clId="{3C4A7AF4-6488-5041-B432-D36EF53163D3}" dt="2023-02-23T13:39:58.827" v="6149" actId="164"/>
-          <ac:spMkLst>
-            <pc:docMk/>
-            <pc:sldMk cId="1986913413" sldId="2732"/>
-            <ac:spMk id="17" creationId="{2FD57DA2-ED22-9246-7698-C699E342AAED}"/>
-          </ac:spMkLst>
-        </pc:spChg>
-        <pc:spChg chg="add mod">
-          <ac:chgData name="Xin Luo" userId="82312ee5779919a4" providerId="LiveId" clId="{3C4A7AF4-6488-5041-B432-D36EF53163D3}" dt="2023-02-23T13:39:58.827" v="6149" actId="164"/>
-          <ac:spMkLst>
-            <pc:docMk/>
-            <pc:sldMk cId="1986913413" sldId="2732"/>
-            <ac:spMk id="19" creationId="{2D2DD260-BF22-E834-D80F-BCFA1E042E54}"/>
-          </ac:spMkLst>
-        </pc:spChg>
-        <pc:spChg chg="add mod">
-          <ac:chgData name="Xin Luo" userId="82312ee5779919a4" providerId="LiveId" clId="{3C4A7AF4-6488-5041-B432-D36EF53163D3}" dt="2023-02-23T13:39:58.827" v="6149" actId="164"/>
-          <ac:spMkLst>
-            <pc:docMk/>
-            <pc:sldMk cId="1986913413" sldId="2732"/>
-            <ac:spMk id="21" creationId="{E8AF9E53-BC95-D1E3-82CA-CCA0B85D0BAB}"/>
-          </ac:spMkLst>
-        </pc:spChg>
-        <pc:spChg chg="del">
-          <ac:chgData name="Xin Luo" userId="82312ee5779919a4" providerId="LiveId" clId="{3C4A7AF4-6488-5041-B432-D36EF53163D3}" dt="2023-02-23T09:23:50.475" v="5626" actId="478"/>
-          <ac:spMkLst>
-            <pc:docMk/>
-            <pc:sldMk cId="1986913413" sldId="2732"/>
-            <ac:spMk id="27" creationId="{277CEA1D-ACA7-1951-68B0-9AFFF02511BD}"/>
-          </ac:spMkLst>
-        </pc:spChg>
-        <pc:grpChg chg="del">
-          <ac:chgData name="Xin Luo" userId="82312ee5779919a4" providerId="LiveId" clId="{3C4A7AF4-6488-5041-B432-D36EF53163D3}" dt="2023-02-23T09:23:46.458" v="5625" actId="478"/>
-          <ac:grpSpMkLst>
-            <pc:docMk/>
-            <pc:sldMk cId="1986913413" sldId="2732"/>
-            <ac:grpSpMk id="25" creationId="{0B21BADB-6B5A-522D-BF02-92EE6C415AC5}"/>
-          </ac:grpSpMkLst>
-        </pc:grpChg>
-        <pc:grpChg chg="del">
-          <ac:chgData name="Xin Luo" userId="82312ee5779919a4" providerId="LiveId" clId="{3C4A7AF4-6488-5041-B432-D36EF53163D3}" dt="2023-02-23T09:23:44.579" v="5624" actId="478"/>
-          <ac:grpSpMkLst>
-            <pc:docMk/>
-            <pc:sldMk cId="1986913413" sldId="2732"/>
-            <ac:grpSpMk id="26" creationId="{5B1A5EB8-5704-DE8A-ECFB-CA0887FF9903}"/>
-          </ac:grpSpMkLst>
-        </pc:grpChg>
-        <pc:grpChg chg="add mod">
-          <ac:chgData name="Xin Luo" userId="82312ee5779919a4" providerId="LiveId" clId="{3C4A7AF4-6488-5041-B432-D36EF53163D3}" dt="2023-02-23T13:39:58.827" v="6149" actId="164"/>
-          <ac:grpSpMkLst>
-            <pc:docMk/>
-            <pc:sldMk cId="1986913413" sldId="2732"/>
-            <ac:grpSpMk id="33" creationId="{1E36E9C9-B23B-0B90-084E-246D2143D484}"/>
-          </ac:grpSpMkLst>
-        </pc:grpChg>
-        <pc:grpChg chg="del">
-          <ac:chgData name="Xin Luo" userId="82312ee5779919a4" providerId="LiveId" clId="{3C4A7AF4-6488-5041-B432-D36EF53163D3}" dt="2023-02-23T09:23:50.475" v="5626" actId="478"/>
-          <ac:grpSpMkLst>
-            <pc:docMk/>
-            <pc:sldMk cId="1986913413" sldId="2732"/>
-            <ac:grpSpMk id="40" creationId="{6EB5AEC1-1519-3329-CA3D-552C73370758}"/>
-          </ac:grpSpMkLst>
-        </pc:grpChg>
-        <pc:picChg chg="add del mod">
-          <ac:chgData name="Xin Luo" userId="82312ee5779919a4" providerId="LiveId" clId="{3C4A7AF4-6488-5041-B432-D36EF53163D3}" dt="2023-02-23T13:20:09.106" v="5841" actId="478"/>
-          <ac:picMkLst>
-            <pc:docMk/>
-            <pc:sldMk cId="1986913413" sldId="2732"/>
-            <ac:picMk id="5" creationId="{0F3C6337-840A-A22F-FD29-8C76197A2702}"/>
-          </ac:picMkLst>
-        </pc:picChg>
-        <pc:picChg chg="add del mod">
-          <ac:chgData name="Xin Luo" userId="82312ee5779919a4" providerId="LiveId" clId="{3C4A7AF4-6488-5041-B432-D36EF53163D3}" dt="2023-02-23T13:27:51.021" v="5863" actId="478"/>
-          <ac:picMkLst>
-            <pc:docMk/>
-            <pc:sldMk cId="1986913413" sldId="2732"/>
-            <ac:picMk id="9" creationId="{47AF5BBB-3A60-7AF4-EF37-81EE546F448A}"/>
-          </ac:picMkLst>
-        </pc:picChg>
-        <pc:picChg chg="add del mod">
-          <ac:chgData name="Xin Luo" userId="82312ee5779919a4" providerId="LiveId" clId="{3C4A7AF4-6488-5041-B432-D36EF53163D3}" dt="2023-02-23T13:39:58.827" v="6149" actId="164"/>
-          <ac:picMkLst>
-            <pc:docMk/>
-            <pc:sldMk cId="1986913413" sldId="2732"/>
-            <ac:picMk id="12" creationId="{6D7A52DC-C29A-9A43-F4B2-B0D7F2AF1CF6}"/>
-          </ac:picMkLst>
-        </pc:picChg>
-        <pc:picChg chg="add del mod">
-          <ac:chgData name="Xin Luo" userId="82312ee5779919a4" providerId="LiveId" clId="{3C4A7AF4-6488-5041-B432-D36EF53163D3}" dt="2023-02-23T13:28:13.051" v="5873" actId="478"/>
-          <ac:picMkLst>
-            <pc:docMk/>
-            <pc:sldMk cId="1986913413" sldId="2732"/>
-            <ac:picMk id="15" creationId="{9246C021-1A0B-9FC2-CF78-BC1081966B66}"/>
-          </ac:picMkLst>
-        </pc:picChg>
-        <pc:picChg chg="add del mod">
-          <ac:chgData name="Xin Luo" userId="82312ee5779919a4" providerId="LiveId" clId="{3C4A7AF4-6488-5041-B432-D36EF53163D3}" dt="2023-02-23T13:40:02.652" v="6150" actId="478"/>
-          <ac:picMkLst>
-            <pc:docMk/>
-            <pc:sldMk cId="1986913413" sldId="2732"/>
-            <ac:picMk id="29" creationId="{762ED712-67A1-F501-F2D8-DCB0592E22F5}"/>
-          </ac:picMkLst>
-        </pc:picChg>
-        <pc:picChg chg="add del mod">
-          <ac:chgData name="Xin Luo" userId="82312ee5779919a4" providerId="LiveId" clId="{3C4A7AF4-6488-5041-B432-D36EF53163D3}" dt="2023-02-23T13:38:40.792" v="6061" actId="478"/>
-          <ac:picMkLst>
-            <pc:docMk/>
-            <pc:sldMk cId="1986913413" sldId="2732"/>
-            <ac:picMk id="32" creationId="{9F62F483-2BDD-4BAD-3328-1C24C2029096}"/>
-          </ac:picMkLst>
-        </pc:picChg>
-        <pc:picChg chg="add del mod">
-          <ac:chgData name="Xin Luo" userId="82312ee5779919a4" providerId="LiveId" clId="{3C4A7AF4-6488-5041-B432-D36EF53163D3}" dt="2023-02-23T13:57:48.638" v="6238" actId="478"/>
-          <ac:picMkLst>
-            <pc:docMk/>
-            <pc:sldMk cId="1986913413" sldId="2732"/>
-            <ac:picMk id="36" creationId="{D10FE31F-3F42-EDC5-5A69-239D66ABC871}"/>
-          </ac:picMkLst>
-        </pc:picChg>
-        <pc:picChg chg="add mod">
-          <ac:chgData name="Xin Luo" userId="82312ee5779919a4" providerId="LiveId" clId="{3C4A7AF4-6488-5041-B432-D36EF53163D3}" dt="2023-02-23T13:58:03.496" v="6246" actId="1076"/>
-          <ac:picMkLst>
-            <pc:docMk/>
-            <pc:sldMk cId="1986913413" sldId="2732"/>
-            <ac:picMk id="38" creationId="{DBB716A2-DAE4-A0CB-0685-0DD3A5848392}"/>
-          </ac:picMkLst>
-        </pc:picChg>
-      </pc:sldChg>
-      <pc:sldChg chg="addSp delSp modSp add mod">
-        <pc:chgData name="Xin Luo" userId="82312ee5779919a4" providerId="LiveId" clId="{3C4A7AF4-6488-5041-B432-D36EF53163D3}" dt="2023-02-23T14:00:47.321" v="6304" actId="1076"/>
-        <pc:sldMkLst>
-          <pc:docMk/>
-          <pc:sldMk cId="270311508" sldId="2733"/>
-        </pc:sldMkLst>
-        <pc:spChg chg="mod">
-          <ac:chgData name="Xin Luo" userId="82312ee5779919a4" providerId="LiveId" clId="{3C4A7AF4-6488-5041-B432-D36EF53163D3}" dt="2023-02-23T13:58:33.465" v="6260" actId="14100"/>
-          <ac:spMkLst>
-            <pc:docMk/>
-            <pc:sldMk cId="270311508" sldId="2733"/>
-            <ac:spMk id="8" creationId="{BE76C63F-77AB-4EA1-EEE4-7A2884A0CA66}"/>
-          </ac:spMkLst>
-        </pc:spChg>
-        <pc:spChg chg="add mod">
-          <ac:chgData name="Xin Luo" userId="82312ee5779919a4" providerId="LiveId" clId="{3C4A7AF4-6488-5041-B432-D36EF53163D3}" dt="2023-02-23T14:00:40.779" v="6302" actId="1076"/>
-          <ac:spMkLst>
-            <pc:docMk/>
-            <pc:sldMk cId="270311508" sldId="2733"/>
-            <ac:spMk id="10" creationId="{D5E5B261-8775-C3AF-17E6-8E3B7B2EB8DD}"/>
-          </ac:spMkLst>
-        </pc:spChg>
-        <pc:grpChg chg="del">
-          <ac:chgData name="Xin Luo" userId="82312ee5779919a4" providerId="LiveId" clId="{3C4A7AF4-6488-5041-B432-D36EF53163D3}" dt="2023-02-23T13:49:30.079" v="6213" actId="478"/>
-          <ac:grpSpMkLst>
-            <pc:docMk/>
-            <pc:sldMk cId="270311508" sldId="2733"/>
-            <ac:grpSpMk id="33" creationId="{1E36E9C9-B23B-0B90-084E-246D2143D484}"/>
-          </ac:grpSpMkLst>
-        </pc:grpChg>
-        <pc:picChg chg="add del mod">
-          <ac:chgData name="Xin Luo" userId="82312ee5779919a4" providerId="LiveId" clId="{3C4A7AF4-6488-5041-B432-D36EF53163D3}" dt="2023-02-23T13:50:54.929" v="6237" actId="478"/>
-          <ac:picMkLst>
-            <pc:docMk/>
-            <pc:sldMk cId="270311508" sldId="2733"/>
-            <ac:picMk id="5" creationId="{45C11474-3B63-2E64-AA9D-2A10A27D3F65}"/>
-          </ac:picMkLst>
-        </pc:picChg>
-        <pc:picChg chg="add mod">
-          <ac:chgData name="Xin Luo" userId="82312ee5779919a4" providerId="LiveId" clId="{3C4A7AF4-6488-5041-B432-D36EF53163D3}" dt="2023-02-23T14:00:47.321" v="6304" actId="1076"/>
-          <ac:picMkLst>
-            <pc:docMk/>
-            <pc:sldMk cId="270311508" sldId="2733"/>
-            <ac:picMk id="7" creationId="{FD4880BA-9A41-FB72-F608-E8DF18426892}"/>
-          </ac:picMkLst>
-        </pc:picChg>
-        <pc:picChg chg="del">
-          <ac:chgData name="Xin Luo" userId="82312ee5779919a4" providerId="LiveId" clId="{3C4A7AF4-6488-5041-B432-D36EF53163D3}" dt="2023-02-23T13:49:30.079" v="6213" actId="478"/>
-          <ac:picMkLst>
-            <pc:docMk/>
-            <pc:sldMk cId="270311508" sldId="2733"/>
-            <ac:picMk id="36" creationId="{D10FE31F-3F42-EDC5-5A69-239D66ABC871}"/>
-          </ac:picMkLst>
-        </pc:picChg>
-      </pc:sldChg>
-      <pc:sldChg chg="addSp delSp modSp add mod">
-        <pc:chgData name="Xin Luo" userId="82312ee5779919a4" providerId="LiveId" clId="{3C4A7AF4-6488-5041-B432-D36EF53163D3}" dt="2023-02-23T14:29:59.110" v="6746" actId="403"/>
-        <pc:sldMkLst>
-          <pc:docMk/>
-          <pc:sldMk cId="3138813826" sldId="2734"/>
-        </pc:sldMkLst>
-        <pc:spChg chg="mod">
-          <ac:chgData name="Xin Luo" userId="82312ee5779919a4" providerId="LiveId" clId="{3C4A7AF4-6488-5041-B432-D36EF53163D3}" dt="2023-02-23T14:24:45.076" v="6407" actId="20577"/>
-          <ac:spMkLst>
-            <pc:docMk/>
-            <pc:sldMk cId="3138813826" sldId="2734"/>
-            <ac:spMk id="2" creationId="{631AADB6-C88A-D817-4683-FC087E4E240F}"/>
-          </ac:spMkLst>
-        </pc:spChg>
-        <pc:spChg chg="add del mod">
-          <ac:chgData name="Xin Luo" userId="82312ee5779919a4" providerId="LiveId" clId="{3C4A7AF4-6488-5041-B432-D36EF53163D3}" dt="2023-02-23T14:29:54.827" v="6743" actId="478"/>
-          <ac:spMkLst>
-            <pc:docMk/>
-            <pc:sldMk cId="3138813826" sldId="2734"/>
-            <ac:spMk id="5" creationId="{045952CA-B870-EE0D-254E-C4F0D7559A1D}"/>
-          </ac:spMkLst>
-        </pc:spChg>
-        <pc:spChg chg="add mod">
-          <ac:chgData name="Xin Luo" userId="82312ee5779919a4" providerId="LiveId" clId="{3C4A7AF4-6488-5041-B432-D36EF53163D3}" dt="2023-02-23T14:29:59.110" v="6746" actId="403"/>
-          <ac:spMkLst>
-            <pc:docMk/>
-            <pc:sldMk cId="3138813826" sldId="2734"/>
-            <ac:spMk id="6" creationId="{7F081F01-398A-43C9-F4B4-7155679B9827}"/>
-          </ac:spMkLst>
-        </pc:spChg>
-        <pc:spChg chg="mod">
-          <ac:chgData name="Xin Luo" userId="82312ee5779919a4" providerId="LiveId" clId="{3C4A7AF4-6488-5041-B432-D36EF53163D3}" dt="2023-02-23T14:27:23.377" v="6681" actId="1076"/>
-          <ac:spMkLst>
-            <pc:docMk/>
-            <pc:sldMk cId="3138813826" sldId="2734"/>
-            <ac:spMk id="17" creationId="{9E05FFCA-3371-AF5C-381D-71D984055F5A}"/>
-          </ac:spMkLst>
-        </pc:spChg>
-      </pc:sldChg>
-      <pc:sldChg chg="addSp modSp add mod">
-        <pc:chgData name="Xin Luo" userId="82312ee5779919a4" providerId="LiveId" clId="{3C4A7AF4-6488-5041-B432-D36EF53163D3}" dt="2023-02-23T14:33:30.940" v="6917" actId="1037"/>
-        <pc:sldMkLst>
-          <pc:docMk/>
-          <pc:sldMk cId="128317883" sldId="2735"/>
-        </pc:sldMkLst>
-        <pc:spChg chg="add mod">
-          <ac:chgData name="Xin Luo" userId="82312ee5779919a4" providerId="LiveId" clId="{3C4A7AF4-6488-5041-B432-D36EF53163D3}" dt="2023-02-23T14:33:24.596" v="6912" actId="1076"/>
-          <ac:spMkLst>
-            <pc:docMk/>
-            <pc:sldMk cId="128317883" sldId="2735"/>
-            <ac:spMk id="4" creationId="{3C988FB7-FCA7-1C11-558C-286915D478EB}"/>
-          </ac:spMkLst>
-        </pc:spChg>
-        <pc:spChg chg="mod">
-          <ac:chgData name="Xin Luo" userId="82312ee5779919a4" providerId="LiveId" clId="{3C4A7AF4-6488-5041-B432-D36EF53163D3}" dt="2023-02-23T14:30:37.592" v="6752" actId="1035"/>
-          <ac:spMkLst>
-            <pc:docMk/>
-            <pc:sldMk cId="128317883" sldId="2735"/>
-            <ac:spMk id="6" creationId="{7F081F01-398A-43C9-F4B4-7155679B9827}"/>
-          </ac:spMkLst>
-        </pc:spChg>
-        <pc:spChg chg="mod">
-          <ac:chgData name="Xin Luo" userId="82312ee5779919a4" providerId="LiveId" clId="{3C4A7AF4-6488-5041-B432-D36EF53163D3}" dt="2023-02-23T14:33:30.940" v="6917" actId="1037"/>
-          <ac:spMkLst>
-            <pc:docMk/>
-            <pc:sldMk cId="128317883" sldId="2735"/>
-            <ac:spMk id="17" creationId="{9E05FFCA-3371-AF5C-381D-71D984055F5A}"/>
-          </ac:spMkLst>
-        </pc:spChg>
-      </pc:sldChg>
-      <pc:sldChg chg="delSp add mod">
-        <pc:chgData name="Xin Luo" userId="82312ee5779919a4" providerId="LiveId" clId="{3C4A7AF4-6488-5041-B432-D36EF53163D3}" dt="2023-02-23T14:33:41.327" v="6919" actId="478"/>
-        <pc:sldMkLst>
-          <pc:docMk/>
-          <pc:sldMk cId="383906436" sldId="2736"/>
-        </pc:sldMkLst>
-        <pc:spChg chg="del">
-          <ac:chgData name="Xin Luo" userId="82312ee5779919a4" providerId="LiveId" clId="{3C4A7AF4-6488-5041-B432-D36EF53163D3}" dt="2023-02-23T14:33:41.327" v="6919" actId="478"/>
-          <ac:spMkLst>
-            <pc:docMk/>
-            <pc:sldMk cId="383906436" sldId="2736"/>
-            <ac:spMk id="4" creationId="{3C988FB7-FCA7-1C11-558C-286915D478EB}"/>
-          </ac:spMkLst>
-        </pc:spChg>
-        <pc:spChg chg="del">
-          <ac:chgData name="Xin Luo" userId="82312ee5779919a4" providerId="LiveId" clId="{3C4A7AF4-6488-5041-B432-D36EF53163D3}" dt="2023-02-23T14:33:41.327" v="6919" actId="478"/>
-          <ac:spMkLst>
-            <pc:docMk/>
-            <pc:sldMk cId="383906436" sldId="2736"/>
-            <ac:spMk id="6" creationId="{7F081F01-398A-43C9-F4B4-7155679B9827}"/>
-          </ac:spMkLst>
-        </pc:spChg>
-        <pc:spChg chg="del">
-          <ac:chgData name="Xin Luo" userId="82312ee5779919a4" providerId="LiveId" clId="{3C4A7AF4-6488-5041-B432-D36EF53163D3}" dt="2023-02-23T14:33:41.327" v="6919" actId="478"/>
-          <ac:spMkLst>
-            <pc:docMk/>
-            <pc:sldMk cId="383906436" sldId="2736"/>
-            <ac:spMk id="17" creationId="{9E05FFCA-3371-AF5C-381D-71D984055F5A}"/>
+          <ac:chgData name="Xin Luo" userId="82312ee5779919a4" providerId="LiveId" clId="{23920C8D-EBCE-A347-9C82-C14316D20539}" dt="2022-10-10T01:06:02.902" v="365" actId="403"/>
+          <ac:spMkLst>
+            <pc:docMk/>
+            <pc:sldMk cId="2358282757" sldId="2714"/>
+            <ac:spMk id="2" creationId="{DB381E7B-A050-4BE4-6756-9B64308C74D7}"/>
           </ac:spMkLst>
         </pc:spChg>
       </pc:sldChg>
@@ -3042,20 +1356,43 @@
     </pc:docChg>
   </pc:docChgLst>
   <pc:docChgLst>
-    <pc:chgData name="Xin Luo" userId="82312ee5779919a4" providerId="LiveId" clId="{23920C8D-EBCE-A347-9C82-C14316D20539}"/>
-    <pc:docChg chg="undo custSel addSld modSld">
-      <pc:chgData name="Xin Luo" userId="82312ee5779919a4" providerId="LiveId" clId="{23920C8D-EBCE-A347-9C82-C14316D20539}" dt="2022-10-26T12:19:06.428" v="501" actId="767"/>
+    <pc:chgData name="Xin Luo" userId="82312ee5779919a4" providerId="LiveId" clId="{3C4A7AF4-6488-5041-B432-D36EF53163D3}"/>
+    <pc:docChg chg="undo custSel addSld delSld modSld sldOrd">
+      <pc:chgData name="Xin Luo" userId="82312ee5779919a4" providerId="LiveId" clId="{3C4A7AF4-6488-5041-B432-D36EF53163D3}" dt="2023-02-23T14:33:41.327" v="6919" actId="478"/>
       <pc:docMkLst>
         <pc:docMk/>
       </pc:docMkLst>
-      <pc:sldChg chg="modSp mod">
-        <pc:chgData name="Xin Luo" userId="82312ee5779919a4" providerId="LiveId" clId="{23920C8D-EBCE-A347-9C82-C14316D20539}" dt="2022-10-10T01:06:29.261" v="368" actId="404"/>
+      <pc:sldChg chg="del">
+        <pc:chgData name="Xin Luo" userId="82312ee5779919a4" providerId="LiveId" clId="{3C4A7AF4-6488-5041-B432-D36EF53163D3}" dt="2023-02-22T05:30:51.981" v="0" actId="2696"/>
+        <pc:sldMkLst>
+          <pc:docMk/>
+          <pc:sldMk cId="1153920038" sldId="2206"/>
+        </pc:sldMkLst>
+      </pc:sldChg>
+      <pc:sldChg chg="addSp modSp mod">
+        <pc:chgData name="Xin Luo" userId="82312ee5779919a4" providerId="LiveId" clId="{3C4A7AF4-6488-5041-B432-D36EF53163D3}" dt="2023-02-23T07:39:26.083" v="2380" actId="20577"/>
         <pc:sldMkLst>
           <pc:docMk/>
           <pc:sldMk cId="1576120367" sldId="2387"/>
         </pc:sldMkLst>
         <pc:spChg chg="mod">
-          <ac:chgData name="Xin Luo" userId="82312ee5779919a4" providerId="LiveId" clId="{23920C8D-EBCE-A347-9C82-C14316D20539}" dt="2022-10-10T01:06:29.261" v="368" actId="404"/>
+          <ac:chgData name="Xin Luo" userId="82312ee5779919a4" providerId="LiveId" clId="{3C4A7AF4-6488-5041-B432-D36EF53163D3}" dt="2023-02-22T07:31:19.249" v="233"/>
+          <ac:spMkLst>
+            <pc:docMk/>
+            <pc:sldMk cId="1576120367" sldId="2387"/>
+            <ac:spMk id="4" creationId="{E22E439B-4B3F-A527-61D0-3ED55D24E856}"/>
+          </ac:spMkLst>
+        </pc:spChg>
+        <pc:spChg chg="mod">
+          <ac:chgData name="Xin Luo" userId="82312ee5779919a4" providerId="LiveId" clId="{3C4A7AF4-6488-5041-B432-D36EF53163D3}" dt="2023-02-22T07:31:49.764" v="280" actId="20577"/>
+          <ac:spMkLst>
+            <pc:docMk/>
+            <pc:sldMk cId="1576120367" sldId="2387"/>
+            <ac:spMk id="5" creationId="{494DAA55-5621-28DB-D255-E0EBB6C6477B}"/>
+          </ac:spMkLst>
+        </pc:spChg>
+        <pc:spChg chg="mod">
+          <ac:chgData name="Xin Luo" userId="82312ee5779919a4" providerId="LiveId" clId="{3C4A7AF4-6488-5041-B432-D36EF53163D3}" dt="2023-02-23T07:39:26.083" v="2380" actId="20577"/>
           <ac:spMkLst>
             <pc:docMk/>
             <pc:sldMk cId="1576120367" sldId="2387"/>
@@ -3063,7 +1400,7 @@
           </ac:spMkLst>
         </pc:spChg>
         <pc:spChg chg="mod">
-          <ac:chgData name="Xin Luo" userId="82312ee5779919a4" providerId="LiveId" clId="{23920C8D-EBCE-A347-9C82-C14316D20539}" dt="2022-10-10T01:06:13.262" v="366" actId="403"/>
+          <ac:chgData name="Xin Luo" userId="82312ee5779919a4" providerId="LiveId" clId="{3C4A7AF4-6488-5041-B432-D36EF53163D3}" dt="2023-02-23T04:51:20.387" v="1923" actId="20577"/>
           <ac:spMkLst>
             <pc:docMk/>
             <pc:sldMk cId="1576120367" sldId="2387"/>
@@ -3071,7 +1408,7 @@
           </ac:spMkLst>
         </pc:spChg>
         <pc:spChg chg="mod">
-          <ac:chgData name="Xin Luo" userId="82312ee5779919a4" providerId="LiveId" clId="{23920C8D-EBCE-A347-9C82-C14316D20539}" dt="2022-10-10T01:06:29.261" v="368" actId="404"/>
+          <ac:chgData name="Xin Luo" userId="82312ee5779919a4" providerId="LiveId" clId="{3C4A7AF4-6488-5041-B432-D36EF53163D3}" dt="2023-02-23T07:39:23.145" v="2375" actId="20577"/>
           <ac:spMkLst>
             <pc:docMk/>
             <pc:sldMk cId="1576120367" sldId="2387"/>
@@ -3079,38 +1416,46 @@
           </ac:spMkLst>
         </pc:spChg>
         <pc:spChg chg="mod">
-          <ac:chgData name="Xin Luo" userId="82312ee5779919a4" providerId="LiveId" clId="{23920C8D-EBCE-A347-9C82-C14316D20539}" dt="2022-10-10T01:06:13.262" v="366" actId="403"/>
+          <ac:chgData name="Xin Luo" userId="82312ee5779919a4" providerId="LiveId" clId="{3C4A7AF4-6488-5041-B432-D36EF53163D3}" dt="2023-02-23T04:51:33.868" v="1950" actId="20577"/>
           <ac:spMkLst>
             <pc:docMk/>
             <pc:sldMk cId="1576120367" sldId="2387"/>
             <ac:spMk id="14" creationId="{00000000-0000-0000-0000-000000000000}"/>
           </ac:spMkLst>
         </pc:spChg>
-        <pc:spChg chg="mod">
-          <ac:chgData name="Xin Luo" userId="82312ee5779919a4" providerId="LiveId" clId="{23920C8D-EBCE-A347-9C82-C14316D20539}" dt="2022-10-10T01:06:29.261" v="368" actId="404"/>
-          <ac:spMkLst>
+        <pc:grpChg chg="add mod">
+          <ac:chgData name="Xin Luo" userId="82312ee5779919a4" providerId="LiveId" clId="{3C4A7AF4-6488-5041-B432-D36EF53163D3}" dt="2023-02-22T07:32:25.478" v="308" actId="1076"/>
+          <ac:grpSpMkLst>
             <pc:docMk/>
             <pc:sldMk cId="1576120367" sldId="2387"/>
-            <ac:spMk id="15" creationId="{00000000-0000-0000-0000-000000000000}"/>
-          </ac:spMkLst>
-        </pc:spChg>
-        <pc:spChg chg="mod">
-          <ac:chgData name="Xin Luo" userId="82312ee5779919a4" providerId="LiveId" clId="{23920C8D-EBCE-A347-9C82-C14316D20539}" dt="2022-10-10T01:06:19.369" v="367" actId="14100"/>
-          <ac:spMkLst>
+            <ac:grpSpMk id="2" creationId="{AFCAA61D-767A-24EA-9072-7425684288BB}"/>
+          </ac:grpSpMkLst>
+        </pc:grpChg>
+        <pc:grpChg chg="mod">
+          <ac:chgData name="Xin Luo" userId="82312ee5779919a4" providerId="LiveId" clId="{3C4A7AF4-6488-5041-B432-D36EF53163D3}" dt="2023-02-23T07:39:19.698" v="2367" actId="1076"/>
+          <ac:grpSpMkLst>
             <pc:docMk/>
             <pc:sldMk cId="1576120367" sldId="2387"/>
-            <ac:spMk id="16" creationId="{00000000-0000-0000-0000-000000000000}"/>
-          </ac:spMkLst>
-        </pc:spChg>
+            <ac:grpSpMk id="3" creationId="{12ED16A1-79B8-7DB1-1CC1-250B051BAD58}"/>
+          </ac:grpSpMkLst>
+        </pc:grpChg>
+        <pc:grpChg chg="mod">
+          <ac:chgData name="Xin Luo" userId="82312ee5779919a4" providerId="LiveId" clId="{3C4A7AF4-6488-5041-B432-D36EF53163D3}" dt="2023-02-23T07:39:15.729" v="2366" actId="1076"/>
+          <ac:grpSpMkLst>
+            <pc:docMk/>
+            <pc:sldMk cId="1576120367" sldId="2387"/>
+            <ac:grpSpMk id="9" creationId="{84B9B8D5-4BCC-CDFF-1E13-B005060A8BDF}"/>
+          </ac:grpSpMkLst>
+        </pc:grpChg>
       </pc:sldChg>
       <pc:sldChg chg="modSp mod">
-        <pc:chgData name="Xin Luo" userId="82312ee5779919a4" providerId="LiveId" clId="{23920C8D-EBCE-A347-9C82-C14316D20539}" dt="2022-10-10T01:06:39.449" v="369" actId="403"/>
+        <pc:chgData name="Xin Luo" userId="82312ee5779919a4" providerId="LiveId" clId="{3C4A7AF4-6488-5041-B432-D36EF53163D3}" dt="2023-02-22T07:33:21.001" v="351" actId="20577"/>
         <pc:sldMkLst>
           <pc:docMk/>
           <pc:sldMk cId="2415901206" sldId="2447"/>
         </pc:sldMkLst>
         <pc:spChg chg="mod">
-          <ac:chgData name="Xin Luo" userId="82312ee5779919a4" providerId="LiveId" clId="{23920C8D-EBCE-A347-9C82-C14316D20539}" dt="2022-10-10T01:06:39.449" v="369" actId="403"/>
+          <ac:chgData name="Xin Luo" userId="82312ee5779919a4" providerId="LiveId" clId="{3C4A7AF4-6488-5041-B432-D36EF53163D3}" dt="2023-02-22T07:33:21.001" v="351" actId="20577"/>
           <ac:spMkLst>
             <pc:docMk/>
             <pc:sldMk cId="2415901206" sldId="2447"/>
@@ -3119,267 +1464,1922 @@
         </pc:spChg>
       </pc:sldChg>
       <pc:sldChg chg="addSp delSp modSp mod">
-        <pc:chgData name="Xin Luo" userId="82312ee5779919a4" providerId="LiveId" clId="{23920C8D-EBCE-A347-9C82-C14316D20539}" dt="2022-10-26T11:18:20.490" v="500"/>
+        <pc:chgData name="Xin Luo" userId="82312ee5779919a4" providerId="LiveId" clId="{3C4A7AF4-6488-5041-B432-D36EF53163D3}" dt="2023-02-23T01:16:39.011" v="1571" actId="1037"/>
         <pc:sldMkLst>
           <pc:docMk/>
-          <pc:sldMk cId="2689840772" sldId="2604"/>
+          <pc:sldMk cId="4067577602" sldId="2605"/>
         </pc:sldMkLst>
         <pc:spChg chg="mod">
-          <ac:chgData name="Xin Luo" userId="82312ee5779919a4" providerId="LiveId" clId="{23920C8D-EBCE-A347-9C82-C14316D20539}" dt="2022-10-26T11:18:14.630" v="497" actId="1038"/>
-          <ac:spMkLst>
-            <pc:docMk/>
-            <pc:sldMk cId="2689840772" sldId="2604"/>
-            <ac:spMk id="2" creationId="{DB381E7B-A050-4BE4-6756-9B64308C74D7}"/>
-          </ac:spMkLst>
-        </pc:spChg>
-        <pc:spChg chg="del mod">
-          <ac:chgData name="Xin Luo" userId="82312ee5779919a4" providerId="LiveId" clId="{23920C8D-EBCE-A347-9C82-C14316D20539}" dt="2022-10-10T00:58:26.498" v="9" actId="478"/>
-          <ac:spMkLst>
-            <pc:docMk/>
-            <pc:sldMk cId="2689840772" sldId="2604"/>
+          <ac:chgData name="Xin Luo" userId="82312ee5779919a4" providerId="LiveId" clId="{3C4A7AF4-6488-5041-B432-D36EF53163D3}" dt="2023-02-22T07:38:53.396" v="381" actId="20577"/>
+          <ac:spMkLst>
+            <pc:docMk/>
+            <pc:sldMk cId="4067577602" sldId="2605"/>
             <ac:spMk id="3" creationId="{00000000-0000-0000-0000-000000000000}"/>
           </ac:spMkLst>
         </pc:spChg>
         <pc:spChg chg="add del mod">
-          <ac:chgData name="Xin Luo" userId="82312ee5779919a4" providerId="LiveId" clId="{23920C8D-EBCE-A347-9C82-C14316D20539}" dt="2022-10-26T11:18:20.490" v="500"/>
-          <ac:spMkLst>
-            <pc:docMk/>
-            <pc:sldMk cId="2689840772" sldId="2604"/>
-            <ac:spMk id="3" creationId="{0AC6D251-AEF6-35BE-71D5-DE25EAD72977}"/>
+          <ac:chgData name="Xin Luo" userId="82312ee5779919a4" providerId="LiveId" clId="{3C4A7AF4-6488-5041-B432-D36EF53163D3}" dt="2023-02-22T14:18:41.269" v="1148" actId="478"/>
+          <ac:spMkLst>
+            <pc:docMk/>
+            <pc:sldMk cId="4067577602" sldId="2605"/>
+            <ac:spMk id="4" creationId="{3684DBBF-D5C3-AAFB-5142-DEFC9143FCE7}"/>
+          </ac:spMkLst>
+        </pc:spChg>
+        <pc:spChg chg="del">
+          <ac:chgData name="Xin Luo" userId="82312ee5779919a4" providerId="LiveId" clId="{3C4A7AF4-6488-5041-B432-D36EF53163D3}" dt="2023-02-22T13:47:47.275" v="383" actId="478"/>
+          <ac:spMkLst>
+            <pc:docMk/>
+            <pc:sldMk cId="4067577602" sldId="2605"/>
+            <ac:spMk id="5" creationId="{8CB3051E-1455-F2D6-027A-C359D1264B18}"/>
           </ac:spMkLst>
         </pc:spChg>
         <pc:spChg chg="add mod">
-          <ac:chgData name="Xin Luo" userId="82312ee5779919a4" providerId="LiveId" clId="{23920C8D-EBCE-A347-9C82-C14316D20539}" dt="2022-10-10T01:03:50.909" v="356" actId="20577"/>
-          <ac:spMkLst>
-            <pc:docMk/>
-            <pc:sldMk cId="2689840772" sldId="2604"/>
-            <ac:spMk id="4" creationId="{5B949F23-92C2-3ACE-AE9A-58F8C8D7AB52}"/>
-          </ac:spMkLst>
-        </pc:spChg>
-      </pc:sldChg>
-      <pc:sldChg chg="modSp mod">
-        <pc:chgData name="Xin Luo" userId="82312ee5779919a4" providerId="LiveId" clId="{23920C8D-EBCE-A347-9C82-C14316D20539}" dt="2022-10-25T11:53:23.523" v="402" actId="207"/>
-        <pc:sldMkLst>
-          <pc:docMk/>
-          <pc:sldMk cId="1392274363" sldId="2606"/>
-        </pc:sldMkLst>
+          <ac:chgData name="Xin Luo" userId="82312ee5779919a4" providerId="LiveId" clId="{3C4A7AF4-6488-5041-B432-D36EF53163D3}" dt="2023-02-23T01:16:39.011" v="1571" actId="1037"/>
+          <ac:spMkLst>
+            <pc:docMk/>
+            <pc:sldMk cId="4067577602" sldId="2605"/>
+            <ac:spMk id="15" creationId="{8F7436BD-0CD5-04DA-2B44-925CE86CF70D}"/>
+          </ac:spMkLst>
+        </pc:spChg>
+        <pc:spChg chg="add mod">
+          <ac:chgData name="Xin Luo" userId="82312ee5779919a4" providerId="LiveId" clId="{3C4A7AF4-6488-5041-B432-D36EF53163D3}" dt="2023-02-22T14:35:48.413" v="1376" actId="1076"/>
+          <ac:spMkLst>
+            <pc:docMk/>
+            <pc:sldMk cId="4067577602" sldId="2605"/>
+            <ac:spMk id="16" creationId="{5E1E7D79-A815-9A32-ABAB-129BFCE643F1}"/>
+          </ac:spMkLst>
+        </pc:spChg>
         <pc:spChg chg="mod">
-          <ac:chgData name="Xin Luo" userId="82312ee5779919a4" providerId="LiveId" clId="{23920C8D-EBCE-A347-9C82-C14316D20539}" dt="2022-10-10T01:08:08.448" v="392" actId="20577"/>
-          <ac:spMkLst>
-            <pc:docMk/>
-            <pc:sldMk cId="1392274363" sldId="2606"/>
-            <ac:spMk id="35" creationId="{2CBBD54C-A0C4-CFAB-2A67-F8BF299D28F5}"/>
-          </ac:spMkLst>
-        </pc:spChg>
-        <pc:spChg chg="mod">
-          <ac:chgData name="Xin Luo" userId="82312ee5779919a4" providerId="LiveId" clId="{23920C8D-EBCE-A347-9C82-C14316D20539}" dt="2022-10-25T11:53:23.523" v="402" actId="207"/>
-          <ac:spMkLst>
-            <pc:docMk/>
-            <pc:sldMk cId="1392274363" sldId="2606"/>
-            <ac:spMk id="42" creationId="{E4B07DDE-AB89-2B16-6B7A-2142621DE6F5}"/>
-          </ac:spMkLst>
-        </pc:spChg>
-      </pc:sldChg>
-      <pc:sldChg chg="modSp mod">
-        <pc:chgData name="Xin Luo" userId="82312ee5779919a4" providerId="LiveId" clId="{23920C8D-EBCE-A347-9C82-C14316D20539}" dt="2022-10-25T12:03:26.240" v="414" actId="14100"/>
-        <pc:sldMkLst>
-          <pc:docMk/>
-          <pc:sldMk cId="292605530" sldId="2607"/>
-        </pc:sldMkLst>
-        <pc:spChg chg="mod">
-          <ac:chgData name="Xin Luo" userId="82312ee5779919a4" providerId="LiveId" clId="{23920C8D-EBCE-A347-9C82-C14316D20539}" dt="2022-10-25T12:03:26.240" v="414" actId="14100"/>
-          <ac:spMkLst>
-            <pc:docMk/>
-            <pc:sldMk cId="292605530" sldId="2607"/>
-            <ac:spMk id="18" creationId="{8399C9E7-13B6-1DAF-F5BF-4471E8528C5F}"/>
-          </ac:spMkLst>
-        </pc:spChg>
-      </pc:sldChg>
-      <pc:sldChg chg="modSp mod">
-        <pc:chgData name="Xin Luo" userId="82312ee5779919a4" providerId="LiveId" clId="{23920C8D-EBCE-A347-9C82-C14316D20539}" dt="2022-10-25T12:09:03.730" v="478" actId="1036"/>
-        <pc:sldMkLst>
-          <pc:docMk/>
-          <pc:sldMk cId="2780969545" sldId="2609"/>
-        </pc:sldMkLst>
-        <pc:spChg chg="mod">
-          <ac:chgData name="Xin Luo" userId="82312ee5779919a4" providerId="LiveId" clId="{23920C8D-EBCE-A347-9C82-C14316D20539}" dt="2022-10-25T12:08:56.496" v="469" actId="115"/>
-          <ac:spMkLst>
-            <pc:docMk/>
-            <pc:sldMk cId="2780969545" sldId="2609"/>
-            <ac:spMk id="6" creationId="{2D1A6305-FF43-CF53-224A-B6D4901EAB0F}"/>
-          </ac:spMkLst>
-        </pc:spChg>
-        <pc:spChg chg="mod">
-          <ac:chgData name="Xin Luo" userId="82312ee5779919a4" providerId="LiveId" clId="{23920C8D-EBCE-A347-9C82-C14316D20539}" dt="2022-10-25T12:09:03.730" v="478" actId="1036"/>
-          <ac:spMkLst>
-            <pc:docMk/>
-            <pc:sldMk cId="2780969545" sldId="2609"/>
-            <ac:spMk id="11" creationId="{63EAC848-88D2-7A10-E878-444ADA855E23}"/>
-          </ac:spMkLst>
-        </pc:spChg>
-        <pc:spChg chg="mod">
-          <ac:chgData name="Xin Luo" userId="82312ee5779919a4" providerId="LiveId" clId="{23920C8D-EBCE-A347-9C82-C14316D20539}" dt="2022-10-25T12:09:03.730" v="478" actId="1036"/>
-          <ac:spMkLst>
-            <pc:docMk/>
-            <pc:sldMk cId="2780969545" sldId="2609"/>
-            <ac:spMk id="12" creationId="{BED7A820-9D6E-7E7E-A906-8A9424528316}"/>
-          </ac:spMkLst>
-        </pc:spChg>
-        <pc:spChg chg="mod">
-          <ac:chgData name="Xin Luo" userId="82312ee5779919a4" providerId="LiveId" clId="{23920C8D-EBCE-A347-9C82-C14316D20539}" dt="2022-10-25T12:09:03.730" v="478" actId="1036"/>
-          <ac:spMkLst>
-            <pc:docMk/>
-            <pc:sldMk cId="2780969545" sldId="2609"/>
-            <ac:spMk id="20" creationId="{87EC125B-CB98-6914-1633-6697471A2CB4}"/>
-          </ac:spMkLst>
-        </pc:spChg>
-        <pc:spChg chg="mod">
-          <ac:chgData name="Xin Luo" userId="82312ee5779919a4" providerId="LiveId" clId="{23920C8D-EBCE-A347-9C82-C14316D20539}" dt="2022-10-25T12:09:03.730" v="478" actId="1036"/>
-          <ac:spMkLst>
-            <pc:docMk/>
-            <pc:sldMk cId="2780969545" sldId="2609"/>
-            <ac:spMk id="21" creationId="{0AF67847-7DEF-CDAB-6208-0271BFB4FB06}"/>
-          </ac:spMkLst>
-        </pc:spChg>
-        <pc:spChg chg="mod">
-          <ac:chgData name="Xin Luo" userId="82312ee5779919a4" providerId="LiveId" clId="{23920C8D-EBCE-A347-9C82-C14316D20539}" dt="2022-10-25T12:09:03.730" v="478" actId="1036"/>
-          <ac:spMkLst>
-            <pc:docMk/>
-            <pc:sldMk cId="2780969545" sldId="2609"/>
-            <ac:spMk id="23" creationId="{0011846D-F543-398E-85CB-0AB0A842928A}"/>
-          </ac:spMkLst>
-        </pc:spChg>
-        <pc:spChg chg="mod">
-          <ac:chgData name="Xin Luo" userId="82312ee5779919a4" providerId="LiveId" clId="{23920C8D-EBCE-A347-9C82-C14316D20539}" dt="2022-10-25T12:09:03.730" v="478" actId="1036"/>
-          <ac:spMkLst>
-            <pc:docMk/>
-            <pc:sldMk cId="2780969545" sldId="2609"/>
-            <ac:spMk id="24" creationId="{37B5D87E-7419-7CC0-91CC-8A0807F0F999}"/>
-          </ac:spMkLst>
-        </pc:spChg>
-        <pc:spChg chg="mod">
-          <ac:chgData name="Xin Luo" userId="82312ee5779919a4" providerId="LiveId" clId="{23920C8D-EBCE-A347-9C82-C14316D20539}" dt="2022-10-25T12:09:03.730" v="478" actId="1036"/>
-          <ac:spMkLst>
-            <pc:docMk/>
-            <pc:sldMk cId="2780969545" sldId="2609"/>
-            <ac:spMk id="25" creationId="{4745244D-B431-F067-4A97-7CC4387296FB}"/>
-          </ac:spMkLst>
-        </pc:spChg>
-        <pc:spChg chg="mod">
-          <ac:chgData name="Xin Luo" userId="82312ee5779919a4" providerId="LiveId" clId="{23920C8D-EBCE-A347-9C82-C14316D20539}" dt="2022-10-25T12:09:03.730" v="478" actId="1036"/>
-          <ac:spMkLst>
-            <pc:docMk/>
-            <pc:sldMk cId="2780969545" sldId="2609"/>
-            <ac:spMk id="26" creationId="{FB9C53DE-8D1F-6DF4-8CE3-3A262A9F8737}"/>
-          </ac:spMkLst>
-        </pc:spChg>
-        <pc:picChg chg="mod">
-          <ac:chgData name="Xin Luo" userId="82312ee5779919a4" providerId="LiveId" clId="{23920C8D-EBCE-A347-9C82-C14316D20539}" dt="2022-10-25T12:09:03.730" v="478" actId="1036"/>
+          <ac:chgData name="Xin Luo" userId="82312ee5779919a4" providerId="LiveId" clId="{3C4A7AF4-6488-5041-B432-D36EF53163D3}" dt="2023-02-22T14:25:21.534" v="1184" actId="115"/>
+          <ac:spMkLst>
+            <pc:docMk/>
+            <pc:sldMk cId="4067577602" sldId="2605"/>
+            <ac:spMk id="17" creationId="{9E05FFCA-3371-AF5C-381D-71D984055F5A}"/>
+          </ac:spMkLst>
+        </pc:spChg>
+        <pc:picChg chg="add mod">
+          <ac:chgData name="Xin Luo" userId="82312ee5779919a4" providerId="LiveId" clId="{3C4A7AF4-6488-5041-B432-D36EF53163D3}" dt="2023-02-22T14:36:37.590" v="1394" actId="1076"/>
           <ac:picMkLst>
             <pc:docMk/>
-            <pc:sldMk cId="2780969545" sldId="2609"/>
-            <ac:picMk id="4" creationId="{49B7ACC6-6794-9162-52B2-E80F7E4B0442}"/>
+            <pc:sldMk cId="4067577602" sldId="2605"/>
+            <ac:picMk id="7" creationId="{C7993E05-4ADB-9D0C-E633-5749F445E479}"/>
           </ac:picMkLst>
         </pc:picChg>
-        <pc:picChg chg="mod">
-          <ac:chgData name="Xin Luo" userId="82312ee5779919a4" providerId="LiveId" clId="{23920C8D-EBCE-A347-9C82-C14316D20539}" dt="2022-10-25T12:09:03.730" v="478" actId="1036"/>
+        <pc:picChg chg="add del mod">
+          <ac:chgData name="Xin Luo" userId="82312ee5779919a4" providerId="LiveId" clId="{3C4A7AF4-6488-5041-B432-D36EF53163D3}" dt="2023-02-22T14:24:46.251" v="1173" actId="478"/>
           <ac:picMkLst>
             <pc:docMk/>
-            <pc:sldMk cId="2780969545" sldId="2609"/>
-            <ac:picMk id="7" creationId="{42FD45A0-A9EA-D518-41B5-21FA7A24BA60}"/>
+            <pc:sldMk cId="4067577602" sldId="2605"/>
+            <ac:picMk id="9" creationId="{D4A1F7D5-C3DE-337A-6369-48B839C7030D}"/>
           </ac:picMkLst>
         </pc:picChg>
-        <pc:picChg chg="mod">
-          <ac:chgData name="Xin Luo" userId="82312ee5779919a4" providerId="LiveId" clId="{23920C8D-EBCE-A347-9C82-C14316D20539}" dt="2022-10-25T12:09:03.730" v="478" actId="1036"/>
+        <pc:picChg chg="add mod">
+          <ac:chgData name="Xin Luo" userId="82312ee5779919a4" providerId="LiveId" clId="{3C4A7AF4-6488-5041-B432-D36EF53163D3}" dt="2023-02-22T14:36:43.182" v="1396" actId="1076"/>
           <ac:picMkLst>
             <pc:docMk/>
-            <pc:sldMk cId="2780969545" sldId="2609"/>
-            <ac:picMk id="10" creationId="{C2B12388-3179-41F8-2462-0C9BA14093FF}"/>
+            <pc:sldMk cId="4067577602" sldId="2605"/>
+            <ac:picMk id="10" creationId="{26D555B6-DE11-BF17-8D9F-B5F93A876835}"/>
           </ac:picMkLst>
         </pc:picChg>
-        <pc:picChg chg="mod">
-          <ac:chgData name="Xin Luo" userId="82312ee5779919a4" providerId="LiveId" clId="{23920C8D-EBCE-A347-9C82-C14316D20539}" dt="2022-10-25T12:09:03.730" v="478" actId="1036"/>
+        <pc:picChg chg="del">
+          <ac:chgData name="Xin Luo" userId="82312ee5779919a4" providerId="LiveId" clId="{3C4A7AF4-6488-5041-B432-D36EF53163D3}" dt="2023-02-22T13:47:45.826" v="382" actId="478"/>
           <ac:picMkLst>
             <pc:docMk/>
-            <pc:sldMk cId="2780969545" sldId="2609"/>
-            <ac:picMk id="7170" creationId="{A3C33C8C-6841-03A7-574F-E161D6BA2409}"/>
+            <pc:sldMk cId="4067577602" sldId="2605"/>
+            <ac:picMk id="1026" creationId="{9270A6EE-B03E-77C5-630F-E811251395A0}"/>
           </ac:picMkLst>
         </pc:picChg>
-        <pc:cxnChg chg="mod">
-          <ac:chgData name="Xin Luo" userId="82312ee5779919a4" providerId="LiveId" clId="{23920C8D-EBCE-A347-9C82-C14316D20539}" dt="2022-10-25T12:09:03.730" v="478" actId="1036"/>
+        <pc:picChg chg="add mod">
+          <ac:chgData name="Xin Luo" userId="82312ee5779919a4" providerId="LiveId" clId="{3C4A7AF4-6488-5041-B432-D36EF53163D3}" dt="2023-02-22T14:34:30.005" v="1302" actId="1036"/>
+          <ac:picMkLst>
+            <pc:docMk/>
+            <pc:sldMk cId="4067577602" sldId="2605"/>
+            <ac:picMk id="1028" creationId="{9FA49340-63F1-4959-1786-FD893DE76CE9}"/>
+          </ac:picMkLst>
+        </pc:picChg>
+        <pc:picChg chg="add mod">
+          <ac:chgData name="Xin Luo" userId="82312ee5779919a4" providerId="LiveId" clId="{3C4A7AF4-6488-5041-B432-D36EF53163D3}" dt="2023-02-22T14:36:33.444" v="1393" actId="1076"/>
+          <ac:picMkLst>
+            <pc:docMk/>
+            <pc:sldMk cId="4067577602" sldId="2605"/>
+            <ac:picMk id="1030" creationId="{35CDAC06-D9CF-2AC8-535E-A1B01EC14218}"/>
+          </ac:picMkLst>
+        </pc:picChg>
+        <pc:picChg chg="add mod">
+          <ac:chgData name="Xin Luo" userId="82312ee5779919a4" providerId="LiveId" clId="{3C4A7AF4-6488-5041-B432-D36EF53163D3}" dt="2023-02-22T14:35:58.140" v="1379" actId="14100"/>
+          <ac:picMkLst>
+            <pc:docMk/>
+            <pc:sldMk cId="4067577602" sldId="2605"/>
+            <ac:picMk id="1032" creationId="{AFE202E8-A338-4627-93EE-5AD65BEE9525}"/>
+          </ac:picMkLst>
+        </pc:picChg>
+        <pc:picChg chg="add mod">
+          <ac:chgData name="Xin Luo" userId="82312ee5779919a4" providerId="LiveId" clId="{3C4A7AF4-6488-5041-B432-D36EF53163D3}" dt="2023-02-22T14:34:30.005" v="1302" actId="1036"/>
+          <ac:picMkLst>
+            <pc:docMk/>
+            <pc:sldMk cId="4067577602" sldId="2605"/>
+            <ac:picMk id="1034" creationId="{D5CBEF68-23C0-8F4A-FA5F-CB6BCAE76176}"/>
+          </ac:picMkLst>
+        </pc:picChg>
+        <pc:picChg chg="add mod">
+          <ac:chgData name="Xin Luo" userId="82312ee5779919a4" providerId="LiveId" clId="{3C4A7AF4-6488-5041-B432-D36EF53163D3}" dt="2023-02-22T14:34:36.142" v="1309" actId="1035"/>
+          <ac:picMkLst>
+            <pc:docMk/>
+            <pc:sldMk cId="4067577602" sldId="2605"/>
+            <ac:picMk id="1036" creationId="{5E2738F1-9461-1F5B-3007-2AA2AD20C330}"/>
+          </ac:picMkLst>
+        </pc:picChg>
+        <pc:cxnChg chg="add mod">
+          <ac:chgData name="Xin Luo" userId="82312ee5779919a4" providerId="LiveId" clId="{3C4A7AF4-6488-5041-B432-D36EF53163D3}" dt="2023-02-22T14:33:32.573" v="1248" actId="14100"/>
           <ac:cxnSpMkLst>
             <pc:docMk/>
-            <pc:sldMk cId="2780969545" sldId="2609"/>
-            <ac:cxnSpMk id="9" creationId="{FD972B84-6C44-171E-8256-D2A04F01B0C9}"/>
-          </ac:cxnSpMkLst>
-        </pc:cxnChg>
-        <pc:cxnChg chg="mod">
-          <ac:chgData name="Xin Luo" userId="82312ee5779919a4" providerId="LiveId" clId="{23920C8D-EBCE-A347-9C82-C14316D20539}" dt="2022-10-25T12:09:03.730" v="478" actId="1036"/>
-          <ac:cxnSpMkLst>
-            <pc:docMk/>
-            <pc:sldMk cId="2780969545" sldId="2609"/>
-            <ac:cxnSpMk id="16" creationId="{612BCBDC-DECE-5090-7C5B-6492FF4CE722}"/>
-          </ac:cxnSpMkLst>
-        </pc:cxnChg>
-        <pc:cxnChg chg="mod">
-          <ac:chgData name="Xin Luo" userId="82312ee5779919a4" providerId="LiveId" clId="{23920C8D-EBCE-A347-9C82-C14316D20539}" dt="2022-10-25T12:09:03.730" v="478" actId="1036"/>
-          <ac:cxnSpMkLst>
-            <pc:docMk/>
-            <pc:sldMk cId="2780969545" sldId="2609"/>
-            <ac:cxnSpMk id="17" creationId="{AF045F09-2718-C456-D477-E816A43885FF}"/>
-          </ac:cxnSpMkLst>
-        </pc:cxnChg>
-        <pc:cxnChg chg="mod">
-          <ac:chgData name="Xin Luo" userId="82312ee5779919a4" providerId="LiveId" clId="{23920C8D-EBCE-A347-9C82-C14316D20539}" dt="2022-10-25T12:09:03.730" v="478" actId="1036"/>
-          <ac:cxnSpMkLst>
-            <pc:docMk/>
-            <pc:sldMk cId="2780969545" sldId="2609"/>
-            <ac:cxnSpMk id="28" creationId="{6C11ADF7-6234-2989-2798-F5AAD5EDE3BF}"/>
+            <pc:sldMk cId="4067577602" sldId="2605"/>
+            <ac:cxnSpMk id="12" creationId="{78FA799A-1F2C-F1DA-9F71-B1B8AFBC5758}"/>
           </ac:cxnSpMkLst>
         </pc:cxnChg>
       </pc:sldChg>
-      <pc:sldChg chg="modSp mod">
-        <pc:chgData name="Xin Luo" userId="82312ee5779919a4" providerId="LiveId" clId="{23920C8D-EBCE-A347-9C82-C14316D20539}" dt="2022-10-26T02:56:58.658" v="480" actId="207"/>
+      <pc:sldChg chg="del">
+        <pc:chgData name="Xin Luo" userId="82312ee5779919a4" providerId="LiveId" clId="{3C4A7AF4-6488-5041-B432-D36EF53163D3}" dt="2023-02-22T05:30:52.002" v="3" actId="2696"/>
         <pc:sldMkLst>
           <pc:docMk/>
-          <pc:sldMk cId="63705705" sldId="2612"/>
+          <pc:sldMk cId="2688334957" sldId="2705"/>
+        </pc:sldMkLst>
+      </pc:sldChg>
+      <pc:sldChg chg="del">
+        <pc:chgData name="Xin Luo" userId="82312ee5779919a4" providerId="LiveId" clId="{3C4A7AF4-6488-5041-B432-D36EF53163D3}" dt="2023-02-22T05:30:51.986" v="2" actId="2696"/>
+        <pc:sldMkLst>
+          <pc:docMk/>
+          <pc:sldMk cId="2464444856" sldId="2706"/>
+        </pc:sldMkLst>
+      </pc:sldChg>
+      <pc:sldChg chg="del">
+        <pc:chgData name="Xin Luo" userId="82312ee5779919a4" providerId="LiveId" clId="{3C4A7AF4-6488-5041-B432-D36EF53163D3}" dt="2023-02-22T05:30:51.983" v="1" actId="2696"/>
+        <pc:sldMkLst>
+          <pc:docMk/>
+          <pc:sldMk cId="1602808061" sldId="2707"/>
+        </pc:sldMkLst>
+      </pc:sldChg>
+      <pc:sldChg chg="modSp mod">
+        <pc:chgData name="Xin Luo" userId="82312ee5779919a4" providerId="LiveId" clId="{3C4A7AF4-6488-5041-B432-D36EF53163D3}" dt="2023-02-22T07:27:49.994" v="45" actId="20577"/>
+        <pc:sldMkLst>
+          <pc:docMk/>
+          <pc:sldMk cId="1658607177" sldId="2708"/>
         </pc:sldMkLst>
         <pc:spChg chg="mod">
-          <ac:chgData name="Xin Luo" userId="82312ee5779919a4" providerId="LiveId" clId="{23920C8D-EBCE-A347-9C82-C14316D20539}" dt="2022-10-26T02:56:58.658" v="480" actId="207"/>
-          <ac:spMkLst>
-            <pc:docMk/>
-            <pc:sldMk cId="63705705" sldId="2612"/>
-            <ac:spMk id="63" creationId="{6400CC45-5050-7ACD-CE08-CC6D7000A1DA}"/>
+          <ac:chgData name="Xin Luo" userId="82312ee5779919a4" providerId="LiveId" clId="{3C4A7AF4-6488-5041-B432-D36EF53163D3}" dt="2023-02-22T05:30:59.167" v="9" actId="20577"/>
+          <ac:spMkLst>
+            <pc:docMk/>
+            <pc:sldMk cId="1658607177" sldId="2708"/>
+            <ac:spMk id="3" creationId="{E375549C-74EF-2C8F-6432-2C52B803FB1B}"/>
+          </ac:spMkLst>
+        </pc:spChg>
+        <pc:spChg chg="mod">
+          <ac:chgData name="Xin Luo" userId="82312ee5779919a4" providerId="LiveId" clId="{3C4A7AF4-6488-5041-B432-D36EF53163D3}" dt="2023-02-22T07:27:49.994" v="45" actId="20577"/>
+          <ac:spMkLst>
+            <pc:docMk/>
+            <pc:sldMk cId="1658607177" sldId="2708"/>
+            <ac:spMk id="24" creationId="{00000000-0000-0000-0000-000000000000}"/>
           </ac:spMkLst>
         </pc:spChg>
       </pc:sldChg>
-      <pc:sldChg chg="addSp modSp">
-        <pc:chgData name="Xin Luo" userId="82312ee5779919a4" providerId="LiveId" clId="{23920C8D-EBCE-A347-9C82-C14316D20539}" dt="2022-10-26T12:19:06.428" v="501" actId="767"/>
+      <pc:sldChg chg="modSp add mod">
+        <pc:chgData name="Xin Luo" userId="82312ee5779919a4" providerId="LiveId" clId="{3C4A7AF4-6488-5041-B432-D36EF53163D3}" dt="2023-02-23T07:39:57.891" v="2394" actId="20577"/>
         <pc:sldMkLst>
           <pc:docMk/>
-          <pc:sldMk cId="963926578" sldId="2613"/>
+          <pc:sldMk cId="481122590" sldId="2709"/>
+        </pc:sldMkLst>
+        <pc:spChg chg="mod">
+          <ac:chgData name="Xin Luo" userId="82312ee5779919a4" providerId="LiveId" clId="{3C4A7AF4-6488-5041-B432-D36EF53163D3}" dt="2023-02-23T07:39:57.891" v="2394" actId="20577"/>
+          <ac:spMkLst>
+            <pc:docMk/>
+            <pc:sldMk cId="481122590" sldId="2709"/>
+            <ac:spMk id="7" creationId="{00000000-0000-0000-0000-000000000000}"/>
+          </ac:spMkLst>
+        </pc:spChg>
+      </pc:sldChg>
+      <pc:sldChg chg="addSp delSp modSp del mod">
+        <pc:chgData name="Xin Luo" userId="82312ee5779919a4" providerId="LiveId" clId="{3C4A7AF4-6488-5041-B432-D36EF53163D3}" dt="2023-02-23T07:26:52.546" v="2336" actId="2696"/>
+        <pc:sldMkLst>
+          <pc:docMk/>
+          <pc:sldMk cId="1257969106" sldId="2709"/>
+        </pc:sldMkLst>
+        <pc:spChg chg="add del mod">
+          <ac:chgData name="Xin Luo" userId="82312ee5779919a4" providerId="LiveId" clId="{3C4A7AF4-6488-5041-B432-D36EF53163D3}" dt="2023-02-23T07:23:16.824" v="2299"/>
+          <ac:spMkLst>
+            <pc:docMk/>
+            <pc:sldMk cId="1257969106" sldId="2709"/>
+            <ac:spMk id="2" creationId="{4F16F311-539C-1B93-3CE1-715CE6FEC011}"/>
+          </ac:spMkLst>
+        </pc:spChg>
+        <pc:spChg chg="add del mod">
+          <ac:chgData name="Xin Luo" userId="82312ee5779919a4" providerId="LiveId" clId="{3C4A7AF4-6488-5041-B432-D36EF53163D3}" dt="2023-02-23T07:23:16.824" v="2299"/>
+          <ac:spMkLst>
+            <pc:docMk/>
+            <pc:sldMk cId="1257969106" sldId="2709"/>
+            <ac:spMk id="4" creationId="{883EF12F-27CE-609F-1E57-59730B969DB2}"/>
+          </ac:spMkLst>
+        </pc:spChg>
+        <pc:spChg chg="mod">
+          <ac:chgData name="Xin Luo" userId="82312ee5779919a4" providerId="LiveId" clId="{3C4A7AF4-6488-5041-B432-D36EF53163D3}" dt="2023-02-23T07:23:37.260" v="2303" actId="20577"/>
+          <ac:spMkLst>
+            <pc:docMk/>
+            <pc:sldMk cId="1257969106" sldId="2709"/>
+            <ac:spMk id="7" creationId="{00000000-0000-0000-0000-000000000000}"/>
+          </ac:spMkLst>
+        </pc:spChg>
+      </pc:sldChg>
+      <pc:sldChg chg="del">
+        <pc:chgData name="Xin Luo" userId="82312ee5779919a4" providerId="LiveId" clId="{3C4A7AF4-6488-5041-B432-D36EF53163D3}" dt="2023-02-22T07:32:46.487" v="311" actId="2696"/>
+        <pc:sldMkLst>
+          <pc:docMk/>
+          <pc:sldMk cId="2744383376" sldId="2711"/>
+        </pc:sldMkLst>
+      </pc:sldChg>
+      <pc:sldChg chg="del">
+        <pc:chgData name="Xin Luo" userId="82312ee5779919a4" providerId="LiveId" clId="{3C4A7AF4-6488-5041-B432-D36EF53163D3}" dt="2023-02-22T07:32:46.489" v="312" actId="2696"/>
+        <pc:sldMkLst>
+          <pc:docMk/>
+          <pc:sldMk cId="280619949" sldId="2714"/>
+        </pc:sldMkLst>
+      </pc:sldChg>
+      <pc:sldChg chg="del">
+        <pc:chgData name="Xin Luo" userId="82312ee5779919a4" providerId="LiveId" clId="{3C4A7AF4-6488-5041-B432-D36EF53163D3}" dt="2023-02-22T07:32:53.087" v="313" actId="2696"/>
+        <pc:sldMkLst>
+          <pc:docMk/>
+          <pc:sldMk cId="3852391939" sldId="2715"/>
+        </pc:sldMkLst>
+      </pc:sldChg>
+      <pc:sldChg chg="delSp modSp del mod ord">
+        <pc:chgData name="Xin Luo" userId="82312ee5779919a4" providerId="LiveId" clId="{3C4A7AF4-6488-5041-B432-D36EF53163D3}" dt="2023-02-23T07:26:52.546" v="2336" actId="2696"/>
+        <pc:sldMkLst>
+          <pc:docMk/>
+          <pc:sldMk cId="3026715585" sldId="2716"/>
+        </pc:sldMkLst>
+        <pc:spChg chg="mod">
+          <ac:chgData name="Xin Luo" userId="82312ee5779919a4" providerId="LiveId" clId="{3C4A7AF4-6488-5041-B432-D36EF53163D3}" dt="2023-02-23T07:23:45.452" v="2305" actId="20577"/>
+          <ac:spMkLst>
+            <pc:docMk/>
+            <pc:sldMk cId="3026715585" sldId="2716"/>
+            <ac:spMk id="3" creationId="{00000000-0000-0000-0000-000000000000}"/>
+          </ac:spMkLst>
+        </pc:spChg>
+        <pc:spChg chg="del">
+          <ac:chgData name="Xin Luo" userId="82312ee5779919a4" providerId="LiveId" clId="{3C4A7AF4-6488-5041-B432-D36EF53163D3}" dt="2023-02-23T01:12:00.098" v="1532" actId="478"/>
+          <ac:spMkLst>
+            <pc:docMk/>
+            <pc:sldMk cId="3026715585" sldId="2716"/>
+            <ac:spMk id="4" creationId="{B31A8325-31D8-6F06-6D89-E39763C56875}"/>
+          </ac:spMkLst>
+        </pc:spChg>
+        <pc:spChg chg="del">
+          <ac:chgData name="Xin Luo" userId="82312ee5779919a4" providerId="LiveId" clId="{3C4A7AF4-6488-5041-B432-D36EF53163D3}" dt="2023-02-23T01:11:57.107" v="1531" actId="478"/>
+          <ac:spMkLst>
+            <pc:docMk/>
+            <pc:sldMk cId="3026715585" sldId="2716"/>
+            <ac:spMk id="17" creationId="{9E05FFCA-3371-AF5C-381D-71D984055F5A}"/>
+          </ac:spMkLst>
+        </pc:spChg>
+      </pc:sldChg>
+      <pc:sldChg chg="addSp modSp add mod">
+        <pc:chgData name="Xin Luo" userId="82312ee5779919a4" providerId="LiveId" clId="{3C4A7AF4-6488-5041-B432-D36EF53163D3}" dt="2023-02-23T07:58:34.775" v="2627" actId="20577"/>
+        <pc:sldMkLst>
+          <pc:docMk/>
+          <pc:sldMk cId="3833073590" sldId="2716"/>
+        </pc:sldMkLst>
+        <pc:spChg chg="mod">
+          <ac:chgData name="Xin Luo" userId="82312ee5779919a4" providerId="LiveId" clId="{3C4A7AF4-6488-5041-B432-D36EF53163D3}" dt="2023-02-23T07:58:34.775" v="2627" actId="20577"/>
+          <ac:spMkLst>
+            <pc:docMk/>
+            <pc:sldMk cId="3833073590" sldId="2716"/>
+            <ac:spMk id="2" creationId="{631AADB6-C88A-D817-4683-FC087E4E240F}"/>
+          </ac:spMkLst>
+        </pc:spChg>
+        <pc:spChg chg="mod">
+          <ac:chgData name="Xin Luo" userId="82312ee5779919a4" providerId="LiveId" clId="{3C4A7AF4-6488-5041-B432-D36EF53163D3}" dt="2023-02-23T07:40:13.902" v="2397" actId="20577"/>
+          <ac:spMkLst>
+            <pc:docMk/>
+            <pc:sldMk cId="3833073590" sldId="2716"/>
+            <ac:spMk id="3" creationId="{00000000-0000-0000-0000-000000000000}"/>
+          </ac:spMkLst>
+        </pc:spChg>
+        <pc:spChg chg="add mod">
+          <ac:chgData name="Xin Luo" userId="82312ee5779919a4" providerId="LiveId" clId="{3C4A7AF4-6488-5041-B432-D36EF53163D3}" dt="2023-02-23T07:55:19.067" v="2577" actId="115"/>
+          <ac:spMkLst>
+            <pc:docMk/>
+            <pc:sldMk cId="3833073590" sldId="2716"/>
+            <ac:spMk id="5" creationId="{9F4AEA98-0C33-E82A-EB75-839D0F0B55A4}"/>
+          </ac:spMkLst>
+        </pc:spChg>
+      </pc:sldChg>
+      <pc:sldChg chg="del">
+        <pc:chgData name="Xin Luo" userId="82312ee5779919a4" providerId="LiveId" clId="{3C4A7AF4-6488-5041-B432-D36EF53163D3}" dt="2023-02-22T07:32:53.106" v="315" actId="2696"/>
+        <pc:sldMkLst>
+          <pc:docMk/>
+          <pc:sldMk cId="4136986794" sldId="2717"/>
+        </pc:sldMkLst>
+      </pc:sldChg>
+      <pc:sldChg chg="del">
+        <pc:chgData name="Xin Luo" userId="82312ee5779919a4" providerId="LiveId" clId="{3C4A7AF4-6488-5041-B432-D36EF53163D3}" dt="2023-02-22T07:32:53.089" v="314" actId="2696"/>
+        <pc:sldMkLst>
+          <pc:docMk/>
+          <pc:sldMk cId="1778017482" sldId="2718"/>
+        </pc:sldMkLst>
+      </pc:sldChg>
+      <pc:sldChg chg="modSp del mod ord">
+        <pc:chgData name="Xin Luo" userId="82312ee5779919a4" providerId="LiveId" clId="{3C4A7AF4-6488-5041-B432-D36EF53163D3}" dt="2023-02-23T07:26:52.546" v="2336" actId="2696"/>
+        <pc:sldMkLst>
+          <pc:docMk/>
+          <pc:sldMk cId="1858913004" sldId="2719"/>
+        </pc:sldMkLst>
+        <pc:spChg chg="mod">
+          <ac:chgData name="Xin Luo" userId="82312ee5779919a4" providerId="LiveId" clId="{3C4A7AF4-6488-5041-B432-D36EF53163D3}" dt="2023-02-23T07:06:13.687" v="1964" actId="20577"/>
+          <ac:spMkLst>
+            <pc:docMk/>
+            <pc:sldMk cId="1858913004" sldId="2719"/>
+            <ac:spMk id="2" creationId="{631AADB6-C88A-D817-4683-FC087E4E240F}"/>
+          </ac:spMkLst>
+        </pc:spChg>
+        <pc:spChg chg="mod">
+          <ac:chgData name="Xin Luo" userId="82312ee5779919a4" providerId="LiveId" clId="{3C4A7AF4-6488-5041-B432-D36EF53163D3}" dt="2023-02-23T07:26:41.367" v="2335" actId="20577"/>
+          <ac:spMkLst>
+            <pc:docMk/>
+            <pc:sldMk cId="1858913004" sldId="2719"/>
+            <ac:spMk id="3" creationId="{00000000-0000-0000-0000-000000000000}"/>
+          </ac:spMkLst>
+        </pc:spChg>
+        <pc:spChg chg="mod">
+          <ac:chgData name="Xin Luo" userId="82312ee5779919a4" providerId="LiveId" clId="{3C4A7AF4-6488-5041-B432-D36EF53163D3}" dt="2023-02-23T07:18:35.599" v="2267" actId="20577"/>
+          <ac:spMkLst>
+            <pc:docMk/>
+            <pc:sldMk cId="1858913004" sldId="2719"/>
+            <ac:spMk id="5" creationId="{FCD10A89-5E0E-5D73-1D4F-9E11D943B29C}"/>
+          </ac:spMkLst>
+        </pc:spChg>
+      </pc:sldChg>
+      <pc:sldChg chg="modSp add del mod">
+        <pc:chgData name="Xin Luo" userId="82312ee5779919a4" providerId="LiveId" clId="{3C4A7AF4-6488-5041-B432-D36EF53163D3}" dt="2023-02-23T07:29:10.384" v="2343" actId="2696"/>
+        <pc:sldMkLst>
+          <pc:docMk/>
+          <pc:sldMk cId="3840444413" sldId="2719"/>
+        </pc:sldMkLst>
+        <pc:spChg chg="mod">
+          <ac:chgData name="Xin Luo" userId="82312ee5779919a4" providerId="LiveId" clId="{3C4A7AF4-6488-5041-B432-D36EF53163D3}" dt="2023-02-23T07:27:15.924" v="2338" actId="1076"/>
+          <ac:spMkLst>
+            <pc:docMk/>
+            <pc:sldMk cId="3840444413" sldId="2719"/>
+            <ac:spMk id="5" creationId="{FCD10A89-5E0E-5D73-1D4F-9E11D943B29C}"/>
+          </ac:spMkLst>
+        </pc:spChg>
+      </pc:sldChg>
+      <pc:sldChg chg="modSp add mod ord">
+        <pc:chgData name="Xin Luo" userId="82312ee5779919a4" providerId="LiveId" clId="{3C4A7AF4-6488-5041-B432-D36EF53163D3}" dt="2023-02-23T04:51:04.333" v="1905" actId="20577"/>
+        <pc:sldMkLst>
+          <pc:docMk/>
+          <pc:sldMk cId="972163772" sldId="2720"/>
+        </pc:sldMkLst>
+        <pc:spChg chg="mod">
+          <ac:chgData name="Xin Luo" userId="82312ee5779919a4" providerId="LiveId" clId="{3C4A7AF4-6488-5041-B432-D36EF53163D3}" dt="2023-02-23T04:51:04.333" v="1905" actId="20577"/>
+          <ac:spMkLst>
+            <pc:docMk/>
+            <pc:sldMk cId="972163772" sldId="2720"/>
+            <ac:spMk id="7" creationId="{00000000-0000-0000-0000-000000000000}"/>
+          </ac:spMkLst>
+        </pc:spChg>
+      </pc:sldChg>
+      <pc:sldChg chg="del">
+        <pc:chgData name="Xin Luo" userId="82312ee5779919a4" providerId="LiveId" clId="{3C4A7AF4-6488-5041-B432-D36EF53163D3}" dt="2023-02-22T07:32:37.778" v="309" actId="2696"/>
+        <pc:sldMkLst>
+          <pc:docMk/>
+          <pc:sldMk cId="3480831675" sldId="2720"/>
+        </pc:sldMkLst>
+      </pc:sldChg>
+      <pc:sldChg chg="del">
+        <pc:chgData name="Xin Luo" userId="82312ee5779919a4" providerId="LiveId" clId="{3C4A7AF4-6488-5041-B432-D36EF53163D3}" dt="2023-02-22T07:32:46.484" v="310" actId="2696"/>
+        <pc:sldMkLst>
+          <pc:docMk/>
+          <pc:sldMk cId="1410676903" sldId="2721"/>
+        </pc:sldMkLst>
+      </pc:sldChg>
+      <pc:sldChg chg="delSp modSp add mod ord">
+        <pc:chgData name="Xin Luo" userId="82312ee5779919a4" providerId="LiveId" clId="{3C4A7AF4-6488-5041-B432-D36EF53163D3}" dt="2023-02-23T07:12:50.196" v="2062" actId="478"/>
+        <pc:sldMkLst>
+          <pc:docMk/>
+          <pc:sldMk cId="2689695864" sldId="2721"/>
+        </pc:sldMkLst>
+        <pc:spChg chg="mod">
+          <ac:chgData name="Xin Luo" userId="82312ee5779919a4" providerId="LiveId" clId="{3C4A7AF4-6488-5041-B432-D36EF53163D3}" dt="2023-02-23T07:07:57.259" v="2017" actId="20577"/>
+          <ac:spMkLst>
+            <pc:docMk/>
+            <pc:sldMk cId="2689695864" sldId="2721"/>
+            <ac:spMk id="2" creationId="{631AADB6-C88A-D817-4683-FC087E4E240F}"/>
+          </ac:spMkLst>
+        </pc:spChg>
+        <pc:spChg chg="mod">
+          <ac:chgData name="Xin Luo" userId="82312ee5779919a4" providerId="LiveId" clId="{3C4A7AF4-6488-5041-B432-D36EF53163D3}" dt="2023-02-23T07:07:20.323" v="1987"/>
+          <ac:spMkLst>
+            <pc:docMk/>
+            <pc:sldMk cId="2689695864" sldId="2721"/>
+            <ac:spMk id="3" creationId="{00000000-0000-0000-0000-000000000000}"/>
+          </ac:spMkLst>
+        </pc:spChg>
+        <pc:spChg chg="del">
+          <ac:chgData name="Xin Luo" userId="82312ee5779919a4" providerId="LiveId" clId="{3C4A7AF4-6488-5041-B432-D36EF53163D3}" dt="2023-02-23T07:12:50.196" v="2062" actId="478"/>
+          <ac:spMkLst>
+            <pc:docMk/>
+            <pc:sldMk cId="2689695864" sldId="2721"/>
+            <ac:spMk id="4" creationId="{B31A8325-31D8-6F06-6D89-E39763C56875}"/>
+          </ac:spMkLst>
+        </pc:spChg>
+        <pc:spChg chg="mod">
+          <ac:chgData name="Xin Luo" userId="82312ee5779919a4" providerId="LiveId" clId="{3C4A7AF4-6488-5041-B432-D36EF53163D3}" dt="2023-02-23T07:09:59.951" v="2061" actId="20577"/>
+          <ac:spMkLst>
+            <pc:docMk/>
+            <pc:sldMk cId="2689695864" sldId="2721"/>
+            <ac:spMk id="17" creationId="{9E05FFCA-3371-AF5C-381D-71D984055F5A}"/>
+          </ac:spMkLst>
+        </pc:spChg>
+      </pc:sldChg>
+      <pc:sldChg chg="add del">
+        <pc:chgData name="Xin Luo" userId="82312ee5779919a4" providerId="LiveId" clId="{3C4A7AF4-6488-5041-B432-D36EF53163D3}" dt="2023-02-23T01:10:59.145" v="1497"/>
+        <pc:sldMkLst>
+          <pc:docMk/>
+          <pc:sldMk cId="2910826875" sldId="2721"/>
+        </pc:sldMkLst>
+      </pc:sldChg>
+      <pc:sldChg chg="addSp delSp modSp add mod ord">
+        <pc:chgData name="Xin Luo" userId="82312ee5779919a4" providerId="LiveId" clId="{3C4A7AF4-6488-5041-B432-D36EF53163D3}" dt="2023-02-23T07:26:03.168" v="2327" actId="20577"/>
+        <pc:sldMkLst>
+          <pc:docMk/>
+          <pc:sldMk cId="1209572041" sldId="2722"/>
+        </pc:sldMkLst>
+        <pc:spChg chg="del mod">
+          <ac:chgData name="Xin Luo" userId="82312ee5779919a4" providerId="LiveId" clId="{3C4A7AF4-6488-5041-B432-D36EF53163D3}" dt="2023-02-23T07:25:48.882" v="2315" actId="478"/>
+          <ac:spMkLst>
+            <pc:docMk/>
+            <pc:sldMk cId="1209572041" sldId="2722"/>
+            <ac:spMk id="2" creationId="{631AADB6-C88A-D817-4683-FC087E4E240F}"/>
+          </ac:spMkLst>
+        </pc:spChg>
+        <pc:spChg chg="mod">
+          <ac:chgData name="Xin Luo" userId="82312ee5779919a4" providerId="LiveId" clId="{3C4A7AF4-6488-5041-B432-D36EF53163D3}" dt="2023-02-23T07:26:03.168" v="2327" actId="20577"/>
+          <ac:spMkLst>
+            <pc:docMk/>
+            <pc:sldMk cId="1209572041" sldId="2722"/>
+            <ac:spMk id="3" creationId="{00000000-0000-0000-0000-000000000000}"/>
+          </ac:spMkLst>
+        </pc:spChg>
+        <pc:spChg chg="add del mod">
+          <ac:chgData name="Xin Luo" userId="82312ee5779919a4" providerId="LiveId" clId="{3C4A7AF4-6488-5041-B432-D36EF53163D3}" dt="2023-02-23T07:25:42.840" v="2313" actId="478"/>
+          <ac:spMkLst>
+            <pc:docMk/>
+            <pc:sldMk cId="1209572041" sldId="2722"/>
+            <ac:spMk id="4" creationId="{1142D573-39B3-7F92-D797-85454C098638}"/>
+          </ac:spMkLst>
+        </pc:spChg>
+        <pc:spChg chg="add del mod">
+          <ac:chgData name="Xin Luo" userId="82312ee5779919a4" providerId="LiveId" clId="{3C4A7AF4-6488-5041-B432-D36EF53163D3}" dt="2023-02-23T07:25:42.840" v="2313" actId="478"/>
+          <ac:spMkLst>
+            <pc:docMk/>
+            <pc:sldMk cId="1209572041" sldId="2722"/>
+            <ac:spMk id="5" creationId="{A5864BEB-996C-F0AF-3A0B-26BB46B4EE87}"/>
+          </ac:spMkLst>
+        </pc:spChg>
+        <pc:spChg chg="add del mod">
+          <ac:chgData name="Xin Luo" userId="82312ee5779919a4" providerId="LiveId" clId="{3C4A7AF4-6488-5041-B432-D36EF53163D3}" dt="2023-02-23T07:25:48.882" v="2315" actId="478"/>
+          <ac:spMkLst>
+            <pc:docMk/>
+            <pc:sldMk cId="1209572041" sldId="2722"/>
+            <ac:spMk id="6" creationId="{D5048D8D-770E-37C2-8271-C710C5C8E2D0}"/>
+          </ac:spMkLst>
+        </pc:spChg>
+        <pc:spChg chg="add del mod">
+          <ac:chgData name="Xin Luo" userId="82312ee5779919a4" providerId="LiveId" clId="{3C4A7AF4-6488-5041-B432-D36EF53163D3}" dt="2023-02-23T07:25:48.882" v="2315" actId="478"/>
+          <ac:spMkLst>
+            <pc:docMk/>
+            <pc:sldMk cId="1209572041" sldId="2722"/>
+            <ac:spMk id="8" creationId="{196BD59A-0CC5-48B3-F0DD-26A59FE6A391}"/>
+          </ac:spMkLst>
+        </pc:spChg>
+        <pc:spChg chg="add del mod">
+          <ac:chgData name="Xin Luo" userId="82312ee5779919a4" providerId="LiveId" clId="{3C4A7AF4-6488-5041-B432-D36EF53163D3}" dt="2023-02-23T07:25:48.882" v="2315" actId="478"/>
+          <ac:spMkLst>
+            <pc:docMk/>
+            <pc:sldMk cId="1209572041" sldId="2722"/>
+            <ac:spMk id="9" creationId="{C753F62A-4457-3186-8C22-1660EC8CABE8}"/>
+          </ac:spMkLst>
+        </pc:spChg>
+        <pc:spChg chg="add mod">
+          <ac:chgData name="Xin Luo" userId="82312ee5779919a4" providerId="LiveId" clId="{3C4A7AF4-6488-5041-B432-D36EF53163D3}" dt="2023-02-23T07:25:49.454" v="2316"/>
+          <ac:spMkLst>
+            <pc:docMk/>
+            <pc:sldMk cId="1209572041" sldId="2722"/>
+            <ac:spMk id="11" creationId="{53A7E693-8098-76C4-CD5D-47166ABEB164}"/>
+          </ac:spMkLst>
+        </pc:spChg>
+        <pc:spChg chg="add mod">
+          <ac:chgData name="Xin Luo" userId="82312ee5779919a4" providerId="LiveId" clId="{3C4A7AF4-6488-5041-B432-D36EF53163D3}" dt="2023-02-23T07:25:49.454" v="2316"/>
+          <ac:spMkLst>
+            <pc:docMk/>
+            <pc:sldMk cId="1209572041" sldId="2722"/>
+            <ac:spMk id="13" creationId="{303BC878-BC57-D350-27A3-F03AE48213AC}"/>
+          </ac:spMkLst>
+        </pc:spChg>
+        <pc:spChg chg="add mod">
+          <ac:chgData name="Xin Luo" userId="82312ee5779919a4" providerId="LiveId" clId="{3C4A7AF4-6488-5041-B432-D36EF53163D3}" dt="2023-02-23T07:25:49.454" v="2316"/>
+          <ac:spMkLst>
+            <pc:docMk/>
+            <pc:sldMk cId="1209572041" sldId="2722"/>
+            <ac:spMk id="14" creationId="{0DADB612-499B-577C-8C56-FA81A4204DD1}"/>
+          </ac:spMkLst>
+        </pc:spChg>
+        <pc:spChg chg="del">
+          <ac:chgData name="Xin Luo" userId="82312ee5779919a4" providerId="LiveId" clId="{3C4A7AF4-6488-5041-B432-D36EF53163D3}" dt="2023-02-23T01:32:29.566" v="1590" actId="478"/>
+          <ac:spMkLst>
+            <pc:docMk/>
+            <pc:sldMk cId="1209572041" sldId="2722"/>
+            <ac:spMk id="15" creationId="{8F7436BD-0CD5-04DA-2B44-925CE86CF70D}"/>
+          </ac:spMkLst>
+        </pc:spChg>
+        <pc:spChg chg="del">
+          <ac:chgData name="Xin Luo" userId="82312ee5779919a4" providerId="LiveId" clId="{3C4A7AF4-6488-5041-B432-D36EF53163D3}" dt="2023-02-23T01:32:29.566" v="1590" actId="478"/>
+          <ac:spMkLst>
+            <pc:docMk/>
+            <pc:sldMk cId="1209572041" sldId="2722"/>
+            <ac:spMk id="16" creationId="{5E1E7D79-A815-9A32-ABAB-129BFCE643F1}"/>
+          </ac:spMkLst>
+        </pc:spChg>
+        <pc:spChg chg="del">
+          <ac:chgData name="Xin Luo" userId="82312ee5779919a4" providerId="LiveId" clId="{3C4A7AF4-6488-5041-B432-D36EF53163D3}" dt="2023-02-23T01:32:26.511" v="1589" actId="478"/>
+          <ac:spMkLst>
+            <pc:docMk/>
+            <pc:sldMk cId="1209572041" sldId="2722"/>
+            <ac:spMk id="17" creationId="{9E05FFCA-3371-AF5C-381D-71D984055F5A}"/>
+          </ac:spMkLst>
+        </pc:spChg>
+        <pc:picChg chg="del">
+          <ac:chgData name="Xin Luo" userId="82312ee5779919a4" providerId="LiveId" clId="{3C4A7AF4-6488-5041-B432-D36EF53163D3}" dt="2023-02-23T01:32:29.566" v="1590" actId="478"/>
+          <ac:picMkLst>
+            <pc:docMk/>
+            <pc:sldMk cId="1209572041" sldId="2722"/>
+            <ac:picMk id="7" creationId="{C7993E05-4ADB-9D0C-E633-5749F445E479}"/>
+          </ac:picMkLst>
+        </pc:picChg>
+        <pc:picChg chg="del">
+          <ac:chgData name="Xin Luo" userId="82312ee5779919a4" providerId="LiveId" clId="{3C4A7AF4-6488-5041-B432-D36EF53163D3}" dt="2023-02-23T01:32:29.566" v="1590" actId="478"/>
+          <ac:picMkLst>
+            <pc:docMk/>
+            <pc:sldMk cId="1209572041" sldId="2722"/>
+            <ac:picMk id="10" creationId="{26D555B6-DE11-BF17-8D9F-B5F93A876835}"/>
+          </ac:picMkLst>
+        </pc:picChg>
+        <pc:picChg chg="del">
+          <ac:chgData name="Xin Luo" userId="82312ee5779919a4" providerId="LiveId" clId="{3C4A7AF4-6488-5041-B432-D36EF53163D3}" dt="2023-02-23T01:32:29.566" v="1590" actId="478"/>
+          <ac:picMkLst>
+            <pc:docMk/>
+            <pc:sldMk cId="1209572041" sldId="2722"/>
+            <ac:picMk id="1028" creationId="{9FA49340-63F1-4959-1786-FD893DE76CE9}"/>
+          </ac:picMkLst>
+        </pc:picChg>
+        <pc:picChg chg="del">
+          <ac:chgData name="Xin Luo" userId="82312ee5779919a4" providerId="LiveId" clId="{3C4A7AF4-6488-5041-B432-D36EF53163D3}" dt="2023-02-23T01:32:29.566" v="1590" actId="478"/>
+          <ac:picMkLst>
+            <pc:docMk/>
+            <pc:sldMk cId="1209572041" sldId="2722"/>
+            <ac:picMk id="1030" creationId="{35CDAC06-D9CF-2AC8-535E-A1B01EC14218}"/>
+          </ac:picMkLst>
+        </pc:picChg>
+        <pc:picChg chg="del">
+          <ac:chgData name="Xin Luo" userId="82312ee5779919a4" providerId="LiveId" clId="{3C4A7AF4-6488-5041-B432-D36EF53163D3}" dt="2023-02-23T01:32:29.566" v="1590" actId="478"/>
+          <ac:picMkLst>
+            <pc:docMk/>
+            <pc:sldMk cId="1209572041" sldId="2722"/>
+            <ac:picMk id="1032" creationId="{AFE202E8-A338-4627-93EE-5AD65BEE9525}"/>
+          </ac:picMkLst>
+        </pc:picChg>
+        <pc:picChg chg="del">
+          <ac:chgData name="Xin Luo" userId="82312ee5779919a4" providerId="LiveId" clId="{3C4A7AF4-6488-5041-B432-D36EF53163D3}" dt="2023-02-23T01:32:29.566" v="1590" actId="478"/>
+          <ac:picMkLst>
+            <pc:docMk/>
+            <pc:sldMk cId="1209572041" sldId="2722"/>
+            <ac:picMk id="1034" creationId="{D5CBEF68-23C0-8F4A-FA5F-CB6BCAE76176}"/>
+          </ac:picMkLst>
+        </pc:picChg>
+        <pc:picChg chg="del">
+          <ac:chgData name="Xin Luo" userId="82312ee5779919a4" providerId="LiveId" clId="{3C4A7AF4-6488-5041-B432-D36EF53163D3}" dt="2023-02-23T01:32:29.566" v="1590" actId="478"/>
+          <ac:picMkLst>
+            <pc:docMk/>
+            <pc:sldMk cId="1209572041" sldId="2722"/>
+            <ac:picMk id="1036" creationId="{5E2738F1-9461-1F5B-3007-2AA2AD20C330}"/>
+          </ac:picMkLst>
+        </pc:picChg>
+        <pc:cxnChg chg="del">
+          <ac:chgData name="Xin Luo" userId="82312ee5779919a4" providerId="LiveId" clId="{3C4A7AF4-6488-5041-B432-D36EF53163D3}" dt="2023-02-23T01:32:29.566" v="1590" actId="478"/>
+          <ac:cxnSpMkLst>
+            <pc:docMk/>
+            <pc:sldMk cId="1209572041" sldId="2722"/>
+            <ac:cxnSpMk id="12" creationId="{78FA799A-1F2C-F1DA-9F71-B1B8AFBC5758}"/>
+          </ac:cxnSpMkLst>
+        </pc:cxnChg>
+      </pc:sldChg>
+      <pc:sldChg chg="add del">
+        <pc:chgData name="Xin Luo" userId="82312ee5779919a4" providerId="LiveId" clId="{3C4A7AF4-6488-5041-B432-D36EF53163D3}" dt="2023-02-23T01:15:26.280" v="1535"/>
+        <pc:sldMkLst>
+          <pc:docMk/>
+          <pc:sldMk cId="1287359691" sldId="2722"/>
+        </pc:sldMkLst>
+      </pc:sldChg>
+      <pc:sldChg chg="add del">
+        <pc:chgData name="Xin Luo" userId="82312ee5779919a4" providerId="LiveId" clId="{3C4A7AF4-6488-5041-B432-D36EF53163D3}" dt="2023-02-23T04:49:30.686" v="1883" actId="2696"/>
+        <pc:sldMkLst>
+          <pc:docMk/>
+          <pc:sldMk cId="510300836" sldId="2723"/>
+        </pc:sldMkLst>
+      </pc:sldChg>
+      <pc:sldChg chg="addSp delSp modSp add del mod">
+        <pc:chgData name="Xin Luo" userId="82312ee5779919a4" providerId="LiveId" clId="{3C4A7AF4-6488-5041-B432-D36EF53163D3}" dt="2023-02-23T07:26:33.576" v="2330" actId="2696"/>
+        <pc:sldMkLst>
+          <pc:docMk/>
+          <pc:sldMk cId="2794277739" sldId="2723"/>
+        </pc:sldMkLst>
+        <pc:spChg chg="mod">
+          <ac:chgData name="Xin Luo" userId="82312ee5779919a4" providerId="LiveId" clId="{3C4A7AF4-6488-5041-B432-D36EF53163D3}" dt="2023-02-23T07:06:24.407" v="1980" actId="20577"/>
+          <ac:spMkLst>
+            <pc:docMk/>
+            <pc:sldMk cId="2794277739" sldId="2723"/>
+            <ac:spMk id="2" creationId="{631AADB6-C88A-D817-4683-FC087E4E240F}"/>
+          </ac:spMkLst>
+        </pc:spChg>
+        <pc:spChg chg="add mod">
+          <ac:chgData name="Xin Luo" userId="82312ee5779919a4" providerId="LiveId" clId="{3C4A7AF4-6488-5041-B432-D36EF53163D3}" dt="2023-02-23T07:19:15.938" v="2297" actId="1076"/>
+          <ac:spMkLst>
+            <pc:docMk/>
+            <pc:sldMk cId="2794277739" sldId="2723"/>
+            <ac:spMk id="4" creationId="{7D2A1925-7BBA-27BB-70E3-C015303A4605}"/>
+          </ac:spMkLst>
+        </pc:spChg>
+        <pc:spChg chg="mod">
+          <ac:chgData name="Xin Luo" userId="82312ee5779919a4" providerId="LiveId" clId="{3C4A7AF4-6488-5041-B432-D36EF53163D3}" dt="2023-02-23T07:19:11.984" v="2296" actId="1035"/>
+          <ac:spMkLst>
+            <pc:docMk/>
+            <pc:sldMk cId="2794277739" sldId="2723"/>
+            <ac:spMk id="5" creationId="{FCD10A89-5E0E-5D73-1D4F-9E11D943B29C}"/>
+          </ac:spMkLst>
+        </pc:spChg>
+        <pc:spChg chg="add del mod">
+          <ac:chgData name="Xin Luo" userId="82312ee5779919a4" providerId="LiveId" clId="{3C4A7AF4-6488-5041-B432-D36EF53163D3}" dt="2023-02-23T07:18:49.470" v="2269" actId="478"/>
+          <ac:spMkLst>
+            <pc:docMk/>
+            <pc:sldMk cId="2794277739" sldId="2723"/>
+            <ac:spMk id="6" creationId="{0CFC768D-C6B8-7C78-18C8-88120E1BA164}"/>
+          </ac:spMkLst>
+        </pc:spChg>
+      </pc:sldChg>
+      <pc:sldChg chg="addSp delSp new del mod">
+        <pc:chgData name="Xin Luo" userId="82312ee5779919a4" providerId="LiveId" clId="{3C4A7AF4-6488-5041-B432-D36EF53163D3}" dt="2023-02-23T07:57:59.493" v="2582" actId="2696"/>
+        <pc:sldMkLst>
+          <pc:docMk/>
+          <pc:sldMk cId="2812212654" sldId="2723"/>
+        </pc:sldMkLst>
+        <pc:spChg chg="add del">
+          <ac:chgData name="Xin Luo" userId="82312ee5779919a4" providerId="LiveId" clId="{3C4A7AF4-6488-5041-B432-D36EF53163D3}" dt="2023-02-23T07:57:53.654" v="2580" actId="478"/>
+          <ac:spMkLst>
+            <pc:docMk/>
+            <pc:sldMk cId="2812212654" sldId="2723"/>
+            <ac:spMk id="5" creationId="{32DB6C91-4B3F-C593-6DD6-5D44AE8A16A1}"/>
+          </ac:spMkLst>
+        </pc:spChg>
+      </pc:sldChg>
+      <pc:sldChg chg="delSp modSp add del mod">
+        <pc:chgData name="Xin Luo" userId="82312ee5779919a4" providerId="LiveId" clId="{3C4A7AF4-6488-5041-B432-D36EF53163D3}" dt="2023-02-23T07:58:40.953" v="2629" actId="2696"/>
+        <pc:sldMkLst>
+          <pc:docMk/>
+          <pc:sldMk cId="1937332499" sldId="2724"/>
+        </pc:sldMkLst>
+        <pc:spChg chg="del">
+          <ac:chgData name="Xin Luo" userId="82312ee5779919a4" providerId="LiveId" clId="{3C4A7AF4-6488-5041-B432-D36EF53163D3}" dt="2023-02-23T07:58:08.084" v="2584" actId="478"/>
+          <ac:spMkLst>
+            <pc:docMk/>
+            <pc:sldMk cId="1937332499" sldId="2724"/>
+            <ac:spMk id="2" creationId="{631AADB6-C88A-D817-4683-FC087E4E240F}"/>
+          </ac:spMkLst>
+        </pc:spChg>
+        <pc:spChg chg="mod">
+          <ac:chgData name="Xin Luo" userId="82312ee5779919a4" providerId="LiveId" clId="{3C4A7AF4-6488-5041-B432-D36EF53163D3}" dt="2023-02-23T07:58:04.716" v="2583" actId="20577"/>
+          <ac:spMkLst>
+            <pc:docMk/>
+            <pc:sldMk cId="1937332499" sldId="2724"/>
+            <ac:spMk id="5" creationId="{9F4AEA98-0C33-E82A-EB75-839D0F0B55A4}"/>
+          </ac:spMkLst>
+        </pc:spChg>
+      </pc:sldChg>
+      <pc:sldChg chg="addSp delSp modSp add mod">
+        <pc:chgData name="Xin Luo" userId="82312ee5779919a4" providerId="LiveId" clId="{3C4A7AF4-6488-5041-B432-D36EF53163D3}" dt="2023-02-23T14:01:10.568" v="6309" actId="403"/>
+        <pc:sldMkLst>
+          <pc:docMk/>
+          <pc:sldMk cId="353940032" sldId="2725"/>
+        </pc:sldMkLst>
+        <pc:spChg chg="del">
+          <ac:chgData name="Xin Luo" userId="82312ee5779919a4" providerId="LiveId" clId="{3C4A7AF4-6488-5041-B432-D36EF53163D3}" dt="2023-02-23T07:58:44.285" v="2630" actId="478"/>
+          <ac:spMkLst>
+            <pc:docMk/>
+            <pc:sldMk cId="353940032" sldId="2725"/>
+            <ac:spMk id="5" creationId="{9F4AEA98-0C33-E82A-EB75-839D0F0B55A4}"/>
+          </ac:spMkLst>
+        </pc:spChg>
+        <pc:spChg chg="add del mod">
+          <ac:chgData name="Xin Luo" userId="82312ee5779919a4" providerId="LiveId" clId="{3C4A7AF4-6488-5041-B432-D36EF53163D3}" dt="2023-02-23T08:03:26.952" v="2830" actId="478"/>
+          <ac:spMkLst>
+            <pc:docMk/>
+            <pc:sldMk cId="353940032" sldId="2725"/>
+            <ac:spMk id="8" creationId="{B4BD9B36-DD0F-C605-CD8A-4496EF1E69FB}"/>
+          </ac:spMkLst>
+        </pc:spChg>
+        <pc:spChg chg="add del mod">
+          <ac:chgData name="Xin Luo" userId="82312ee5779919a4" providerId="LiveId" clId="{3C4A7AF4-6488-5041-B432-D36EF53163D3}" dt="2023-02-23T08:17:02.315" v="2960" actId="478"/>
+          <ac:spMkLst>
+            <pc:docMk/>
+            <pc:sldMk cId="353940032" sldId="2725"/>
+            <ac:spMk id="9" creationId="{C5D5B32B-C0A4-3998-E51B-D49719750C93}"/>
+          </ac:spMkLst>
+        </pc:spChg>
+        <pc:spChg chg="add del">
+          <ac:chgData name="Xin Luo" userId="82312ee5779919a4" providerId="LiveId" clId="{3C4A7AF4-6488-5041-B432-D36EF53163D3}" dt="2023-02-23T08:13:11.506" v="2838" actId="22"/>
+          <ac:spMkLst>
+            <pc:docMk/>
+            <pc:sldMk cId="353940032" sldId="2725"/>
+            <ac:spMk id="11" creationId="{394DCEF2-1A72-55F4-C8F5-0A6F901EB8C5}"/>
+          </ac:spMkLst>
+        </pc:spChg>
+        <pc:spChg chg="add del mod">
+          <ac:chgData name="Xin Luo" userId="82312ee5779919a4" providerId="LiveId" clId="{3C4A7AF4-6488-5041-B432-D36EF53163D3}" dt="2023-02-23T08:13:58.411" v="2853" actId="478"/>
+          <ac:spMkLst>
+            <pc:docMk/>
+            <pc:sldMk cId="353940032" sldId="2725"/>
+            <ac:spMk id="14" creationId="{CB13D4B6-397A-405A-F3FA-3AB8A074904A}"/>
+          </ac:spMkLst>
+        </pc:spChg>
+        <pc:spChg chg="add mod">
+          <ac:chgData name="Xin Luo" userId="82312ee5779919a4" providerId="LiveId" clId="{3C4A7AF4-6488-5041-B432-D36EF53163D3}" dt="2023-02-23T14:01:07.716" v="6308" actId="1037"/>
+          <ac:spMkLst>
+            <pc:docMk/>
+            <pc:sldMk cId="353940032" sldId="2725"/>
+            <ac:spMk id="18" creationId="{EA1F849C-A369-B918-F9E4-7A2F143D4F50}"/>
+          </ac:spMkLst>
+        </pc:spChg>
+        <pc:spChg chg="add mod">
+          <ac:chgData name="Xin Luo" userId="82312ee5779919a4" providerId="LiveId" clId="{3C4A7AF4-6488-5041-B432-D36EF53163D3}" dt="2023-02-23T14:01:07.716" v="6308" actId="1037"/>
+          <ac:spMkLst>
+            <pc:docMk/>
+            <pc:sldMk cId="353940032" sldId="2725"/>
+            <ac:spMk id="23" creationId="{86451A61-9A98-4F6C-FD33-95BBB6A82E9B}"/>
+          </ac:spMkLst>
+        </pc:spChg>
+        <pc:spChg chg="add mod">
+          <ac:chgData name="Xin Luo" userId="82312ee5779919a4" providerId="LiveId" clId="{3C4A7AF4-6488-5041-B432-D36EF53163D3}" dt="2023-02-23T14:01:07.716" v="6308" actId="1037"/>
+          <ac:spMkLst>
+            <pc:docMk/>
+            <pc:sldMk cId="353940032" sldId="2725"/>
+            <ac:spMk id="27" creationId="{B5505DF4-B06F-0E86-A93E-D8AA97280A97}"/>
+          </ac:spMkLst>
+        </pc:spChg>
+        <pc:spChg chg="add mod">
+          <ac:chgData name="Xin Luo" userId="82312ee5779919a4" providerId="LiveId" clId="{3C4A7AF4-6488-5041-B432-D36EF53163D3}" dt="2023-02-23T14:01:07.716" v="6308" actId="1037"/>
+          <ac:spMkLst>
+            <pc:docMk/>
+            <pc:sldMk cId="353940032" sldId="2725"/>
+            <ac:spMk id="32" creationId="{4C666A96-1F83-4E49-2237-FBD1F6223EE5}"/>
+          </ac:spMkLst>
+        </pc:spChg>
+        <pc:spChg chg="add del mod">
+          <ac:chgData name="Xin Luo" userId="82312ee5779919a4" providerId="LiveId" clId="{3C4A7AF4-6488-5041-B432-D36EF53163D3}" dt="2023-02-23T08:17:34.201" v="2978" actId="478"/>
+          <ac:spMkLst>
+            <pc:docMk/>
+            <pc:sldMk cId="353940032" sldId="2725"/>
+            <ac:spMk id="33" creationId="{58A165C7-14DF-84A3-969A-9CD45F1DCE16}"/>
+          </ac:spMkLst>
+        </pc:spChg>
+        <pc:spChg chg="add mod">
+          <ac:chgData name="Xin Luo" userId="82312ee5779919a4" providerId="LiveId" clId="{3C4A7AF4-6488-5041-B432-D36EF53163D3}" dt="2023-02-23T14:01:07.716" v="6308" actId="1037"/>
+          <ac:spMkLst>
+            <pc:docMk/>
+            <pc:sldMk cId="353940032" sldId="2725"/>
+            <ac:spMk id="36" creationId="{61265673-F240-13EE-D023-1E17A69A2015}"/>
+          </ac:spMkLst>
+        </pc:spChg>
+        <pc:spChg chg="add mod">
+          <ac:chgData name="Xin Luo" userId="82312ee5779919a4" providerId="LiveId" clId="{3C4A7AF4-6488-5041-B432-D36EF53163D3}" dt="2023-02-23T14:01:07.716" v="6308" actId="1037"/>
+          <ac:spMkLst>
+            <pc:docMk/>
+            <pc:sldMk cId="353940032" sldId="2725"/>
+            <ac:spMk id="41" creationId="{4AEBC326-1609-596B-8537-39F116527A31}"/>
+          </ac:spMkLst>
+        </pc:spChg>
+        <pc:spChg chg="add mod">
+          <ac:chgData name="Xin Luo" userId="82312ee5779919a4" providerId="LiveId" clId="{3C4A7AF4-6488-5041-B432-D36EF53163D3}" dt="2023-02-23T14:01:10.568" v="6309" actId="403"/>
+          <ac:spMkLst>
+            <pc:docMk/>
+            <pc:sldMk cId="353940032" sldId="2725"/>
+            <ac:spMk id="52" creationId="{BDCBD33D-9B4F-EBEE-30C8-194823DDF5C4}"/>
+          </ac:spMkLst>
+        </pc:spChg>
+        <pc:picChg chg="add del mod">
+          <ac:chgData name="Xin Luo" userId="82312ee5779919a4" providerId="LiveId" clId="{3C4A7AF4-6488-5041-B432-D36EF53163D3}" dt="2023-02-23T07:59:45.150" v="2636" actId="478"/>
+          <ac:picMkLst>
+            <pc:docMk/>
+            <pc:sldMk cId="353940032" sldId="2725"/>
+            <ac:picMk id="6" creationId="{ABF2538E-3931-684C-5309-B671AB9AA143}"/>
+          </ac:picMkLst>
+        </pc:picChg>
+        <pc:picChg chg="add mod">
+          <ac:chgData name="Xin Luo" userId="82312ee5779919a4" providerId="LiveId" clId="{3C4A7AF4-6488-5041-B432-D36EF53163D3}" dt="2023-02-23T14:01:07.716" v="6308" actId="1037"/>
+          <ac:picMkLst>
+            <pc:docMk/>
+            <pc:sldMk cId="353940032" sldId="2725"/>
+            <ac:picMk id="13" creationId="{8C9C030C-3B7C-019D-DCD0-031FFB65880B}"/>
+          </ac:picMkLst>
+        </pc:picChg>
+        <pc:picChg chg="add del mod">
+          <ac:chgData name="Xin Luo" userId="82312ee5779919a4" providerId="LiveId" clId="{3C4A7AF4-6488-5041-B432-D36EF53163D3}" dt="2023-02-23T08:14:05.156" v="2855"/>
+          <ac:picMkLst>
+            <pc:docMk/>
+            <pc:sldMk cId="353940032" sldId="2725"/>
+            <ac:picMk id="16" creationId="{77387614-61CB-0F04-BCF9-79224E134DDE}"/>
+          </ac:picMkLst>
+        </pc:picChg>
+        <pc:picChg chg="add del mod">
+          <ac:chgData name="Xin Luo" userId="82312ee5779919a4" providerId="LiveId" clId="{3C4A7AF4-6488-5041-B432-D36EF53163D3}" dt="2023-02-23T08:13:09.198" v="2836" actId="478"/>
+          <ac:picMkLst>
+            <pc:docMk/>
+            <pc:sldMk cId="353940032" sldId="2725"/>
+            <ac:picMk id="7170" creationId="{597AA3CD-2B11-EA12-7C93-7AEDDD1C97EB}"/>
+          </ac:picMkLst>
+        </pc:picChg>
+        <pc:cxnChg chg="add mod">
+          <ac:chgData name="Xin Luo" userId="82312ee5779919a4" providerId="LiveId" clId="{3C4A7AF4-6488-5041-B432-D36EF53163D3}" dt="2023-02-23T14:01:07.716" v="6308" actId="1037"/>
+          <ac:cxnSpMkLst>
+            <pc:docMk/>
+            <pc:sldMk cId="353940032" sldId="2725"/>
+            <ac:cxnSpMk id="20" creationId="{F2DADA90-0297-320A-7A9B-7BCB73C8D266}"/>
+          </ac:cxnSpMkLst>
+        </pc:cxnChg>
+        <pc:cxnChg chg="add mod">
+          <ac:chgData name="Xin Luo" userId="82312ee5779919a4" providerId="LiveId" clId="{3C4A7AF4-6488-5041-B432-D36EF53163D3}" dt="2023-02-23T14:01:07.716" v="6308" actId="1037"/>
+          <ac:cxnSpMkLst>
+            <pc:docMk/>
+            <pc:sldMk cId="353940032" sldId="2725"/>
+            <ac:cxnSpMk id="24" creationId="{82FB81A3-8873-C2B6-3A89-83770CDB4D12}"/>
+          </ac:cxnSpMkLst>
+        </pc:cxnChg>
+        <pc:cxnChg chg="add mod">
+          <ac:chgData name="Xin Luo" userId="82312ee5779919a4" providerId="LiveId" clId="{3C4A7AF4-6488-5041-B432-D36EF53163D3}" dt="2023-02-23T14:01:07.716" v="6308" actId="1037"/>
+          <ac:cxnSpMkLst>
+            <pc:docMk/>
+            <pc:sldMk cId="353940032" sldId="2725"/>
+            <ac:cxnSpMk id="28" creationId="{69368A4A-1E30-C7FF-93A8-823E0BFFDDAF}"/>
+          </ac:cxnSpMkLst>
+        </pc:cxnChg>
+        <pc:cxnChg chg="add del mod">
+          <ac:chgData name="Xin Luo" userId="82312ee5779919a4" providerId="LiveId" clId="{3C4A7AF4-6488-5041-B432-D36EF53163D3}" dt="2023-02-23T08:16:31.548" v="2938" actId="478"/>
+          <ac:cxnSpMkLst>
+            <pc:docMk/>
+            <pc:sldMk cId="353940032" sldId="2725"/>
+            <ac:cxnSpMk id="34" creationId="{BE0EC96C-0881-8776-2467-19FDCB952D04}"/>
+          </ac:cxnSpMkLst>
+        </pc:cxnChg>
+        <pc:cxnChg chg="add mod">
+          <ac:chgData name="Xin Luo" userId="82312ee5779919a4" providerId="LiveId" clId="{3C4A7AF4-6488-5041-B432-D36EF53163D3}" dt="2023-02-23T14:01:07.716" v="6308" actId="1037"/>
+          <ac:cxnSpMkLst>
+            <pc:docMk/>
+            <pc:sldMk cId="353940032" sldId="2725"/>
+            <ac:cxnSpMk id="37" creationId="{ED1D5863-9CEA-F4CB-B242-8166548C4786}"/>
+          </ac:cxnSpMkLst>
+        </pc:cxnChg>
+        <pc:cxnChg chg="add mod">
+          <ac:chgData name="Xin Luo" userId="82312ee5779919a4" providerId="LiveId" clId="{3C4A7AF4-6488-5041-B432-D36EF53163D3}" dt="2023-02-23T14:01:07.716" v="6308" actId="1037"/>
+          <ac:cxnSpMkLst>
+            <pc:docMk/>
+            <pc:sldMk cId="353940032" sldId="2725"/>
+            <ac:cxnSpMk id="43" creationId="{C3F4E5FF-54E3-E9AA-5351-C586D6201A32}"/>
+          </ac:cxnSpMkLst>
+        </pc:cxnChg>
+      </pc:sldChg>
+      <pc:sldChg chg="addSp delSp modSp add mod">
+        <pc:chgData name="Xin Luo" userId="82312ee5779919a4" providerId="LiveId" clId="{3C4A7AF4-6488-5041-B432-D36EF53163D3}" dt="2023-02-23T08:31:04.830" v="3778" actId="113"/>
+        <pc:sldMkLst>
+          <pc:docMk/>
+          <pc:sldMk cId="45083394" sldId="2726"/>
+        </pc:sldMkLst>
+        <pc:spChg chg="mod">
+          <ac:chgData name="Xin Luo" userId="82312ee5779919a4" providerId="LiveId" clId="{3C4A7AF4-6488-5041-B432-D36EF53163D3}" dt="2023-02-23T08:22:15.262" v="3115" actId="20577"/>
+          <ac:spMkLst>
+            <pc:docMk/>
+            <pc:sldMk cId="45083394" sldId="2726"/>
+            <ac:spMk id="2" creationId="{631AADB6-C88A-D817-4683-FC087E4E240F}"/>
+          </ac:spMkLst>
+        </pc:spChg>
+        <pc:spChg chg="add mod">
+          <ac:chgData name="Xin Luo" userId="82312ee5779919a4" providerId="LiveId" clId="{3C4A7AF4-6488-5041-B432-D36EF53163D3}" dt="2023-02-23T08:28:50.576" v="3636" actId="21"/>
+          <ac:spMkLst>
+            <pc:docMk/>
+            <pc:sldMk cId="45083394" sldId="2726"/>
+            <ac:spMk id="4" creationId="{D9BBA39C-AB76-6753-5B9C-0A4D018B0DED}"/>
+          </ac:spMkLst>
+        </pc:spChg>
+        <pc:spChg chg="add mod">
+          <ac:chgData name="Xin Luo" userId="82312ee5779919a4" providerId="LiveId" clId="{3C4A7AF4-6488-5041-B432-D36EF53163D3}" dt="2023-02-23T08:29:47.843" v="3720" actId="20577"/>
+          <ac:spMkLst>
+            <pc:docMk/>
+            <pc:sldMk cId="45083394" sldId="2726"/>
+            <ac:spMk id="8" creationId="{D11D64FF-DB4E-870B-A0A7-C88F2B6D8D18}"/>
+          </ac:spMkLst>
+        </pc:spChg>
+        <pc:spChg chg="add mod">
+          <ac:chgData name="Xin Luo" userId="82312ee5779919a4" providerId="LiveId" clId="{3C4A7AF4-6488-5041-B432-D36EF53163D3}" dt="2023-02-23T08:31:04.830" v="3778" actId="113"/>
+          <ac:spMkLst>
+            <pc:docMk/>
+            <pc:sldMk cId="45083394" sldId="2726"/>
+            <ac:spMk id="9" creationId="{43B7FFBD-DD4A-E963-5F79-321CB599D69F}"/>
+          </ac:spMkLst>
+        </pc:spChg>
+        <pc:spChg chg="add mod">
+          <ac:chgData name="Xin Luo" userId="82312ee5779919a4" providerId="LiveId" clId="{3C4A7AF4-6488-5041-B432-D36EF53163D3}" dt="2023-02-23T08:31:04.830" v="3778" actId="113"/>
+          <ac:spMkLst>
+            <pc:docMk/>
+            <pc:sldMk cId="45083394" sldId="2726"/>
+            <ac:spMk id="10" creationId="{169CC821-AC60-1C05-1AAB-8774F66B13FE}"/>
+          </ac:spMkLst>
+        </pc:spChg>
+        <pc:spChg chg="del">
+          <ac:chgData name="Xin Luo" userId="82312ee5779919a4" providerId="LiveId" clId="{3C4A7AF4-6488-5041-B432-D36EF53163D3}" dt="2023-02-23T08:20:54.394" v="3035" actId="478"/>
+          <ac:spMkLst>
+            <pc:docMk/>
+            <pc:sldMk cId="45083394" sldId="2726"/>
+            <ac:spMk id="18" creationId="{EA1F849C-A369-B918-F9E4-7A2F143D4F50}"/>
+          </ac:spMkLst>
+        </pc:spChg>
+        <pc:spChg chg="del">
+          <ac:chgData name="Xin Luo" userId="82312ee5779919a4" providerId="LiveId" clId="{3C4A7AF4-6488-5041-B432-D36EF53163D3}" dt="2023-02-23T08:20:54.394" v="3035" actId="478"/>
+          <ac:spMkLst>
+            <pc:docMk/>
+            <pc:sldMk cId="45083394" sldId="2726"/>
+            <ac:spMk id="23" creationId="{86451A61-9A98-4F6C-FD33-95BBB6A82E9B}"/>
+          </ac:spMkLst>
+        </pc:spChg>
+        <pc:spChg chg="del">
+          <ac:chgData name="Xin Luo" userId="82312ee5779919a4" providerId="LiveId" clId="{3C4A7AF4-6488-5041-B432-D36EF53163D3}" dt="2023-02-23T08:20:54.394" v="3035" actId="478"/>
+          <ac:spMkLst>
+            <pc:docMk/>
+            <pc:sldMk cId="45083394" sldId="2726"/>
+            <ac:spMk id="27" creationId="{B5505DF4-B06F-0E86-A93E-D8AA97280A97}"/>
+          </ac:spMkLst>
+        </pc:spChg>
+        <pc:spChg chg="del">
+          <ac:chgData name="Xin Luo" userId="82312ee5779919a4" providerId="LiveId" clId="{3C4A7AF4-6488-5041-B432-D36EF53163D3}" dt="2023-02-23T08:20:54.394" v="3035" actId="478"/>
+          <ac:spMkLst>
+            <pc:docMk/>
+            <pc:sldMk cId="45083394" sldId="2726"/>
+            <ac:spMk id="32" creationId="{4C666A96-1F83-4E49-2237-FBD1F6223EE5}"/>
+          </ac:spMkLst>
+        </pc:spChg>
+        <pc:spChg chg="del">
+          <ac:chgData name="Xin Luo" userId="82312ee5779919a4" providerId="LiveId" clId="{3C4A7AF4-6488-5041-B432-D36EF53163D3}" dt="2023-02-23T08:20:54.394" v="3035" actId="478"/>
+          <ac:spMkLst>
+            <pc:docMk/>
+            <pc:sldMk cId="45083394" sldId="2726"/>
+            <ac:spMk id="36" creationId="{61265673-F240-13EE-D023-1E17A69A2015}"/>
+          </ac:spMkLst>
+        </pc:spChg>
+        <pc:spChg chg="del">
+          <ac:chgData name="Xin Luo" userId="82312ee5779919a4" providerId="LiveId" clId="{3C4A7AF4-6488-5041-B432-D36EF53163D3}" dt="2023-02-23T08:20:54.394" v="3035" actId="478"/>
+          <ac:spMkLst>
+            <pc:docMk/>
+            <pc:sldMk cId="45083394" sldId="2726"/>
+            <ac:spMk id="41" creationId="{4AEBC326-1609-596B-8537-39F116527A31}"/>
+          </ac:spMkLst>
+        </pc:spChg>
+        <pc:spChg chg="del">
+          <ac:chgData name="Xin Luo" userId="82312ee5779919a4" providerId="LiveId" clId="{3C4A7AF4-6488-5041-B432-D36EF53163D3}" dt="2023-02-23T08:20:57.243" v="3036" actId="478"/>
+          <ac:spMkLst>
+            <pc:docMk/>
+            <pc:sldMk cId="45083394" sldId="2726"/>
+            <ac:spMk id="52" creationId="{BDCBD33D-9B4F-EBEE-30C8-194823DDF5C4}"/>
+          </ac:spMkLst>
+        </pc:spChg>
+        <pc:picChg chg="add mod">
+          <ac:chgData name="Xin Luo" userId="82312ee5779919a4" providerId="LiveId" clId="{3C4A7AF4-6488-5041-B432-D36EF53163D3}" dt="2023-02-23T08:29:04.406" v="3641" actId="1076"/>
+          <ac:picMkLst>
+            <pc:docMk/>
+            <pc:sldMk cId="45083394" sldId="2726"/>
+            <ac:picMk id="6" creationId="{8F0ECEE9-414A-4841-4298-78B3FB0882AD}"/>
+          </ac:picMkLst>
+        </pc:picChg>
+        <pc:picChg chg="del">
+          <ac:chgData name="Xin Luo" userId="82312ee5779919a4" providerId="LiveId" clId="{3C4A7AF4-6488-5041-B432-D36EF53163D3}" dt="2023-02-23T08:20:54.394" v="3035" actId="478"/>
+          <ac:picMkLst>
+            <pc:docMk/>
+            <pc:sldMk cId="45083394" sldId="2726"/>
+            <ac:picMk id="13" creationId="{8C9C030C-3B7C-019D-DCD0-031FFB65880B}"/>
+          </ac:picMkLst>
+        </pc:picChg>
+        <pc:cxnChg chg="add mod">
+          <ac:chgData name="Xin Luo" userId="82312ee5779919a4" providerId="LiveId" clId="{3C4A7AF4-6488-5041-B432-D36EF53163D3}" dt="2023-02-23T08:30:42.382" v="3770" actId="13822"/>
+          <ac:cxnSpMkLst>
+            <pc:docMk/>
+            <pc:sldMk cId="45083394" sldId="2726"/>
+            <ac:cxnSpMk id="12" creationId="{A43ECA29-12BC-846A-2DE4-6FB5931244DE}"/>
+          </ac:cxnSpMkLst>
+        </pc:cxnChg>
+        <pc:cxnChg chg="add mod">
+          <ac:chgData name="Xin Luo" userId="82312ee5779919a4" providerId="LiveId" clId="{3C4A7AF4-6488-5041-B432-D36EF53163D3}" dt="2023-02-23T08:30:54.723" v="3774" actId="14100"/>
+          <ac:cxnSpMkLst>
+            <pc:docMk/>
+            <pc:sldMk cId="45083394" sldId="2726"/>
+            <ac:cxnSpMk id="14" creationId="{6561B644-72BB-3413-18C9-17D070F6E82C}"/>
+          </ac:cxnSpMkLst>
+        </pc:cxnChg>
+        <pc:cxnChg chg="del mod">
+          <ac:chgData name="Xin Luo" userId="82312ee5779919a4" providerId="LiveId" clId="{3C4A7AF4-6488-5041-B432-D36EF53163D3}" dt="2023-02-23T08:20:54.394" v="3035" actId="478"/>
+          <ac:cxnSpMkLst>
+            <pc:docMk/>
+            <pc:sldMk cId="45083394" sldId="2726"/>
+            <ac:cxnSpMk id="20" creationId="{F2DADA90-0297-320A-7A9B-7BCB73C8D266}"/>
+          </ac:cxnSpMkLst>
+        </pc:cxnChg>
+        <pc:cxnChg chg="del mod">
+          <ac:chgData name="Xin Luo" userId="82312ee5779919a4" providerId="LiveId" clId="{3C4A7AF4-6488-5041-B432-D36EF53163D3}" dt="2023-02-23T08:20:54.394" v="3035" actId="478"/>
+          <ac:cxnSpMkLst>
+            <pc:docMk/>
+            <pc:sldMk cId="45083394" sldId="2726"/>
+            <ac:cxnSpMk id="24" creationId="{82FB81A3-8873-C2B6-3A89-83770CDB4D12}"/>
+          </ac:cxnSpMkLst>
+        </pc:cxnChg>
+        <pc:cxnChg chg="del mod">
+          <ac:chgData name="Xin Luo" userId="82312ee5779919a4" providerId="LiveId" clId="{3C4A7AF4-6488-5041-B432-D36EF53163D3}" dt="2023-02-23T08:20:54.394" v="3035" actId="478"/>
+          <ac:cxnSpMkLst>
+            <pc:docMk/>
+            <pc:sldMk cId="45083394" sldId="2726"/>
+            <ac:cxnSpMk id="28" creationId="{69368A4A-1E30-C7FF-93A8-823E0BFFDDAF}"/>
+          </ac:cxnSpMkLst>
+        </pc:cxnChg>
+        <pc:cxnChg chg="del mod">
+          <ac:chgData name="Xin Luo" userId="82312ee5779919a4" providerId="LiveId" clId="{3C4A7AF4-6488-5041-B432-D36EF53163D3}" dt="2023-02-23T08:20:54.394" v="3035" actId="478"/>
+          <ac:cxnSpMkLst>
+            <pc:docMk/>
+            <pc:sldMk cId="45083394" sldId="2726"/>
+            <ac:cxnSpMk id="37" creationId="{ED1D5863-9CEA-F4CB-B242-8166548C4786}"/>
+          </ac:cxnSpMkLst>
+        </pc:cxnChg>
+        <pc:cxnChg chg="del mod">
+          <ac:chgData name="Xin Luo" userId="82312ee5779919a4" providerId="LiveId" clId="{3C4A7AF4-6488-5041-B432-D36EF53163D3}" dt="2023-02-23T08:20:54.394" v="3035" actId="478"/>
+          <ac:cxnSpMkLst>
+            <pc:docMk/>
+            <pc:sldMk cId="45083394" sldId="2726"/>
+            <ac:cxnSpMk id="43" creationId="{C3F4E5FF-54E3-E9AA-5351-C586D6201A32}"/>
+          </ac:cxnSpMkLst>
+        </pc:cxnChg>
+      </pc:sldChg>
+      <pc:sldChg chg="addSp delSp modSp add mod">
+        <pc:chgData name="Xin Luo" userId="82312ee5779919a4" providerId="LiveId" clId="{3C4A7AF4-6488-5041-B432-D36EF53163D3}" dt="2023-02-23T09:13:39.268" v="5260" actId="1076"/>
+        <pc:sldMkLst>
+          <pc:docMk/>
+          <pc:sldMk cId="148985918" sldId="2727"/>
+        </pc:sldMkLst>
+        <pc:spChg chg="mod">
+          <ac:chgData name="Xin Luo" userId="82312ee5779919a4" providerId="LiveId" clId="{3C4A7AF4-6488-5041-B432-D36EF53163D3}" dt="2023-02-23T09:02:50.639" v="4813" actId="20577"/>
+          <ac:spMkLst>
+            <pc:docMk/>
+            <pc:sldMk cId="148985918" sldId="2727"/>
+            <ac:spMk id="2" creationId="{631AADB6-C88A-D817-4683-FC087E4E240F}"/>
+          </ac:spMkLst>
+        </pc:spChg>
+        <pc:spChg chg="add mod">
+          <ac:chgData name="Xin Luo" userId="82312ee5779919a4" providerId="LiveId" clId="{3C4A7AF4-6488-5041-B432-D36EF53163D3}" dt="2023-02-23T09:13:32.099" v="5259" actId="20577"/>
+          <ac:spMkLst>
+            <pc:docMk/>
+            <pc:sldMk cId="148985918" sldId="2727"/>
+            <ac:spMk id="8" creationId="{BE76C63F-77AB-4EA1-EEE4-7A2884A0CA66}"/>
+          </ac:spMkLst>
+        </pc:spChg>
+        <pc:spChg chg="add mod">
+          <ac:chgData name="Xin Luo" userId="82312ee5779919a4" providerId="LiveId" clId="{3C4A7AF4-6488-5041-B432-D36EF53163D3}" dt="2023-02-23T09:06:57.700" v="4996" actId="164"/>
+          <ac:spMkLst>
+            <pc:docMk/>
+            <pc:sldMk cId="148985918" sldId="2727"/>
+            <ac:spMk id="9" creationId="{2A57F97B-233C-EA66-362B-DE220896F614}"/>
+          </ac:spMkLst>
+        </pc:spChg>
+        <pc:spChg chg="add mod">
+          <ac:chgData name="Xin Luo" userId="82312ee5779919a4" providerId="LiveId" clId="{3C4A7AF4-6488-5041-B432-D36EF53163D3}" dt="2023-02-23T09:06:57.700" v="4996" actId="164"/>
+          <ac:spMkLst>
+            <pc:docMk/>
+            <pc:sldMk cId="148985918" sldId="2727"/>
+            <ac:spMk id="10" creationId="{05061545-3FDF-F0F7-4A20-489EFC9330A5}"/>
+          </ac:spMkLst>
+        </pc:spChg>
+        <pc:spChg chg="add del mod">
+          <ac:chgData name="Xin Luo" userId="82312ee5779919a4" providerId="LiveId" clId="{3C4A7AF4-6488-5041-B432-D36EF53163D3}" dt="2023-02-23T09:07:43.842" v="5057" actId="478"/>
+          <ac:spMkLst>
+            <pc:docMk/>
+            <pc:sldMk cId="148985918" sldId="2727"/>
+            <ac:spMk id="14" creationId="{2A050FDD-5C29-A58A-197A-D5C19F9B5220}"/>
+          </ac:spMkLst>
+        </pc:spChg>
+        <pc:spChg chg="add mod">
+          <ac:chgData name="Xin Luo" userId="82312ee5779919a4" providerId="LiveId" clId="{3C4A7AF4-6488-5041-B432-D36EF53163D3}" dt="2023-02-23T09:09:33.604" v="5094" actId="164"/>
+          <ac:spMkLst>
+            <pc:docMk/>
+            <pc:sldMk cId="148985918" sldId="2727"/>
+            <ac:spMk id="15" creationId="{DF93D913-36DA-AAF7-8561-3F9531FE4A54}"/>
+          </ac:spMkLst>
+        </pc:spChg>
+        <pc:spChg chg="add mod">
+          <ac:chgData name="Xin Luo" userId="82312ee5779919a4" providerId="LiveId" clId="{3C4A7AF4-6488-5041-B432-D36EF53163D3}" dt="2023-02-23T09:09:33.604" v="5094" actId="164"/>
+          <ac:spMkLst>
+            <pc:docMk/>
+            <pc:sldMk cId="148985918" sldId="2727"/>
+            <ac:spMk id="16" creationId="{A455D8E5-C706-2A45-C85C-DFAC15A06B89}"/>
+          </ac:spMkLst>
+        </pc:spChg>
+        <pc:grpChg chg="add mod">
+          <ac:chgData name="Xin Luo" userId="82312ee5779919a4" providerId="LiveId" clId="{3C4A7AF4-6488-5041-B432-D36EF53163D3}" dt="2023-02-23T09:13:39.268" v="5260" actId="1076"/>
+          <ac:grpSpMkLst>
+            <pc:docMk/>
+            <pc:sldMk cId="148985918" sldId="2727"/>
+            <ac:grpSpMk id="13" creationId="{1FD0C9A9-218B-07EF-0C27-42925534088E}"/>
+          </ac:grpSpMkLst>
+        </pc:grpChg>
+        <pc:grpChg chg="add mod">
+          <ac:chgData name="Xin Luo" userId="82312ee5779919a4" providerId="LiveId" clId="{3C4A7AF4-6488-5041-B432-D36EF53163D3}" dt="2023-02-23T09:13:39.268" v="5260" actId="1076"/>
+          <ac:grpSpMkLst>
+            <pc:docMk/>
+            <pc:sldMk cId="148985918" sldId="2727"/>
+            <ac:grpSpMk id="17" creationId="{48848DA8-CFA1-BCEC-5CB7-145BDC28B35D}"/>
+          </ac:grpSpMkLst>
+        </pc:grpChg>
+        <pc:picChg chg="add del mod">
+          <ac:chgData name="Xin Luo" userId="82312ee5779919a4" providerId="LiveId" clId="{3C4A7AF4-6488-5041-B432-D36EF53163D3}" dt="2023-02-23T08:54:57.402" v="4456" actId="21"/>
+          <ac:picMkLst>
+            <pc:docMk/>
+            <pc:sldMk cId="148985918" sldId="2727"/>
+            <ac:picMk id="5" creationId="{EBA5FE03-5125-C70A-F513-A5C24B3C1A14}"/>
+          </ac:picMkLst>
+        </pc:picChg>
+        <pc:picChg chg="add mod">
+          <ac:chgData name="Xin Luo" userId="82312ee5779919a4" providerId="LiveId" clId="{3C4A7AF4-6488-5041-B432-D36EF53163D3}" dt="2023-02-23T09:06:57.700" v="4996" actId="164"/>
+          <ac:picMkLst>
+            <pc:docMk/>
+            <pc:sldMk cId="148985918" sldId="2727"/>
+            <ac:picMk id="7" creationId="{2A956C61-5B6E-D321-B51C-B54690362CE0}"/>
+          </ac:picMkLst>
+        </pc:picChg>
+        <pc:picChg chg="add mod">
+          <ac:chgData name="Xin Luo" userId="82312ee5779919a4" providerId="LiveId" clId="{3C4A7AF4-6488-5041-B432-D36EF53163D3}" dt="2023-02-23T09:09:33.604" v="5094" actId="164"/>
+          <ac:picMkLst>
+            <pc:docMk/>
+            <pc:sldMk cId="148985918" sldId="2727"/>
+            <ac:picMk id="12" creationId="{66610A52-7A60-4351-A358-E26F160E7D72}"/>
+          </ac:picMkLst>
+        </pc:picChg>
+      </pc:sldChg>
+      <pc:sldChg chg="addSp delSp modSp add mod">
+        <pc:chgData name="Xin Luo" userId="82312ee5779919a4" providerId="LiveId" clId="{3C4A7AF4-6488-5041-B432-D36EF53163D3}" dt="2023-02-23T08:32:21.875" v="3790" actId="1076"/>
+        <pc:sldMkLst>
+          <pc:docMk/>
+          <pc:sldMk cId="3544980656" sldId="2728"/>
+        </pc:sldMkLst>
+        <pc:spChg chg="del">
+          <ac:chgData name="Xin Luo" userId="82312ee5779919a4" providerId="LiveId" clId="{3C4A7AF4-6488-5041-B432-D36EF53163D3}" dt="2023-02-23T08:31:33.135" v="3781" actId="478"/>
+          <ac:spMkLst>
+            <pc:docMk/>
+            <pc:sldMk cId="3544980656" sldId="2728"/>
+            <ac:spMk id="4" creationId="{D9BBA39C-AB76-6753-5B9C-0A4D018B0DED}"/>
+          </ac:spMkLst>
+        </pc:spChg>
+        <pc:spChg chg="del">
+          <ac:chgData name="Xin Luo" userId="82312ee5779919a4" providerId="LiveId" clId="{3C4A7AF4-6488-5041-B432-D36EF53163D3}" dt="2023-02-23T08:31:29.753" v="3780" actId="478"/>
+          <ac:spMkLst>
+            <pc:docMk/>
+            <pc:sldMk cId="3544980656" sldId="2728"/>
+            <ac:spMk id="8" creationId="{D11D64FF-DB4E-870B-A0A7-C88F2B6D8D18}"/>
+          </ac:spMkLst>
+        </pc:spChg>
+        <pc:spChg chg="del">
+          <ac:chgData name="Xin Luo" userId="82312ee5779919a4" providerId="LiveId" clId="{3C4A7AF4-6488-5041-B432-D36EF53163D3}" dt="2023-02-23T08:31:36.177" v="3782" actId="478"/>
+          <ac:spMkLst>
+            <pc:docMk/>
+            <pc:sldMk cId="3544980656" sldId="2728"/>
+            <ac:spMk id="9" creationId="{43B7FFBD-DD4A-E963-5F79-321CB599D69F}"/>
+          </ac:spMkLst>
+        </pc:spChg>
+        <pc:spChg chg="del">
+          <ac:chgData name="Xin Luo" userId="82312ee5779919a4" providerId="LiveId" clId="{3C4A7AF4-6488-5041-B432-D36EF53163D3}" dt="2023-02-23T08:31:36.177" v="3782" actId="478"/>
+          <ac:spMkLst>
+            <pc:docMk/>
+            <pc:sldMk cId="3544980656" sldId="2728"/>
+            <ac:spMk id="10" creationId="{169CC821-AC60-1C05-1AAB-8774F66B13FE}"/>
+          </ac:spMkLst>
+        </pc:spChg>
+        <pc:picChg chg="del">
+          <ac:chgData name="Xin Luo" userId="82312ee5779919a4" providerId="LiveId" clId="{3C4A7AF4-6488-5041-B432-D36EF53163D3}" dt="2023-02-23T08:31:36.177" v="3782" actId="478"/>
+          <ac:picMkLst>
+            <pc:docMk/>
+            <pc:sldMk cId="3544980656" sldId="2728"/>
+            <ac:picMk id="6" creationId="{8F0ECEE9-414A-4841-4298-78B3FB0882AD}"/>
+          </ac:picMkLst>
+        </pc:picChg>
+        <pc:picChg chg="add mod">
+          <ac:chgData name="Xin Luo" userId="82312ee5779919a4" providerId="LiveId" clId="{3C4A7AF4-6488-5041-B432-D36EF53163D3}" dt="2023-02-23T08:32:21.875" v="3790" actId="1076"/>
+          <ac:picMkLst>
+            <pc:docMk/>
+            <pc:sldMk cId="3544980656" sldId="2728"/>
+            <ac:picMk id="7" creationId="{E9C83831-84AF-EB65-1442-172F35DE9DAB}"/>
+          </ac:picMkLst>
+        </pc:picChg>
+        <pc:cxnChg chg="del">
+          <ac:chgData name="Xin Luo" userId="82312ee5779919a4" providerId="LiveId" clId="{3C4A7AF4-6488-5041-B432-D36EF53163D3}" dt="2023-02-23T08:31:36.177" v="3782" actId="478"/>
+          <ac:cxnSpMkLst>
+            <pc:docMk/>
+            <pc:sldMk cId="3544980656" sldId="2728"/>
+            <ac:cxnSpMk id="12" creationId="{A43ECA29-12BC-846A-2DE4-6FB5931244DE}"/>
+          </ac:cxnSpMkLst>
+        </pc:cxnChg>
+        <pc:cxnChg chg="del">
+          <ac:chgData name="Xin Luo" userId="82312ee5779919a4" providerId="LiveId" clId="{3C4A7AF4-6488-5041-B432-D36EF53163D3}" dt="2023-02-23T08:31:36.177" v="3782" actId="478"/>
+          <ac:cxnSpMkLst>
+            <pc:docMk/>
+            <pc:sldMk cId="3544980656" sldId="2728"/>
+            <ac:cxnSpMk id="14" creationId="{6561B644-72BB-3413-18C9-17D070F6E82C}"/>
+          </ac:cxnSpMkLst>
+        </pc:cxnChg>
+      </pc:sldChg>
+      <pc:sldChg chg="addSp delSp modSp add mod">
+        <pc:chgData name="Xin Luo" userId="82312ee5779919a4" providerId="LiveId" clId="{3C4A7AF4-6488-5041-B432-D36EF53163D3}" dt="2023-02-23T09:02:43.022" v="4809" actId="20577"/>
+        <pc:sldMkLst>
+          <pc:docMk/>
+          <pc:sldMk cId="1664139585" sldId="2729"/>
+        </pc:sldMkLst>
+        <pc:spChg chg="mod">
+          <ac:chgData name="Xin Luo" userId="82312ee5779919a4" providerId="LiveId" clId="{3C4A7AF4-6488-5041-B432-D36EF53163D3}" dt="2023-02-23T09:02:43.022" v="4809" actId="20577"/>
+          <ac:spMkLst>
+            <pc:docMk/>
+            <pc:sldMk cId="1664139585" sldId="2729"/>
+            <ac:spMk id="2" creationId="{631AADB6-C88A-D817-4683-FC087E4E240F}"/>
+          </ac:spMkLst>
+        </pc:spChg>
+        <pc:spChg chg="add mod">
+          <ac:chgData name="Xin Luo" userId="82312ee5779919a4" providerId="LiveId" clId="{3C4A7AF4-6488-5041-B432-D36EF53163D3}" dt="2023-02-23T08:46:44.018" v="4297" actId="20577"/>
+          <ac:spMkLst>
+            <pc:docMk/>
+            <pc:sldMk cId="1664139585" sldId="2729"/>
+            <ac:spMk id="4" creationId="{A48F68EC-B4FA-96B9-0619-1D7CA71743F2}"/>
+          </ac:spMkLst>
+        </pc:spChg>
+        <pc:spChg chg="add mod">
+          <ac:chgData name="Xin Luo" userId="82312ee5779919a4" providerId="LiveId" clId="{3C4A7AF4-6488-5041-B432-D36EF53163D3}" dt="2023-02-23T08:48:14.635" v="4350" actId="404"/>
+          <ac:spMkLst>
+            <pc:docMk/>
+            <pc:sldMk cId="1664139585" sldId="2729"/>
+            <ac:spMk id="8" creationId="{9597684A-B805-E883-E79A-691F6EF9A66B}"/>
+          </ac:spMkLst>
+        </pc:spChg>
+        <pc:spChg chg="add mod">
+          <ac:chgData name="Xin Luo" userId="82312ee5779919a4" providerId="LiveId" clId="{3C4A7AF4-6488-5041-B432-D36EF53163D3}" dt="2023-02-23T08:48:14.635" v="4350" actId="404"/>
+          <ac:spMkLst>
+            <pc:docMk/>
+            <pc:sldMk cId="1664139585" sldId="2729"/>
+            <ac:spMk id="12" creationId="{E306EF68-0494-C32C-D024-73CAA4391062}"/>
+          </ac:spMkLst>
+        </pc:spChg>
+        <pc:spChg chg="add del mod">
+          <ac:chgData name="Xin Luo" userId="82312ee5779919a4" providerId="LiveId" clId="{3C4A7AF4-6488-5041-B432-D36EF53163D3}" dt="2023-02-23T08:46:58.841" v="4299"/>
+          <ac:spMkLst>
+            <pc:docMk/>
+            <pc:sldMk cId="1664139585" sldId="2729"/>
+            <ac:spMk id="13" creationId="{1F1152D4-0A0D-97DF-84F0-894EBB9433D0}"/>
+          </ac:spMkLst>
+        </pc:spChg>
+        <pc:spChg chg="add del mod">
+          <ac:chgData name="Xin Luo" userId="82312ee5779919a4" providerId="LiveId" clId="{3C4A7AF4-6488-5041-B432-D36EF53163D3}" dt="2023-02-23T08:47:04.887" v="4301"/>
+          <ac:spMkLst>
+            <pc:docMk/>
+            <pc:sldMk cId="1664139585" sldId="2729"/>
+            <ac:spMk id="14" creationId="{1002F82A-FD74-219B-01B5-80247C07A991}"/>
+          </ac:spMkLst>
+        </pc:spChg>
+        <pc:spChg chg="add mod">
+          <ac:chgData name="Xin Luo" userId="82312ee5779919a4" providerId="LiveId" clId="{3C4A7AF4-6488-5041-B432-D36EF53163D3}" dt="2023-02-23T08:48:14.635" v="4350" actId="404"/>
+          <ac:spMkLst>
+            <pc:docMk/>
+            <pc:sldMk cId="1664139585" sldId="2729"/>
+            <ac:spMk id="16" creationId="{E2DA478E-BBDA-94A9-C4E5-8DF31834C994}"/>
+          </ac:spMkLst>
+        </pc:spChg>
+        <pc:spChg chg="add mod">
+          <ac:chgData name="Xin Luo" userId="82312ee5779919a4" providerId="LiveId" clId="{3C4A7AF4-6488-5041-B432-D36EF53163D3}" dt="2023-02-23T08:48:14.635" v="4350" actId="404"/>
+          <ac:spMkLst>
+            <pc:docMk/>
+            <pc:sldMk cId="1664139585" sldId="2729"/>
+            <ac:spMk id="17" creationId="{FBB4FC8D-8E08-9397-E459-DBB800FF6754}"/>
+          </ac:spMkLst>
+        </pc:spChg>
+        <pc:grpChg chg="add mod">
+          <ac:chgData name="Xin Luo" userId="82312ee5779919a4" providerId="LiveId" clId="{3C4A7AF4-6488-5041-B432-D36EF53163D3}" dt="2023-02-23T08:47:57.186" v="4348" actId="164"/>
+          <ac:grpSpMkLst>
+            <pc:docMk/>
+            <pc:sldMk cId="1664139585" sldId="2729"/>
+            <ac:grpSpMk id="9" creationId="{AB82EF5E-36B6-4B68-763F-8260BCED7E25}"/>
+          </ac:grpSpMkLst>
+        </pc:grpChg>
+        <pc:grpChg chg="add mod">
+          <ac:chgData name="Xin Luo" userId="82312ee5779919a4" providerId="LiveId" clId="{3C4A7AF4-6488-5041-B432-D36EF53163D3}" dt="2023-02-23T08:48:31.559" v="4354" actId="1076"/>
+          <ac:grpSpMkLst>
+            <pc:docMk/>
+            <pc:sldMk cId="1664139585" sldId="2729"/>
+            <ac:grpSpMk id="18" creationId="{0DD68EE4-6630-75BA-7E39-99DB63529BEC}"/>
+          </ac:grpSpMkLst>
+        </pc:grpChg>
+        <pc:grpChg chg="add mod">
+          <ac:chgData name="Xin Luo" userId="82312ee5779919a4" providerId="LiveId" clId="{3C4A7AF4-6488-5041-B432-D36EF53163D3}" dt="2023-02-23T08:48:31.559" v="4354" actId="1076"/>
+          <ac:grpSpMkLst>
+            <pc:docMk/>
+            <pc:sldMk cId="1664139585" sldId="2729"/>
+            <ac:grpSpMk id="19" creationId="{CC13FC93-9D53-8437-285C-997C8D3C5460}"/>
+          </ac:grpSpMkLst>
+        </pc:grpChg>
+        <pc:picChg chg="add mod">
+          <ac:chgData name="Xin Luo" userId="82312ee5779919a4" providerId="LiveId" clId="{3C4A7AF4-6488-5041-B432-D36EF53163D3}" dt="2023-02-23T08:44:29.871" v="4141" actId="164"/>
+          <ac:picMkLst>
+            <pc:docMk/>
+            <pc:sldMk cId="1664139585" sldId="2729"/>
+            <ac:picMk id="6" creationId="{1DE4B58D-C83F-B09C-55FD-73CA2236BAC9}"/>
+          </ac:picMkLst>
+        </pc:picChg>
+        <pc:picChg chg="del">
+          <ac:chgData name="Xin Luo" userId="82312ee5779919a4" providerId="LiveId" clId="{3C4A7AF4-6488-5041-B432-D36EF53163D3}" dt="2023-02-23T08:32:51.104" v="3831" actId="478"/>
+          <ac:picMkLst>
+            <pc:docMk/>
+            <pc:sldMk cId="1664139585" sldId="2729"/>
+            <ac:picMk id="7" creationId="{E9C83831-84AF-EB65-1442-172F35DE9DAB}"/>
+          </ac:picMkLst>
+        </pc:picChg>
+        <pc:picChg chg="add mod">
+          <ac:chgData name="Xin Luo" userId="82312ee5779919a4" providerId="LiveId" clId="{3C4A7AF4-6488-5041-B432-D36EF53163D3}" dt="2023-02-23T08:48:23.436" v="4353" actId="14100"/>
+          <ac:picMkLst>
+            <pc:docMk/>
+            <pc:sldMk cId="1664139585" sldId="2729"/>
+            <ac:picMk id="11" creationId="{BE4A142E-6DBB-4445-BF78-4D6C23EB8C69}"/>
+          </ac:picMkLst>
+        </pc:picChg>
+      </pc:sldChg>
+      <pc:sldChg chg="addSp delSp modSp add mod">
+        <pc:chgData name="Xin Luo" userId="82312ee5779919a4" providerId="LiveId" clId="{3C4A7AF4-6488-5041-B432-D36EF53163D3}" dt="2023-02-23T09:02:46.545" v="4811" actId="20577"/>
+        <pc:sldMkLst>
+          <pc:docMk/>
+          <pc:sldMk cId="3561803108" sldId="2730"/>
+        </pc:sldMkLst>
+        <pc:spChg chg="mod">
+          <ac:chgData name="Xin Luo" userId="82312ee5779919a4" providerId="LiveId" clId="{3C4A7AF4-6488-5041-B432-D36EF53163D3}" dt="2023-02-23T09:02:46.545" v="4811" actId="20577"/>
+          <ac:spMkLst>
+            <pc:docMk/>
+            <pc:sldMk cId="3561803108" sldId="2730"/>
+            <ac:spMk id="2" creationId="{631AADB6-C88A-D817-4683-FC087E4E240F}"/>
+          </ac:spMkLst>
+        </pc:spChg>
+        <pc:spChg chg="mod">
+          <ac:chgData name="Xin Luo" userId="82312ee5779919a4" providerId="LiveId" clId="{3C4A7AF4-6488-5041-B432-D36EF53163D3}" dt="2023-02-23T08:57:21.442" v="4706" actId="20577"/>
+          <ac:spMkLst>
+            <pc:docMk/>
+            <pc:sldMk cId="3561803108" sldId="2730"/>
+            <ac:spMk id="4" creationId="{A48F68EC-B4FA-96B9-0619-1D7CA71743F2}"/>
+          </ac:spMkLst>
+        </pc:spChg>
+        <pc:spChg chg="add mod">
+          <ac:chgData name="Xin Luo" userId="82312ee5779919a4" providerId="LiveId" clId="{3C4A7AF4-6488-5041-B432-D36EF53163D3}" dt="2023-02-23T08:59:18.569" v="4780" actId="1076"/>
+          <ac:spMkLst>
+            <pc:docMk/>
+            <pc:sldMk cId="3561803108" sldId="2730"/>
+            <ac:spMk id="13" creationId="{04321939-84B1-BDA1-9A32-0A1D3A224B4E}"/>
+          </ac:spMkLst>
+        </pc:spChg>
+        <pc:spChg chg="add mod">
+          <ac:chgData name="Xin Luo" userId="82312ee5779919a4" providerId="LiveId" clId="{3C4A7AF4-6488-5041-B432-D36EF53163D3}" dt="2023-02-23T08:59:05.661" v="4776" actId="1076"/>
+          <ac:spMkLst>
+            <pc:docMk/>
+            <pc:sldMk cId="3561803108" sldId="2730"/>
+            <ac:spMk id="14" creationId="{44C585EA-9BC6-24DF-B96C-D6B18443B7ED}"/>
+          </ac:spMkLst>
+        </pc:spChg>
+        <pc:grpChg chg="del">
+          <ac:chgData name="Xin Luo" userId="82312ee5779919a4" providerId="LiveId" clId="{3C4A7AF4-6488-5041-B432-D36EF53163D3}" dt="2023-02-23T08:51:50.637" v="4356" actId="478"/>
+          <ac:grpSpMkLst>
+            <pc:docMk/>
+            <pc:sldMk cId="3561803108" sldId="2730"/>
+            <ac:grpSpMk id="18" creationId="{0DD68EE4-6630-75BA-7E39-99DB63529BEC}"/>
+          </ac:grpSpMkLst>
+        </pc:grpChg>
+        <pc:grpChg chg="del">
+          <ac:chgData name="Xin Luo" userId="82312ee5779919a4" providerId="LiveId" clId="{3C4A7AF4-6488-5041-B432-D36EF53163D3}" dt="2023-02-23T08:51:50.637" v="4356" actId="478"/>
+          <ac:grpSpMkLst>
+            <pc:docMk/>
+            <pc:sldMk cId="3561803108" sldId="2730"/>
+            <ac:grpSpMk id="19" creationId="{CC13FC93-9D53-8437-285C-997C8D3C5460}"/>
+          </ac:grpSpMkLst>
+        </pc:grpChg>
+        <pc:picChg chg="add mod">
+          <ac:chgData name="Xin Luo" userId="82312ee5779919a4" providerId="LiveId" clId="{3C4A7AF4-6488-5041-B432-D36EF53163D3}" dt="2023-02-23T08:59:15.233" v="4779" actId="1076"/>
+          <ac:picMkLst>
+            <pc:docMk/>
+            <pc:sldMk cId="3561803108" sldId="2730"/>
+            <ac:picMk id="5" creationId="{A93DD3EB-FFE1-BEF3-1059-6F1C5837F783}"/>
+          </ac:picMkLst>
+        </pc:picChg>
+        <pc:picChg chg="add mod">
+          <ac:chgData name="Xin Luo" userId="82312ee5779919a4" providerId="LiveId" clId="{3C4A7AF4-6488-5041-B432-D36EF53163D3}" dt="2023-02-23T08:58:08.013" v="4717" actId="1076"/>
+          <ac:picMkLst>
+            <pc:docMk/>
+            <pc:sldMk cId="3561803108" sldId="2730"/>
+            <ac:picMk id="10" creationId="{D64AD824-256D-4966-4AC9-6C2C2EA4A0CC}"/>
+          </ac:picMkLst>
+        </pc:picChg>
+      </pc:sldChg>
+      <pc:sldChg chg="addSp delSp modSp add mod">
+        <pc:chgData name="Xin Luo" userId="82312ee5779919a4" providerId="LiveId" clId="{3C4A7AF4-6488-5041-B432-D36EF53163D3}" dt="2023-02-23T11:42:21.434" v="5641" actId="20577"/>
+        <pc:sldMkLst>
+          <pc:docMk/>
+          <pc:sldMk cId="236610701" sldId="2731"/>
+        </pc:sldMkLst>
+        <pc:spChg chg="mod">
+          <ac:chgData name="Xin Luo" userId="82312ee5779919a4" providerId="LiveId" clId="{3C4A7AF4-6488-5041-B432-D36EF53163D3}" dt="2023-02-23T09:13:26.596" v="5258" actId="20577"/>
+          <ac:spMkLst>
+            <pc:docMk/>
+            <pc:sldMk cId="236610701" sldId="2731"/>
+            <ac:spMk id="8" creationId="{BE76C63F-77AB-4EA1-EEE4-7A2884A0CA66}"/>
+          </ac:spMkLst>
+        </pc:spChg>
+        <pc:spChg chg="add mod">
+          <ac:chgData name="Xin Luo" userId="82312ee5779919a4" providerId="LiveId" clId="{3C4A7AF4-6488-5041-B432-D36EF53163D3}" dt="2023-02-23T09:17:26.318" v="5367" actId="164"/>
+          <ac:spMkLst>
+            <pc:docMk/>
+            <pc:sldMk cId="236610701" sldId="2731"/>
+            <ac:spMk id="11" creationId="{9E5C7F14-8DBC-F1A3-04A2-0F4098DCEFB1}"/>
+          </ac:spMkLst>
+        </pc:spChg>
+        <pc:spChg chg="add mod">
+          <ac:chgData name="Xin Luo" userId="82312ee5779919a4" providerId="LiveId" clId="{3C4A7AF4-6488-5041-B432-D36EF53163D3}" dt="2023-02-23T09:17:26.318" v="5367" actId="164"/>
+          <ac:spMkLst>
+            <pc:docMk/>
+            <pc:sldMk cId="236610701" sldId="2731"/>
+            <ac:spMk id="14" creationId="{686F3DD9-150B-080E-A0DD-364869B53625}"/>
+          </ac:spMkLst>
+        </pc:spChg>
+        <pc:spChg chg="add mod">
+          <ac:chgData name="Xin Luo" userId="82312ee5779919a4" providerId="LiveId" clId="{3C4A7AF4-6488-5041-B432-D36EF53163D3}" dt="2023-02-23T09:17:26.318" v="5367" actId="164"/>
+          <ac:spMkLst>
+            <pc:docMk/>
+            <pc:sldMk cId="236610701" sldId="2731"/>
+            <ac:spMk id="18" creationId="{0EA5ECFB-D617-12D2-A81B-C4CFF2A4717D}"/>
+          </ac:spMkLst>
+        </pc:spChg>
+        <pc:spChg chg="add del mod">
+          <ac:chgData name="Xin Luo" userId="82312ee5779919a4" providerId="LiveId" clId="{3C4A7AF4-6488-5041-B432-D36EF53163D3}" dt="2023-02-23T09:16:21.438" v="5320"/>
+          <ac:spMkLst>
+            <pc:docMk/>
+            <pc:sldMk cId="236610701" sldId="2731"/>
+            <ac:spMk id="21" creationId="{8BED0A83-9C8C-9FEE-3D3C-E0DDB3352BF2}"/>
+          </ac:spMkLst>
+        </pc:spChg>
+        <pc:spChg chg="add mod">
+          <ac:chgData name="Xin Luo" userId="82312ee5779919a4" providerId="LiveId" clId="{3C4A7AF4-6488-5041-B432-D36EF53163D3}" dt="2023-02-23T09:17:22.065" v="5366" actId="164"/>
+          <ac:spMkLst>
+            <pc:docMk/>
+            <pc:sldMk cId="236610701" sldId="2731"/>
+            <ac:spMk id="24" creationId="{2BC5AFCA-8C0F-694D-C8E4-96DC57905D7C}"/>
+          </ac:spMkLst>
+        </pc:spChg>
+        <pc:spChg chg="add mod">
+          <ac:chgData name="Xin Luo" userId="82312ee5779919a4" providerId="LiveId" clId="{3C4A7AF4-6488-5041-B432-D36EF53163D3}" dt="2023-02-23T11:42:21.434" v="5641" actId="20577"/>
+          <ac:spMkLst>
+            <pc:docMk/>
+            <pc:sldMk cId="236610701" sldId="2731"/>
+            <ac:spMk id="27" creationId="{277CEA1D-ACA7-1951-68B0-9AFFF02511BD}"/>
+          </ac:spMkLst>
+        </pc:spChg>
+        <pc:grpChg chg="del">
+          <ac:chgData name="Xin Luo" userId="82312ee5779919a4" providerId="LiveId" clId="{3C4A7AF4-6488-5041-B432-D36EF53163D3}" dt="2023-02-23T09:13:14.650" v="5252" actId="478"/>
+          <ac:grpSpMkLst>
+            <pc:docMk/>
+            <pc:sldMk cId="236610701" sldId="2731"/>
+            <ac:grpSpMk id="13" creationId="{1FD0C9A9-218B-07EF-0C27-42925534088E}"/>
+          </ac:grpSpMkLst>
+        </pc:grpChg>
+        <pc:grpChg chg="del">
+          <ac:chgData name="Xin Luo" userId="82312ee5779919a4" providerId="LiveId" clId="{3C4A7AF4-6488-5041-B432-D36EF53163D3}" dt="2023-02-23T09:13:16.234" v="5253" actId="478"/>
+          <ac:grpSpMkLst>
+            <pc:docMk/>
+            <pc:sldMk cId="236610701" sldId="2731"/>
+            <ac:grpSpMk id="17" creationId="{48848DA8-CFA1-BCEC-5CB7-145BDC28B35D}"/>
+          </ac:grpSpMkLst>
+        </pc:grpChg>
+        <pc:grpChg chg="add mod">
+          <ac:chgData name="Xin Luo" userId="82312ee5779919a4" providerId="LiveId" clId="{3C4A7AF4-6488-5041-B432-D36EF53163D3}" dt="2023-02-23T09:20:40.507" v="5582" actId="1076"/>
+          <ac:grpSpMkLst>
+            <pc:docMk/>
+            <pc:sldMk cId="236610701" sldId="2731"/>
+            <ac:grpSpMk id="25" creationId="{0B21BADB-6B5A-522D-BF02-92EE6C415AC5}"/>
+          </ac:grpSpMkLst>
+        </pc:grpChg>
+        <pc:grpChg chg="add mod">
+          <ac:chgData name="Xin Luo" userId="82312ee5779919a4" providerId="LiveId" clId="{3C4A7AF4-6488-5041-B432-D36EF53163D3}" dt="2023-02-23T09:17:26.318" v="5367" actId="164"/>
+          <ac:grpSpMkLst>
+            <pc:docMk/>
+            <pc:sldMk cId="236610701" sldId="2731"/>
+            <ac:grpSpMk id="26" creationId="{5B1A5EB8-5704-DE8A-ECFB-CA0887FF9903}"/>
+          </ac:grpSpMkLst>
+        </pc:grpChg>
+        <pc:grpChg chg="add mod">
+          <ac:chgData name="Xin Luo" userId="82312ee5779919a4" providerId="LiveId" clId="{3C4A7AF4-6488-5041-B432-D36EF53163D3}" dt="2023-02-23T09:22:32.183" v="5612" actId="14100"/>
+          <ac:grpSpMkLst>
+            <pc:docMk/>
+            <pc:sldMk cId="236610701" sldId="2731"/>
+            <ac:grpSpMk id="40" creationId="{6EB5AEC1-1519-3329-CA3D-552C73370758}"/>
+          </ac:grpSpMkLst>
+        </pc:grpChg>
+        <pc:picChg chg="add del mod">
+          <ac:chgData name="Xin Luo" userId="82312ee5779919a4" providerId="LiveId" clId="{3C4A7AF4-6488-5041-B432-D36EF53163D3}" dt="2023-02-23T09:13:09.369" v="5251" actId="21"/>
+          <ac:picMkLst>
+            <pc:docMk/>
+            <pc:sldMk cId="236610701" sldId="2731"/>
+            <ac:picMk id="5" creationId="{DDA50919-604F-7994-0EBE-62535FEF2A8F}"/>
+          </ac:picMkLst>
+        </pc:picChg>
+        <pc:picChg chg="add mod">
+          <ac:chgData name="Xin Luo" userId="82312ee5779919a4" providerId="LiveId" clId="{3C4A7AF4-6488-5041-B432-D36EF53163D3}" dt="2023-02-23T09:17:26.318" v="5367" actId="164"/>
+          <ac:picMkLst>
+            <pc:docMk/>
+            <pc:sldMk cId="236610701" sldId="2731"/>
+            <ac:picMk id="6" creationId="{B0A2D4E0-98C8-E402-421A-F04C8C179FCD}"/>
+          </ac:picMkLst>
+        </pc:picChg>
+        <pc:picChg chg="add mod">
+          <ac:chgData name="Xin Luo" userId="82312ee5779919a4" providerId="LiveId" clId="{3C4A7AF4-6488-5041-B432-D36EF53163D3}" dt="2023-02-23T09:17:22.065" v="5366" actId="164"/>
+          <ac:picMkLst>
+            <pc:docMk/>
+            <pc:sldMk cId="236610701" sldId="2731"/>
+            <ac:picMk id="23" creationId="{EDB68736-0547-1775-0EC0-381F53A99851}"/>
+          </ac:picMkLst>
+        </pc:picChg>
+        <pc:cxnChg chg="add mod">
+          <ac:chgData name="Xin Luo" userId="82312ee5779919a4" providerId="LiveId" clId="{3C4A7AF4-6488-5041-B432-D36EF53163D3}" dt="2023-02-23T09:17:26.318" v="5367" actId="164"/>
+          <ac:cxnSpMkLst>
+            <pc:docMk/>
+            <pc:sldMk cId="236610701" sldId="2731"/>
+            <ac:cxnSpMk id="20" creationId="{20EA748A-F362-CFAF-00A1-8064C2727630}"/>
+          </ac:cxnSpMkLst>
+        </pc:cxnChg>
+        <pc:cxnChg chg="add mod">
+          <ac:chgData name="Xin Luo" userId="82312ee5779919a4" providerId="LiveId" clId="{3C4A7AF4-6488-5041-B432-D36EF53163D3}" dt="2023-02-23T09:22:56.564" v="5618" actId="1582"/>
+          <ac:cxnSpMkLst>
+            <pc:docMk/>
+            <pc:sldMk cId="236610701" sldId="2731"/>
+            <ac:cxnSpMk id="28" creationId="{22ABCAC2-3896-1807-0504-ED7D00362192}"/>
+          </ac:cxnSpMkLst>
+        </pc:cxnChg>
+        <pc:cxnChg chg="add mod">
+          <ac:chgData name="Xin Luo" userId="82312ee5779919a4" providerId="LiveId" clId="{3C4A7AF4-6488-5041-B432-D36EF53163D3}" dt="2023-02-23T09:22:56.564" v="5618" actId="1582"/>
+          <ac:cxnSpMkLst>
+            <pc:docMk/>
+            <pc:sldMk cId="236610701" sldId="2731"/>
+            <ac:cxnSpMk id="31" creationId="{00341ACC-3D99-3C97-0E83-F5CD7B18B865}"/>
+          </ac:cxnSpMkLst>
+        </pc:cxnChg>
+        <pc:cxnChg chg="add mod">
+          <ac:chgData name="Xin Luo" userId="82312ee5779919a4" providerId="LiveId" clId="{3C4A7AF4-6488-5041-B432-D36EF53163D3}" dt="2023-02-23T09:23:20.010" v="5622" actId="14100"/>
+          <ac:cxnSpMkLst>
+            <pc:docMk/>
+            <pc:sldMk cId="236610701" sldId="2731"/>
+            <ac:cxnSpMk id="34" creationId="{85A86870-8686-A430-1EC5-D3515360DAE4}"/>
+          </ac:cxnSpMkLst>
+        </pc:cxnChg>
+      </pc:sldChg>
+      <pc:sldChg chg="add del">
+        <pc:chgData name="Xin Luo" userId="82312ee5779919a4" providerId="LiveId" clId="{3C4A7AF4-6488-5041-B432-D36EF53163D3}" dt="2023-02-23T08:54:40.823" v="4449"/>
+        <pc:sldMkLst>
+          <pc:docMk/>
+          <pc:sldMk cId="3607281671" sldId="2731"/>
+        </pc:sldMkLst>
+      </pc:sldChg>
+      <pc:sldChg chg="addSp delSp modSp add mod modNotesTx">
+        <pc:chgData name="Xin Luo" userId="82312ee5779919a4" providerId="LiveId" clId="{3C4A7AF4-6488-5041-B432-D36EF53163D3}" dt="2023-02-23T13:58:03.496" v="6246" actId="1076"/>
+        <pc:sldMkLst>
+          <pc:docMk/>
+          <pc:sldMk cId="1986913413" sldId="2732"/>
+        </pc:sldMkLst>
+        <pc:spChg chg="mod">
+          <ac:chgData name="Xin Luo" userId="82312ee5779919a4" providerId="LiveId" clId="{3C4A7AF4-6488-5041-B432-D36EF53163D3}" dt="2023-02-23T09:23:56.813" v="5638" actId="20577"/>
+          <ac:spMkLst>
+            <pc:docMk/>
+            <pc:sldMk cId="1986913413" sldId="2732"/>
+            <ac:spMk id="2" creationId="{631AADB6-C88A-D817-4683-FC087E4E240F}"/>
+          </ac:spMkLst>
+        </pc:spChg>
+        <pc:spChg chg="add del mod">
+          <ac:chgData name="Xin Luo" userId="82312ee5779919a4" providerId="LiveId" clId="{3C4A7AF4-6488-5041-B432-D36EF53163D3}" dt="2023-02-23T13:49:16.589" v="6211" actId="1036"/>
+          <ac:spMkLst>
+            <pc:docMk/>
+            <pc:sldMk cId="1986913413" sldId="2732"/>
+            <ac:spMk id="8" creationId="{BE76C63F-77AB-4EA1-EEE4-7A2884A0CA66}"/>
+          </ac:spMkLst>
+        </pc:spChg>
+        <pc:spChg chg="add mod">
+          <ac:chgData name="Xin Luo" userId="82312ee5779919a4" providerId="LiveId" clId="{3C4A7AF4-6488-5041-B432-D36EF53163D3}" dt="2023-02-23T13:39:58.827" v="6149" actId="164"/>
+          <ac:spMkLst>
+            <pc:docMk/>
+            <pc:sldMk cId="1986913413" sldId="2732"/>
+            <ac:spMk id="16" creationId="{3E7D4095-D2BB-E6C2-A00B-51E8F93D4AE6}"/>
+          </ac:spMkLst>
+        </pc:spChg>
+        <pc:spChg chg="add mod">
+          <ac:chgData name="Xin Luo" userId="82312ee5779919a4" providerId="LiveId" clId="{3C4A7AF4-6488-5041-B432-D36EF53163D3}" dt="2023-02-23T13:39:58.827" v="6149" actId="164"/>
+          <ac:spMkLst>
+            <pc:docMk/>
+            <pc:sldMk cId="1986913413" sldId="2732"/>
+            <ac:spMk id="17" creationId="{2FD57DA2-ED22-9246-7698-C699E342AAED}"/>
+          </ac:spMkLst>
+        </pc:spChg>
+        <pc:spChg chg="add mod">
+          <ac:chgData name="Xin Luo" userId="82312ee5779919a4" providerId="LiveId" clId="{3C4A7AF4-6488-5041-B432-D36EF53163D3}" dt="2023-02-23T13:39:58.827" v="6149" actId="164"/>
+          <ac:spMkLst>
+            <pc:docMk/>
+            <pc:sldMk cId="1986913413" sldId="2732"/>
+            <ac:spMk id="19" creationId="{2D2DD260-BF22-E834-D80F-BCFA1E042E54}"/>
+          </ac:spMkLst>
+        </pc:spChg>
+        <pc:spChg chg="add mod">
+          <ac:chgData name="Xin Luo" userId="82312ee5779919a4" providerId="LiveId" clId="{3C4A7AF4-6488-5041-B432-D36EF53163D3}" dt="2023-02-23T13:39:58.827" v="6149" actId="164"/>
+          <ac:spMkLst>
+            <pc:docMk/>
+            <pc:sldMk cId="1986913413" sldId="2732"/>
+            <ac:spMk id="21" creationId="{E8AF9E53-BC95-D1E3-82CA-CCA0B85D0BAB}"/>
+          </ac:spMkLst>
+        </pc:spChg>
+        <pc:spChg chg="del">
+          <ac:chgData name="Xin Luo" userId="82312ee5779919a4" providerId="LiveId" clId="{3C4A7AF4-6488-5041-B432-D36EF53163D3}" dt="2023-02-23T09:23:50.475" v="5626" actId="478"/>
+          <ac:spMkLst>
+            <pc:docMk/>
+            <pc:sldMk cId="1986913413" sldId="2732"/>
+            <ac:spMk id="27" creationId="{277CEA1D-ACA7-1951-68B0-9AFFF02511BD}"/>
+          </ac:spMkLst>
+        </pc:spChg>
+        <pc:grpChg chg="del">
+          <ac:chgData name="Xin Luo" userId="82312ee5779919a4" providerId="LiveId" clId="{3C4A7AF4-6488-5041-B432-D36EF53163D3}" dt="2023-02-23T09:23:46.458" v="5625" actId="478"/>
+          <ac:grpSpMkLst>
+            <pc:docMk/>
+            <pc:sldMk cId="1986913413" sldId="2732"/>
+            <ac:grpSpMk id="25" creationId="{0B21BADB-6B5A-522D-BF02-92EE6C415AC5}"/>
+          </ac:grpSpMkLst>
+        </pc:grpChg>
+        <pc:grpChg chg="del">
+          <ac:chgData name="Xin Luo" userId="82312ee5779919a4" providerId="LiveId" clId="{3C4A7AF4-6488-5041-B432-D36EF53163D3}" dt="2023-02-23T09:23:44.579" v="5624" actId="478"/>
+          <ac:grpSpMkLst>
+            <pc:docMk/>
+            <pc:sldMk cId="1986913413" sldId="2732"/>
+            <ac:grpSpMk id="26" creationId="{5B1A5EB8-5704-DE8A-ECFB-CA0887FF9903}"/>
+          </ac:grpSpMkLst>
+        </pc:grpChg>
+        <pc:grpChg chg="add mod">
+          <ac:chgData name="Xin Luo" userId="82312ee5779919a4" providerId="LiveId" clId="{3C4A7AF4-6488-5041-B432-D36EF53163D3}" dt="2023-02-23T13:39:58.827" v="6149" actId="164"/>
+          <ac:grpSpMkLst>
+            <pc:docMk/>
+            <pc:sldMk cId="1986913413" sldId="2732"/>
+            <ac:grpSpMk id="33" creationId="{1E36E9C9-B23B-0B90-084E-246D2143D484}"/>
+          </ac:grpSpMkLst>
+        </pc:grpChg>
+        <pc:grpChg chg="del">
+          <ac:chgData name="Xin Luo" userId="82312ee5779919a4" providerId="LiveId" clId="{3C4A7AF4-6488-5041-B432-D36EF53163D3}" dt="2023-02-23T09:23:50.475" v="5626" actId="478"/>
+          <ac:grpSpMkLst>
+            <pc:docMk/>
+            <pc:sldMk cId="1986913413" sldId="2732"/>
+            <ac:grpSpMk id="40" creationId="{6EB5AEC1-1519-3329-CA3D-552C73370758}"/>
+          </ac:grpSpMkLst>
+        </pc:grpChg>
+        <pc:picChg chg="add del mod">
+          <ac:chgData name="Xin Luo" userId="82312ee5779919a4" providerId="LiveId" clId="{3C4A7AF4-6488-5041-B432-D36EF53163D3}" dt="2023-02-23T13:20:09.106" v="5841" actId="478"/>
+          <ac:picMkLst>
+            <pc:docMk/>
+            <pc:sldMk cId="1986913413" sldId="2732"/>
+            <ac:picMk id="5" creationId="{0F3C6337-840A-A22F-FD29-8C76197A2702}"/>
+          </ac:picMkLst>
+        </pc:picChg>
+        <pc:picChg chg="add del mod">
+          <ac:chgData name="Xin Luo" userId="82312ee5779919a4" providerId="LiveId" clId="{3C4A7AF4-6488-5041-B432-D36EF53163D3}" dt="2023-02-23T13:27:51.021" v="5863" actId="478"/>
+          <ac:picMkLst>
+            <pc:docMk/>
+            <pc:sldMk cId="1986913413" sldId="2732"/>
+            <ac:picMk id="9" creationId="{47AF5BBB-3A60-7AF4-EF37-81EE546F448A}"/>
+          </ac:picMkLst>
+        </pc:picChg>
+        <pc:picChg chg="add del mod">
+          <ac:chgData name="Xin Luo" userId="82312ee5779919a4" providerId="LiveId" clId="{3C4A7AF4-6488-5041-B432-D36EF53163D3}" dt="2023-02-23T13:39:58.827" v="6149" actId="164"/>
+          <ac:picMkLst>
+            <pc:docMk/>
+            <pc:sldMk cId="1986913413" sldId="2732"/>
+            <ac:picMk id="12" creationId="{6D7A52DC-C29A-9A43-F4B2-B0D7F2AF1CF6}"/>
+          </ac:picMkLst>
+        </pc:picChg>
+        <pc:picChg chg="add del mod">
+          <ac:chgData name="Xin Luo" userId="82312ee5779919a4" providerId="LiveId" clId="{3C4A7AF4-6488-5041-B432-D36EF53163D3}" dt="2023-02-23T13:28:13.051" v="5873" actId="478"/>
+          <ac:picMkLst>
+            <pc:docMk/>
+            <pc:sldMk cId="1986913413" sldId="2732"/>
+            <ac:picMk id="15" creationId="{9246C021-1A0B-9FC2-CF78-BC1081966B66}"/>
+          </ac:picMkLst>
+        </pc:picChg>
+        <pc:picChg chg="add del mod">
+          <ac:chgData name="Xin Luo" userId="82312ee5779919a4" providerId="LiveId" clId="{3C4A7AF4-6488-5041-B432-D36EF53163D3}" dt="2023-02-23T13:40:02.652" v="6150" actId="478"/>
+          <ac:picMkLst>
+            <pc:docMk/>
+            <pc:sldMk cId="1986913413" sldId="2732"/>
+            <ac:picMk id="29" creationId="{762ED712-67A1-F501-F2D8-DCB0592E22F5}"/>
+          </ac:picMkLst>
+        </pc:picChg>
+        <pc:picChg chg="add del mod">
+          <ac:chgData name="Xin Luo" userId="82312ee5779919a4" providerId="LiveId" clId="{3C4A7AF4-6488-5041-B432-D36EF53163D3}" dt="2023-02-23T13:38:40.792" v="6061" actId="478"/>
+          <ac:picMkLst>
+            <pc:docMk/>
+            <pc:sldMk cId="1986913413" sldId="2732"/>
+            <ac:picMk id="32" creationId="{9F62F483-2BDD-4BAD-3328-1C24C2029096}"/>
+          </ac:picMkLst>
+        </pc:picChg>
+        <pc:picChg chg="add del mod">
+          <ac:chgData name="Xin Luo" userId="82312ee5779919a4" providerId="LiveId" clId="{3C4A7AF4-6488-5041-B432-D36EF53163D3}" dt="2023-02-23T13:57:48.638" v="6238" actId="478"/>
+          <ac:picMkLst>
+            <pc:docMk/>
+            <pc:sldMk cId="1986913413" sldId="2732"/>
+            <ac:picMk id="36" creationId="{D10FE31F-3F42-EDC5-5A69-239D66ABC871}"/>
+          </ac:picMkLst>
+        </pc:picChg>
+        <pc:picChg chg="add mod">
+          <ac:chgData name="Xin Luo" userId="82312ee5779919a4" providerId="LiveId" clId="{3C4A7AF4-6488-5041-B432-D36EF53163D3}" dt="2023-02-23T13:58:03.496" v="6246" actId="1076"/>
+          <ac:picMkLst>
+            <pc:docMk/>
+            <pc:sldMk cId="1986913413" sldId="2732"/>
+            <ac:picMk id="38" creationId="{DBB716A2-DAE4-A0CB-0685-0DD3A5848392}"/>
+          </ac:picMkLst>
+        </pc:picChg>
+      </pc:sldChg>
+      <pc:sldChg chg="addSp delSp modSp add mod">
+        <pc:chgData name="Xin Luo" userId="82312ee5779919a4" providerId="LiveId" clId="{3C4A7AF4-6488-5041-B432-D36EF53163D3}" dt="2023-02-23T14:00:47.321" v="6304" actId="1076"/>
+        <pc:sldMkLst>
+          <pc:docMk/>
+          <pc:sldMk cId="270311508" sldId="2733"/>
+        </pc:sldMkLst>
+        <pc:spChg chg="mod">
+          <ac:chgData name="Xin Luo" userId="82312ee5779919a4" providerId="LiveId" clId="{3C4A7AF4-6488-5041-B432-D36EF53163D3}" dt="2023-02-23T13:58:33.465" v="6260" actId="14100"/>
+          <ac:spMkLst>
+            <pc:docMk/>
+            <pc:sldMk cId="270311508" sldId="2733"/>
+            <ac:spMk id="8" creationId="{BE76C63F-77AB-4EA1-EEE4-7A2884A0CA66}"/>
+          </ac:spMkLst>
+        </pc:spChg>
+        <pc:spChg chg="add mod">
+          <ac:chgData name="Xin Luo" userId="82312ee5779919a4" providerId="LiveId" clId="{3C4A7AF4-6488-5041-B432-D36EF53163D3}" dt="2023-02-23T14:00:40.779" v="6302" actId="1076"/>
+          <ac:spMkLst>
+            <pc:docMk/>
+            <pc:sldMk cId="270311508" sldId="2733"/>
+            <ac:spMk id="10" creationId="{D5E5B261-8775-C3AF-17E6-8E3B7B2EB8DD}"/>
+          </ac:spMkLst>
+        </pc:spChg>
+        <pc:grpChg chg="del">
+          <ac:chgData name="Xin Luo" userId="82312ee5779919a4" providerId="LiveId" clId="{3C4A7AF4-6488-5041-B432-D36EF53163D3}" dt="2023-02-23T13:49:30.079" v="6213" actId="478"/>
+          <ac:grpSpMkLst>
+            <pc:docMk/>
+            <pc:sldMk cId="270311508" sldId="2733"/>
+            <ac:grpSpMk id="33" creationId="{1E36E9C9-B23B-0B90-084E-246D2143D484}"/>
+          </ac:grpSpMkLst>
+        </pc:grpChg>
+        <pc:picChg chg="add del mod">
+          <ac:chgData name="Xin Luo" userId="82312ee5779919a4" providerId="LiveId" clId="{3C4A7AF4-6488-5041-B432-D36EF53163D3}" dt="2023-02-23T13:50:54.929" v="6237" actId="478"/>
+          <ac:picMkLst>
+            <pc:docMk/>
+            <pc:sldMk cId="270311508" sldId="2733"/>
+            <ac:picMk id="5" creationId="{45C11474-3B63-2E64-AA9D-2A10A27D3F65}"/>
+          </ac:picMkLst>
+        </pc:picChg>
+        <pc:picChg chg="add mod">
+          <ac:chgData name="Xin Luo" userId="82312ee5779919a4" providerId="LiveId" clId="{3C4A7AF4-6488-5041-B432-D36EF53163D3}" dt="2023-02-23T14:00:47.321" v="6304" actId="1076"/>
+          <ac:picMkLst>
+            <pc:docMk/>
+            <pc:sldMk cId="270311508" sldId="2733"/>
+            <ac:picMk id="7" creationId="{FD4880BA-9A41-FB72-F608-E8DF18426892}"/>
+          </ac:picMkLst>
+        </pc:picChg>
+        <pc:picChg chg="del">
+          <ac:chgData name="Xin Luo" userId="82312ee5779919a4" providerId="LiveId" clId="{3C4A7AF4-6488-5041-B432-D36EF53163D3}" dt="2023-02-23T13:49:30.079" v="6213" actId="478"/>
+          <ac:picMkLst>
+            <pc:docMk/>
+            <pc:sldMk cId="270311508" sldId="2733"/>
+            <ac:picMk id="36" creationId="{D10FE31F-3F42-EDC5-5A69-239D66ABC871}"/>
+          </ac:picMkLst>
+        </pc:picChg>
+      </pc:sldChg>
+      <pc:sldChg chg="addSp delSp modSp add mod">
+        <pc:chgData name="Xin Luo" userId="82312ee5779919a4" providerId="LiveId" clId="{3C4A7AF4-6488-5041-B432-D36EF53163D3}" dt="2023-02-23T14:29:59.110" v="6746" actId="403"/>
+        <pc:sldMkLst>
+          <pc:docMk/>
+          <pc:sldMk cId="3138813826" sldId="2734"/>
+        </pc:sldMkLst>
+        <pc:spChg chg="mod">
+          <ac:chgData name="Xin Luo" userId="82312ee5779919a4" providerId="LiveId" clId="{3C4A7AF4-6488-5041-B432-D36EF53163D3}" dt="2023-02-23T14:24:45.076" v="6407" actId="20577"/>
+          <ac:spMkLst>
+            <pc:docMk/>
+            <pc:sldMk cId="3138813826" sldId="2734"/>
+            <ac:spMk id="2" creationId="{631AADB6-C88A-D817-4683-FC087E4E240F}"/>
+          </ac:spMkLst>
+        </pc:spChg>
+        <pc:spChg chg="add del mod">
+          <ac:chgData name="Xin Luo" userId="82312ee5779919a4" providerId="LiveId" clId="{3C4A7AF4-6488-5041-B432-D36EF53163D3}" dt="2023-02-23T14:29:54.827" v="6743" actId="478"/>
+          <ac:spMkLst>
+            <pc:docMk/>
+            <pc:sldMk cId="3138813826" sldId="2734"/>
+            <ac:spMk id="5" creationId="{045952CA-B870-EE0D-254E-C4F0D7559A1D}"/>
+          </ac:spMkLst>
+        </pc:spChg>
+        <pc:spChg chg="add mod">
+          <ac:chgData name="Xin Luo" userId="82312ee5779919a4" providerId="LiveId" clId="{3C4A7AF4-6488-5041-B432-D36EF53163D3}" dt="2023-02-23T14:29:59.110" v="6746" actId="403"/>
+          <ac:spMkLst>
+            <pc:docMk/>
+            <pc:sldMk cId="3138813826" sldId="2734"/>
+            <ac:spMk id="6" creationId="{7F081F01-398A-43C9-F4B4-7155679B9827}"/>
+          </ac:spMkLst>
+        </pc:spChg>
+        <pc:spChg chg="mod">
+          <ac:chgData name="Xin Luo" userId="82312ee5779919a4" providerId="LiveId" clId="{3C4A7AF4-6488-5041-B432-D36EF53163D3}" dt="2023-02-23T14:27:23.377" v="6681" actId="1076"/>
+          <ac:spMkLst>
+            <pc:docMk/>
+            <pc:sldMk cId="3138813826" sldId="2734"/>
+            <ac:spMk id="17" creationId="{9E05FFCA-3371-AF5C-381D-71D984055F5A}"/>
+          </ac:spMkLst>
+        </pc:spChg>
+      </pc:sldChg>
+      <pc:sldChg chg="addSp modSp add mod">
+        <pc:chgData name="Xin Luo" userId="82312ee5779919a4" providerId="LiveId" clId="{3C4A7AF4-6488-5041-B432-D36EF53163D3}" dt="2023-02-23T14:33:30.940" v="6917" actId="1037"/>
+        <pc:sldMkLst>
+          <pc:docMk/>
+          <pc:sldMk cId="128317883" sldId="2735"/>
         </pc:sldMkLst>
         <pc:spChg chg="add mod">
-          <ac:chgData name="Xin Luo" userId="82312ee5779919a4" providerId="LiveId" clId="{23920C8D-EBCE-A347-9C82-C14316D20539}" dt="2022-10-26T12:19:06.428" v="501" actId="767"/>
-          <ac:spMkLst>
-            <pc:docMk/>
-            <pc:sldMk cId="963926578" sldId="2613"/>
-            <ac:spMk id="2" creationId="{5F7683B3-77E0-69A9-94AE-FF04E7249325}"/>
+          <ac:chgData name="Xin Luo" userId="82312ee5779919a4" providerId="LiveId" clId="{3C4A7AF4-6488-5041-B432-D36EF53163D3}" dt="2023-02-23T14:33:24.596" v="6912" actId="1076"/>
+          <ac:spMkLst>
+            <pc:docMk/>
+            <pc:sldMk cId="128317883" sldId="2735"/>
+            <ac:spMk id="4" creationId="{3C988FB7-FCA7-1C11-558C-286915D478EB}"/>
+          </ac:spMkLst>
+        </pc:spChg>
+        <pc:spChg chg="mod">
+          <ac:chgData name="Xin Luo" userId="82312ee5779919a4" providerId="LiveId" clId="{3C4A7AF4-6488-5041-B432-D36EF53163D3}" dt="2023-02-23T14:30:37.592" v="6752" actId="1035"/>
+          <ac:spMkLst>
+            <pc:docMk/>
+            <pc:sldMk cId="128317883" sldId="2735"/>
+            <ac:spMk id="6" creationId="{7F081F01-398A-43C9-F4B4-7155679B9827}"/>
+          </ac:spMkLst>
+        </pc:spChg>
+        <pc:spChg chg="mod">
+          <ac:chgData name="Xin Luo" userId="82312ee5779919a4" providerId="LiveId" clId="{3C4A7AF4-6488-5041-B432-D36EF53163D3}" dt="2023-02-23T14:33:30.940" v="6917" actId="1037"/>
+          <ac:spMkLst>
+            <pc:docMk/>
+            <pc:sldMk cId="128317883" sldId="2735"/>
+            <ac:spMk id="17" creationId="{9E05FFCA-3371-AF5C-381D-71D984055F5A}"/>
           </ac:spMkLst>
         </pc:spChg>
       </pc:sldChg>
-      <pc:sldChg chg="modSp add mod">
-        <pc:chgData name="Xin Luo" userId="82312ee5779919a4" providerId="LiveId" clId="{23920C8D-EBCE-A347-9C82-C14316D20539}" dt="2022-10-10T01:06:02.902" v="365" actId="403"/>
+      <pc:sldChg chg="delSp add mod">
+        <pc:chgData name="Xin Luo" userId="82312ee5779919a4" providerId="LiveId" clId="{3C4A7AF4-6488-5041-B432-D36EF53163D3}" dt="2023-02-23T14:33:41.327" v="6919" actId="478"/>
         <pc:sldMkLst>
           <pc:docMk/>
-          <pc:sldMk cId="2358282757" sldId="2714"/>
+          <pc:sldMk cId="383906436" sldId="2736"/>
         </pc:sldMkLst>
-        <pc:spChg chg="mod">
-          <ac:chgData name="Xin Luo" userId="82312ee5779919a4" providerId="LiveId" clId="{23920C8D-EBCE-A347-9C82-C14316D20539}" dt="2022-10-10T01:06:02.902" v="365" actId="403"/>
-          <ac:spMkLst>
-            <pc:docMk/>
-            <pc:sldMk cId="2358282757" sldId="2714"/>
-            <ac:spMk id="2" creationId="{DB381E7B-A050-4BE4-6756-9B64308C74D7}"/>
+        <pc:spChg chg="del">
+          <ac:chgData name="Xin Luo" userId="82312ee5779919a4" providerId="LiveId" clId="{3C4A7AF4-6488-5041-B432-D36EF53163D3}" dt="2023-02-23T14:33:41.327" v="6919" actId="478"/>
+          <ac:spMkLst>
+            <pc:docMk/>
+            <pc:sldMk cId="383906436" sldId="2736"/>
+            <ac:spMk id="4" creationId="{3C988FB7-FCA7-1C11-558C-286915D478EB}"/>
+          </ac:spMkLst>
+        </pc:spChg>
+        <pc:spChg chg="del">
+          <ac:chgData name="Xin Luo" userId="82312ee5779919a4" providerId="LiveId" clId="{3C4A7AF4-6488-5041-B432-D36EF53163D3}" dt="2023-02-23T14:33:41.327" v="6919" actId="478"/>
+          <ac:spMkLst>
+            <pc:docMk/>
+            <pc:sldMk cId="383906436" sldId="2736"/>
+            <ac:spMk id="6" creationId="{7F081F01-398A-43C9-F4B4-7155679B9827}"/>
+          </ac:spMkLst>
+        </pc:spChg>
+        <pc:spChg chg="del">
+          <ac:chgData name="Xin Luo" userId="82312ee5779919a4" providerId="LiveId" clId="{3C4A7AF4-6488-5041-B432-D36EF53163D3}" dt="2023-02-23T14:33:41.327" v="6919" actId="478"/>
+          <ac:spMkLst>
+            <pc:docMk/>
+            <pc:sldMk cId="383906436" sldId="2736"/>
+            <ac:spMk id="17" creationId="{9E05FFCA-3371-AF5C-381D-71D984055F5A}"/>
           </ac:spMkLst>
         </pc:spChg>
       </pc:sldChg>
@@ -5456,286 +5456,6 @@
     </pc:docChg>
   </pc:docChgLst>
   <pc:docChgLst>
-    <pc:chgData name="Xin Luo" userId="82312ee5779919a4" providerId="LiveId" clId="{82BFAA31-791A-9843-976C-3AAFAA5AC07D}"/>
-    <pc:docChg chg="undo custSel addSld delSld modSld">
-      <pc:chgData name="Xin Luo" userId="82312ee5779919a4" providerId="LiveId" clId="{82BFAA31-791A-9843-976C-3AAFAA5AC07D}" dt="2023-02-24T13:20:14.840" v="2906" actId="404"/>
-      <pc:docMkLst>
-        <pc:docMk/>
-      </pc:docMkLst>
-      <pc:sldChg chg="addSp delSp modSp mod">
-        <pc:chgData name="Xin Luo" userId="82312ee5779919a4" providerId="LiveId" clId="{82BFAA31-791A-9843-976C-3AAFAA5AC07D}" dt="2023-02-24T08:49:58.378" v="580" actId="478"/>
-        <pc:sldMkLst>
-          <pc:docMk/>
-          <pc:sldMk cId="3833073590" sldId="2716"/>
-        </pc:sldMkLst>
-        <pc:spChg chg="mod">
-          <ac:chgData name="Xin Luo" userId="82312ee5779919a4" providerId="LiveId" clId="{82BFAA31-791A-9843-976C-3AAFAA5AC07D}" dt="2023-02-24T03:06:08.550" v="104" actId="20577"/>
-          <ac:spMkLst>
-            <pc:docMk/>
-            <pc:sldMk cId="3833073590" sldId="2716"/>
-            <ac:spMk id="2" creationId="{631AADB6-C88A-D817-4683-FC087E4E240F}"/>
-          </ac:spMkLst>
-        </pc:spChg>
-        <pc:spChg chg="del">
-          <ac:chgData name="Xin Luo" userId="82312ee5779919a4" providerId="LiveId" clId="{82BFAA31-791A-9843-976C-3AAFAA5AC07D}" dt="2023-02-24T03:02:42.862" v="33" actId="478"/>
-          <ac:spMkLst>
-            <pc:docMk/>
-            <pc:sldMk cId="3833073590" sldId="2716"/>
-            <ac:spMk id="5" creationId="{9F4AEA98-0C33-E82A-EB75-839D0F0B55A4}"/>
-          </ac:spMkLst>
-        </pc:spChg>
-        <pc:spChg chg="add mod">
-          <ac:chgData name="Xin Luo" userId="82312ee5779919a4" providerId="LiveId" clId="{82BFAA31-791A-9843-976C-3AAFAA5AC07D}" dt="2023-02-24T08:49:58.156" v="579" actId="14100"/>
-          <ac:spMkLst>
-            <pc:docMk/>
-            <pc:sldMk cId="3833073590" sldId="2716"/>
-            <ac:spMk id="6" creationId="{6741FEA2-C046-FD82-2800-2CB513792080}"/>
-          </ac:spMkLst>
-        </pc:spChg>
-        <pc:picChg chg="add del">
-          <ac:chgData name="Xin Luo" userId="82312ee5779919a4" providerId="LiveId" clId="{82BFAA31-791A-9843-976C-3AAFAA5AC07D}" dt="2023-02-24T03:02:42.862" v="33" actId="478"/>
-          <ac:picMkLst>
-            <pc:docMk/>
-            <pc:sldMk cId="3833073590" sldId="2716"/>
-            <ac:picMk id="1026" creationId="{37EB6838-2807-43B3-E78E-EF1353DBEC4D}"/>
-          </ac:picMkLst>
-        </pc:picChg>
-        <pc:picChg chg="add del mod">
-          <ac:chgData name="Xin Luo" userId="82312ee5779919a4" providerId="LiveId" clId="{82BFAA31-791A-9843-976C-3AAFAA5AC07D}" dt="2023-02-24T03:03:49.502" v="38" actId="478"/>
-          <ac:picMkLst>
-            <pc:docMk/>
-            <pc:sldMk cId="3833073590" sldId="2716"/>
-            <ac:picMk id="1028" creationId="{0060DCE3-4593-4CBE-2C1A-12A7D72C453A}"/>
-          </ac:picMkLst>
-        </pc:picChg>
-        <pc:picChg chg="add del mod">
-          <ac:chgData name="Xin Luo" userId="82312ee5779919a4" providerId="LiveId" clId="{82BFAA31-791A-9843-976C-3AAFAA5AC07D}" dt="2023-02-24T08:49:58.378" v="580" actId="478"/>
-          <ac:picMkLst>
-            <pc:docMk/>
-            <pc:sldMk cId="3833073590" sldId="2716"/>
-            <ac:picMk id="1030" creationId="{C93DB76E-C02F-05AC-2014-674F7E808ADA}"/>
-          </ac:picMkLst>
-        </pc:picChg>
-      </pc:sldChg>
-      <pc:sldChg chg="addSp delSp modSp mod">
-        <pc:chgData name="Xin Luo" userId="82312ee5779919a4" providerId="LiveId" clId="{82BFAA31-791A-9843-976C-3AAFAA5AC07D}" dt="2023-02-24T08:50:06.402" v="585" actId="20577"/>
-        <pc:sldMkLst>
-          <pc:docMk/>
-          <pc:sldMk cId="972163772" sldId="2720"/>
-        </pc:sldMkLst>
-        <pc:spChg chg="mod">
-          <ac:chgData name="Xin Luo" userId="82312ee5779919a4" providerId="LiveId" clId="{82BFAA31-791A-9843-976C-3AAFAA5AC07D}" dt="2023-02-24T08:50:06.402" v="585" actId="20577"/>
-          <ac:spMkLst>
-            <pc:docMk/>
-            <pc:sldMk cId="972163772" sldId="2720"/>
-            <ac:spMk id="7" creationId="{00000000-0000-0000-0000-000000000000}"/>
-          </ac:spMkLst>
-        </pc:spChg>
-        <pc:picChg chg="add del">
-          <ac:chgData name="Xin Luo" userId="82312ee5779919a4" providerId="LiveId" clId="{82BFAA31-791A-9843-976C-3AAFAA5AC07D}" dt="2023-02-24T08:47:42.881" v="485"/>
-          <ac:picMkLst>
-            <pc:docMk/>
-            <pc:sldMk cId="972163772" sldId="2720"/>
-            <ac:picMk id="3074" creationId="{C4128BB6-F8FE-667B-1E3D-38360E7E0C3C}"/>
-          </ac:picMkLst>
-        </pc:picChg>
-      </pc:sldChg>
-      <pc:sldChg chg="addSp delSp modSp mod">
-        <pc:chgData name="Xin Luo" userId="82312ee5779919a4" providerId="LiveId" clId="{82BFAA31-791A-9843-976C-3AAFAA5AC07D}" dt="2023-02-24T13:00:34.955" v="2586" actId="1036"/>
-        <pc:sldMkLst>
-          <pc:docMk/>
-          <pc:sldMk cId="2689695864" sldId="2721"/>
-        </pc:sldMkLst>
-        <pc:spChg chg="mod">
-          <ac:chgData name="Xin Luo" userId="82312ee5779919a4" providerId="LiveId" clId="{82BFAA31-791A-9843-976C-3AAFAA5AC07D}" dt="2023-02-24T13:00:34.955" v="2586" actId="1036"/>
-          <ac:spMkLst>
-            <pc:docMk/>
-            <pc:sldMk cId="2689695864" sldId="2721"/>
-            <ac:spMk id="2" creationId="{631AADB6-C88A-D817-4683-FC087E4E240F}"/>
-          </ac:spMkLst>
-        </pc:spChg>
-        <pc:spChg chg="mod">
-          <ac:chgData name="Xin Luo" userId="82312ee5779919a4" providerId="LiveId" clId="{82BFAA31-791A-9843-976C-3AAFAA5AC07D}" dt="2023-02-24T08:50:21.921" v="586"/>
-          <ac:spMkLst>
-            <pc:docMk/>
-            <pc:sldMk cId="2689695864" sldId="2721"/>
-            <ac:spMk id="3" creationId="{00000000-0000-0000-0000-000000000000}"/>
-          </ac:spMkLst>
-        </pc:spChg>
-        <pc:spChg chg="add del mod">
-          <ac:chgData name="Xin Luo" userId="82312ee5779919a4" providerId="LiveId" clId="{82BFAA31-791A-9843-976C-3AAFAA5AC07D}" dt="2023-02-24T12:38:43.360" v="1999" actId="478"/>
-          <ac:spMkLst>
-            <pc:docMk/>
-            <pc:sldMk cId="2689695864" sldId="2721"/>
-            <ac:spMk id="5" creationId="{D45B97A4-ED20-7E18-1BEF-4A81710B7783}"/>
-          </ac:spMkLst>
-        </pc:spChg>
-        <pc:spChg chg="mod">
-          <ac:chgData name="Xin Luo" userId="82312ee5779919a4" providerId="LiveId" clId="{82BFAA31-791A-9843-976C-3AAFAA5AC07D}" dt="2023-02-24T13:00:31.975" v="2582" actId="1036"/>
-          <ac:spMkLst>
-            <pc:docMk/>
-            <pc:sldMk cId="2689695864" sldId="2721"/>
-            <ac:spMk id="17" creationId="{9E05FFCA-3371-AF5C-381D-71D984055F5A}"/>
-          </ac:spMkLst>
-        </pc:spChg>
-      </pc:sldChg>
-      <pc:sldChg chg="modSp mod">
-        <pc:chgData name="Xin Luo" userId="82312ee5779919a4" providerId="LiveId" clId="{82BFAA31-791A-9843-976C-3AAFAA5AC07D}" dt="2023-02-24T13:19:35.601" v="2898" actId="20577"/>
-        <pc:sldMkLst>
-          <pc:docMk/>
-          <pc:sldMk cId="1209572041" sldId="2722"/>
-        </pc:sldMkLst>
-        <pc:spChg chg="mod">
-          <ac:chgData name="Xin Luo" userId="82312ee5779919a4" providerId="LiveId" clId="{82BFAA31-791A-9843-976C-3AAFAA5AC07D}" dt="2023-02-24T13:19:35.601" v="2898" actId="20577"/>
-          <ac:spMkLst>
-            <pc:docMk/>
-            <pc:sldMk cId="1209572041" sldId="2722"/>
-            <ac:spMk id="13" creationId="{303BC878-BC57-D350-27A3-F03AE48213AC}"/>
-          </ac:spMkLst>
-        </pc:spChg>
-      </pc:sldChg>
-      <pc:sldChg chg="addSp delSp modSp add mod">
-        <pc:chgData name="Xin Luo" userId="82312ee5779919a4" providerId="LiveId" clId="{82BFAA31-791A-9843-976C-3AAFAA5AC07D}" dt="2023-02-24T13:20:14.840" v="2906" actId="404"/>
-        <pc:sldMkLst>
-          <pc:docMk/>
-          <pc:sldMk cId="4156684215" sldId="2738"/>
-        </pc:sldMkLst>
-        <pc:spChg chg="mod">
-          <ac:chgData name="Xin Luo" userId="82312ee5779919a4" providerId="LiveId" clId="{82BFAA31-791A-9843-976C-3AAFAA5AC07D}" dt="2023-02-24T07:02:55.789" v="157" actId="20577"/>
-          <ac:spMkLst>
-            <pc:docMk/>
-            <pc:sldMk cId="4156684215" sldId="2738"/>
-            <ac:spMk id="2" creationId="{631AADB6-C88A-D817-4683-FC087E4E240F}"/>
-          </ac:spMkLst>
-        </pc:spChg>
-        <pc:spChg chg="add del mod">
-          <ac:chgData name="Xin Luo" userId="82312ee5779919a4" providerId="LiveId" clId="{82BFAA31-791A-9843-976C-3AAFAA5AC07D}" dt="2023-02-24T13:20:14.840" v="2906" actId="404"/>
-          <ac:spMkLst>
-            <pc:docMk/>
-            <pc:sldMk cId="4156684215" sldId="2738"/>
-            <ac:spMk id="6" creationId="{6741FEA2-C046-FD82-2800-2CB513792080}"/>
-          </ac:spMkLst>
-        </pc:spChg>
-        <pc:picChg chg="del mod">
-          <ac:chgData name="Xin Luo" userId="82312ee5779919a4" providerId="LiveId" clId="{82BFAA31-791A-9843-976C-3AAFAA5AC07D}" dt="2023-02-24T07:03:01.663" v="158" actId="478"/>
-          <ac:picMkLst>
-            <pc:docMk/>
-            <pc:sldMk cId="4156684215" sldId="2738"/>
-            <ac:picMk id="1030" creationId="{C93DB76E-C02F-05AC-2014-674F7E808ADA}"/>
-          </ac:picMkLst>
-        </pc:picChg>
-        <pc:picChg chg="add del mod">
-          <ac:chgData name="Xin Luo" userId="82312ee5779919a4" providerId="LiveId" clId="{82BFAA31-791A-9843-976C-3AAFAA5AC07D}" dt="2023-02-24T13:20:06.575" v="2903" actId="1076"/>
-          <ac:picMkLst>
-            <pc:docMk/>
-            <pc:sldMk cId="4156684215" sldId="2738"/>
-            <ac:picMk id="2050" creationId="{324F0AC4-07BA-4B3E-1A6B-D49FF0B87AC4}"/>
-          </ac:picMkLst>
-        </pc:picChg>
-      </pc:sldChg>
-      <pc:sldChg chg="delSp modSp add mod">
-        <pc:chgData name="Xin Luo" userId="82312ee5779919a4" providerId="LiveId" clId="{82BFAA31-791A-9843-976C-3AAFAA5AC07D}" dt="2023-02-24T12:59:25.971" v="2504" actId="20577"/>
-        <pc:sldMkLst>
-          <pc:docMk/>
-          <pc:sldMk cId="2776132283" sldId="2739"/>
-        </pc:sldMkLst>
-        <pc:spChg chg="mod">
-          <ac:chgData name="Xin Luo" userId="82312ee5779919a4" providerId="LiveId" clId="{82BFAA31-791A-9843-976C-3AAFAA5AC07D}" dt="2023-02-24T12:39:05.574" v="2002" actId="1076"/>
-          <ac:spMkLst>
-            <pc:docMk/>
-            <pc:sldMk cId="2776132283" sldId="2739"/>
-            <ac:spMk id="2" creationId="{631AADB6-C88A-D817-4683-FC087E4E240F}"/>
-          </ac:spMkLst>
-        </pc:spChg>
-        <pc:spChg chg="mod">
-          <ac:chgData name="Xin Luo" userId="82312ee5779919a4" providerId="LiveId" clId="{82BFAA31-791A-9843-976C-3AAFAA5AC07D}" dt="2023-02-24T12:59:25.971" v="2504" actId="20577"/>
-          <ac:spMkLst>
-            <pc:docMk/>
-            <pc:sldMk cId="2776132283" sldId="2739"/>
-            <ac:spMk id="6" creationId="{6741FEA2-C046-FD82-2800-2CB513792080}"/>
-          </ac:spMkLst>
-        </pc:spChg>
-        <pc:picChg chg="del">
-          <ac:chgData name="Xin Luo" userId="82312ee5779919a4" providerId="LiveId" clId="{82BFAA31-791A-9843-976C-3AAFAA5AC07D}" dt="2023-02-24T09:02:09.130" v="665" actId="478"/>
-          <ac:picMkLst>
-            <pc:docMk/>
-            <pc:sldMk cId="2776132283" sldId="2739"/>
-            <ac:picMk id="2050" creationId="{324F0AC4-07BA-4B3E-1A6B-D49FF0B87AC4}"/>
-          </ac:picMkLst>
-        </pc:picChg>
-      </pc:sldChg>
-      <pc:sldChg chg="delSp modSp add mod">
-        <pc:chgData name="Xin Luo" userId="82312ee5779919a4" providerId="LiveId" clId="{82BFAA31-791A-9843-976C-3AAFAA5AC07D}" dt="2023-02-24T12:42:54.354" v="2196" actId="20577"/>
-        <pc:sldMkLst>
-          <pc:docMk/>
-          <pc:sldMk cId="2510358707" sldId="2740"/>
-        </pc:sldMkLst>
-        <pc:spChg chg="mod">
-          <ac:chgData name="Xin Luo" userId="82312ee5779919a4" providerId="LiveId" clId="{82BFAA31-791A-9843-976C-3AAFAA5AC07D}" dt="2023-02-24T12:39:15.147" v="2006" actId="20577"/>
-          <ac:spMkLst>
-            <pc:docMk/>
-            <pc:sldMk cId="2510358707" sldId="2740"/>
-            <ac:spMk id="2" creationId="{631AADB6-C88A-D817-4683-FC087E4E240F}"/>
-          </ac:spMkLst>
-        </pc:spChg>
-        <pc:spChg chg="del mod">
-          <ac:chgData name="Xin Luo" userId="82312ee5779919a4" providerId="LiveId" clId="{82BFAA31-791A-9843-976C-3AAFAA5AC07D}" dt="2023-02-24T12:26:37.033" v="1934" actId="478"/>
-          <ac:spMkLst>
-            <pc:docMk/>
-            <pc:sldMk cId="2510358707" sldId="2740"/>
-            <ac:spMk id="5" creationId="{D45B97A4-ED20-7E18-1BEF-4A81710B7783}"/>
-          </ac:spMkLst>
-        </pc:spChg>
-        <pc:spChg chg="mod">
-          <ac:chgData name="Xin Luo" userId="82312ee5779919a4" providerId="LiveId" clId="{82BFAA31-791A-9843-976C-3AAFAA5AC07D}" dt="2023-02-24T12:42:54.354" v="2196" actId="20577"/>
-          <ac:spMkLst>
-            <pc:docMk/>
-            <pc:sldMk cId="2510358707" sldId="2740"/>
-            <ac:spMk id="17" creationId="{9E05FFCA-3371-AF5C-381D-71D984055F5A}"/>
-          </ac:spMkLst>
-        </pc:spChg>
-      </pc:sldChg>
-      <pc:sldChg chg="add del">
-        <pc:chgData name="Xin Luo" userId="82312ee5779919a4" providerId="LiveId" clId="{82BFAA31-791A-9843-976C-3AAFAA5AC07D}" dt="2023-02-24T12:26:24.988" v="1931"/>
-        <pc:sldMkLst>
-          <pc:docMk/>
-          <pc:sldMk cId="2028886328" sldId="2741"/>
-        </pc:sldMkLst>
-      </pc:sldChg>
-      <pc:sldChg chg="modSp add mod">
-        <pc:chgData name="Xin Luo" userId="82312ee5779919a4" providerId="LiveId" clId="{82BFAA31-791A-9843-976C-3AAFAA5AC07D}" dt="2023-02-24T13:00:24.884" v="2578" actId="20577"/>
-        <pc:sldMkLst>
-          <pc:docMk/>
-          <pc:sldMk cId="2476237792" sldId="2741"/>
-        </pc:sldMkLst>
-        <pc:spChg chg="mod">
-          <ac:chgData name="Xin Luo" userId="82312ee5779919a4" providerId="LiveId" clId="{82BFAA31-791A-9843-976C-3AAFAA5AC07D}" dt="2023-02-24T12:59:34.011" v="2511" actId="20577"/>
-          <ac:spMkLst>
-            <pc:docMk/>
-            <pc:sldMk cId="2476237792" sldId="2741"/>
-            <ac:spMk id="2" creationId="{631AADB6-C88A-D817-4683-FC087E4E240F}"/>
-          </ac:spMkLst>
-        </pc:spChg>
-        <pc:spChg chg="mod">
-          <ac:chgData name="Xin Luo" userId="82312ee5779919a4" providerId="LiveId" clId="{82BFAA31-791A-9843-976C-3AAFAA5AC07D}" dt="2023-02-24T12:39:25.368" v="2008"/>
-          <ac:spMkLst>
-            <pc:docMk/>
-            <pc:sldMk cId="2476237792" sldId="2741"/>
-            <ac:spMk id="3" creationId="{00000000-0000-0000-0000-000000000000}"/>
-          </ac:spMkLst>
-        </pc:spChg>
-        <pc:spChg chg="mod">
-          <ac:chgData name="Xin Luo" userId="82312ee5779919a4" providerId="LiveId" clId="{82BFAA31-791A-9843-976C-3AAFAA5AC07D}" dt="2023-02-24T13:00:24.884" v="2578" actId="20577"/>
-          <ac:spMkLst>
-            <pc:docMk/>
-            <pc:sldMk cId="2476237792" sldId="2741"/>
-            <ac:spMk id="6" creationId="{6741FEA2-C046-FD82-2800-2CB513792080}"/>
-          </ac:spMkLst>
-        </pc:spChg>
-      </pc:sldChg>
-    </pc:docChg>
-  </pc:docChgLst>
-  <pc:docChgLst>
     <pc:chgData name="Xin Luo" userId="82312ee5779919a4" providerId="LiveId" clId="{4DB6C473-8E57-A543-81F7-48BE109E8C13}"/>
     <pc:docChg chg="undo custSel addSld delSld modSld sldOrd delMainMaster">
       <pc:chgData name="Xin Luo" userId="82312ee5779919a4" providerId="LiveId" clId="{4DB6C473-8E57-A543-81F7-48BE109E8C13}" dt="2023-02-21T15:10:04.498" v="5724" actId="108"/>
@@ -6801,6 +6521,286 @@
           </pc:sldLayoutMkLst>
         </pc:sldLayoutChg>
       </pc:sldMasterChg>
+    </pc:docChg>
+  </pc:docChgLst>
+  <pc:docChgLst>
+    <pc:chgData name="Xin Luo" userId="82312ee5779919a4" providerId="LiveId" clId="{82BFAA31-791A-9843-976C-3AAFAA5AC07D}"/>
+    <pc:docChg chg="undo custSel addSld delSld modSld">
+      <pc:chgData name="Xin Luo" userId="82312ee5779919a4" providerId="LiveId" clId="{82BFAA31-791A-9843-976C-3AAFAA5AC07D}" dt="2023-02-24T13:20:14.840" v="2906" actId="404"/>
+      <pc:docMkLst>
+        <pc:docMk/>
+      </pc:docMkLst>
+      <pc:sldChg chg="addSp delSp modSp mod">
+        <pc:chgData name="Xin Luo" userId="82312ee5779919a4" providerId="LiveId" clId="{82BFAA31-791A-9843-976C-3AAFAA5AC07D}" dt="2023-02-24T08:49:58.378" v="580" actId="478"/>
+        <pc:sldMkLst>
+          <pc:docMk/>
+          <pc:sldMk cId="3833073590" sldId="2716"/>
+        </pc:sldMkLst>
+        <pc:spChg chg="mod">
+          <ac:chgData name="Xin Luo" userId="82312ee5779919a4" providerId="LiveId" clId="{82BFAA31-791A-9843-976C-3AAFAA5AC07D}" dt="2023-02-24T03:06:08.550" v="104" actId="20577"/>
+          <ac:spMkLst>
+            <pc:docMk/>
+            <pc:sldMk cId="3833073590" sldId="2716"/>
+            <ac:spMk id="2" creationId="{631AADB6-C88A-D817-4683-FC087E4E240F}"/>
+          </ac:spMkLst>
+        </pc:spChg>
+        <pc:spChg chg="del">
+          <ac:chgData name="Xin Luo" userId="82312ee5779919a4" providerId="LiveId" clId="{82BFAA31-791A-9843-976C-3AAFAA5AC07D}" dt="2023-02-24T03:02:42.862" v="33" actId="478"/>
+          <ac:spMkLst>
+            <pc:docMk/>
+            <pc:sldMk cId="3833073590" sldId="2716"/>
+            <ac:spMk id="5" creationId="{9F4AEA98-0C33-E82A-EB75-839D0F0B55A4}"/>
+          </ac:spMkLst>
+        </pc:spChg>
+        <pc:spChg chg="add mod">
+          <ac:chgData name="Xin Luo" userId="82312ee5779919a4" providerId="LiveId" clId="{82BFAA31-791A-9843-976C-3AAFAA5AC07D}" dt="2023-02-24T08:49:58.156" v="579" actId="14100"/>
+          <ac:spMkLst>
+            <pc:docMk/>
+            <pc:sldMk cId="3833073590" sldId="2716"/>
+            <ac:spMk id="6" creationId="{6741FEA2-C046-FD82-2800-2CB513792080}"/>
+          </ac:spMkLst>
+        </pc:spChg>
+        <pc:picChg chg="add del">
+          <ac:chgData name="Xin Luo" userId="82312ee5779919a4" providerId="LiveId" clId="{82BFAA31-791A-9843-976C-3AAFAA5AC07D}" dt="2023-02-24T03:02:42.862" v="33" actId="478"/>
+          <ac:picMkLst>
+            <pc:docMk/>
+            <pc:sldMk cId="3833073590" sldId="2716"/>
+            <ac:picMk id="1026" creationId="{37EB6838-2807-43B3-E78E-EF1353DBEC4D}"/>
+          </ac:picMkLst>
+        </pc:picChg>
+        <pc:picChg chg="add del mod">
+          <ac:chgData name="Xin Luo" userId="82312ee5779919a4" providerId="LiveId" clId="{82BFAA31-791A-9843-976C-3AAFAA5AC07D}" dt="2023-02-24T03:03:49.502" v="38" actId="478"/>
+          <ac:picMkLst>
+            <pc:docMk/>
+            <pc:sldMk cId="3833073590" sldId="2716"/>
+            <ac:picMk id="1028" creationId="{0060DCE3-4593-4CBE-2C1A-12A7D72C453A}"/>
+          </ac:picMkLst>
+        </pc:picChg>
+        <pc:picChg chg="add del mod">
+          <ac:chgData name="Xin Luo" userId="82312ee5779919a4" providerId="LiveId" clId="{82BFAA31-791A-9843-976C-3AAFAA5AC07D}" dt="2023-02-24T08:49:58.378" v="580" actId="478"/>
+          <ac:picMkLst>
+            <pc:docMk/>
+            <pc:sldMk cId="3833073590" sldId="2716"/>
+            <ac:picMk id="1030" creationId="{C93DB76E-C02F-05AC-2014-674F7E808ADA}"/>
+          </ac:picMkLst>
+        </pc:picChg>
+      </pc:sldChg>
+      <pc:sldChg chg="addSp delSp modSp mod">
+        <pc:chgData name="Xin Luo" userId="82312ee5779919a4" providerId="LiveId" clId="{82BFAA31-791A-9843-976C-3AAFAA5AC07D}" dt="2023-02-24T08:50:06.402" v="585" actId="20577"/>
+        <pc:sldMkLst>
+          <pc:docMk/>
+          <pc:sldMk cId="972163772" sldId="2720"/>
+        </pc:sldMkLst>
+        <pc:spChg chg="mod">
+          <ac:chgData name="Xin Luo" userId="82312ee5779919a4" providerId="LiveId" clId="{82BFAA31-791A-9843-976C-3AAFAA5AC07D}" dt="2023-02-24T08:50:06.402" v="585" actId="20577"/>
+          <ac:spMkLst>
+            <pc:docMk/>
+            <pc:sldMk cId="972163772" sldId="2720"/>
+            <ac:spMk id="7" creationId="{00000000-0000-0000-0000-000000000000}"/>
+          </ac:spMkLst>
+        </pc:spChg>
+        <pc:picChg chg="add del">
+          <ac:chgData name="Xin Luo" userId="82312ee5779919a4" providerId="LiveId" clId="{82BFAA31-791A-9843-976C-3AAFAA5AC07D}" dt="2023-02-24T08:47:42.881" v="485"/>
+          <ac:picMkLst>
+            <pc:docMk/>
+            <pc:sldMk cId="972163772" sldId="2720"/>
+            <ac:picMk id="3074" creationId="{C4128BB6-F8FE-667B-1E3D-38360E7E0C3C}"/>
+          </ac:picMkLst>
+        </pc:picChg>
+      </pc:sldChg>
+      <pc:sldChg chg="addSp delSp modSp mod">
+        <pc:chgData name="Xin Luo" userId="82312ee5779919a4" providerId="LiveId" clId="{82BFAA31-791A-9843-976C-3AAFAA5AC07D}" dt="2023-02-24T13:00:34.955" v="2586" actId="1036"/>
+        <pc:sldMkLst>
+          <pc:docMk/>
+          <pc:sldMk cId="2689695864" sldId="2721"/>
+        </pc:sldMkLst>
+        <pc:spChg chg="mod">
+          <ac:chgData name="Xin Luo" userId="82312ee5779919a4" providerId="LiveId" clId="{82BFAA31-791A-9843-976C-3AAFAA5AC07D}" dt="2023-02-24T13:00:34.955" v="2586" actId="1036"/>
+          <ac:spMkLst>
+            <pc:docMk/>
+            <pc:sldMk cId="2689695864" sldId="2721"/>
+            <ac:spMk id="2" creationId="{631AADB6-C88A-D817-4683-FC087E4E240F}"/>
+          </ac:spMkLst>
+        </pc:spChg>
+        <pc:spChg chg="mod">
+          <ac:chgData name="Xin Luo" userId="82312ee5779919a4" providerId="LiveId" clId="{82BFAA31-791A-9843-976C-3AAFAA5AC07D}" dt="2023-02-24T08:50:21.921" v="586"/>
+          <ac:spMkLst>
+            <pc:docMk/>
+            <pc:sldMk cId="2689695864" sldId="2721"/>
+            <ac:spMk id="3" creationId="{00000000-0000-0000-0000-000000000000}"/>
+          </ac:spMkLst>
+        </pc:spChg>
+        <pc:spChg chg="add del mod">
+          <ac:chgData name="Xin Luo" userId="82312ee5779919a4" providerId="LiveId" clId="{82BFAA31-791A-9843-976C-3AAFAA5AC07D}" dt="2023-02-24T12:38:43.360" v="1999" actId="478"/>
+          <ac:spMkLst>
+            <pc:docMk/>
+            <pc:sldMk cId="2689695864" sldId="2721"/>
+            <ac:spMk id="5" creationId="{D45B97A4-ED20-7E18-1BEF-4A81710B7783}"/>
+          </ac:spMkLst>
+        </pc:spChg>
+        <pc:spChg chg="mod">
+          <ac:chgData name="Xin Luo" userId="82312ee5779919a4" providerId="LiveId" clId="{82BFAA31-791A-9843-976C-3AAFAA5AC07D}" dt="2023-02-24T13:00:31.975" v="2582" actId="1036"/>
+          <ac:spMkLst>
+            <pc:docMk/>
+            <pc:sldMk cId="2689695864" sldId="2721"/>
+            <ac:spMk id="17" creationId="{9E05FFCA-3371-AF5C-381D-71D984055F5A}"/>
+          </ac:spMkLst>
+        </pc:spChg>
+      </pc:sldChg>
+      <pc:sldChg chg="modSp mod">
+        <pc:chgData name="Xin Luo" userId="82312ee5779919a4" providerId="LiveId" clId="{82BFAA31-791A-9843-976C-3AAFAA5AC07D}" dt="2023-02-24T13:19:35.601" v="2898" actId="20577"/>
+        <pc:sldMkLst>
+          <pc:docMk/>
+          <pc:sldMk cId="1209572041" sldId="2722"/>
+        </pc:sldMkLst>
+        <pc:spChg chg="mod">
+          <ac:chgData name="Xin Luo" userId="82312ee5779919a4" providerId="LiveId" clId="{82BFAA31-791A-9843-976C-3AAFAA5AC07D}" dt="2023-02-24T13:19:35.601" v="2898" actId="20577"/>
+          <ac:spMkLst>
+            <pc:docMk/>
+            <pc:sldMk cId="1209572041" sldId="2722"/>
+            <ac:spMk id="13" creationId="{303BC878-BC57-D350-27A3-F03AE48213AC}"/>
+          </ac:spMkLst>
+        </pc:spChg>
+      </pc:sldChg>
+      <pc:sldChg chg="addSp delSp modSp add mod">
+        <pc:chgData name="Xin Luo" userId="82312ee5779919a4" providerId="LiveId" clId="{82BFAA31-791A-9843-976C-3AAFAA5AC07D}" dt="2023-02-24T13:20:14.840" v="2906" actId="404"/>
+        <pc:sldMkLst>
+          <pc:docMk/>
+          <pc:sldMk cId="4156684215" sldId="2738"/>
+        </pc:sldMkLst>
+        <pc:spChg chg="mod">
+          <ac:chgData name="Xin Luo" userId="82312ee5779919a4" providerId="LiveId" clId="{82BFAA31-791A-9843-976C-3AAFAA5AC07D}" dt="2023-02-24T07:02:55.789" v="157" actId="20577"/>
+          <ac:spMkLst>
+            <pc:docMk/>
+            <pc:sldMk cId="4156684215" sldId="2738"/>
+            <ac:spMk id="2" creationId="{631AADB6-C88A-D817-4683-FC087E4E240F}"/>
+          </ac:spMkLst>
+        </pc:spChg>
+        <pc:spChg chg="add del mod">
+          <ac:chgData name="Xin Luo" userId="82312ee5779919a4" providerId="LiveId" clId="{82BFAA31-791A-9843-976C-3AAFAA5AC07D}" dt="2023-02-24T13:20:14.840" v="2906" actId="404"/>
+          <ac:spMkLst>
+            <pc:docMk/>
+            <pc:sldMk cId="4156684215" sldId="2738"/>
+            <ac:spMk id="6" creationId="{6741FEA2-C046-FD82-2800-2CB513792080}"/>
+          </ac:spMkLst>
+        </pc:spChg>
+        <pc:picChg chg="del mod">
+          <ac:chgData name="Xin Luo" userId="82312ee5779919a4" providerId="LiveId" clId="{82BFAA31-791A-9843-976C-3AAFAA5AC07D}" dt="2023-02-24T07:03:01.663" v="158" actId="478"/>
+          <ac:picMkLst>
+            <pc:docMk/>
+            <pc:sldMk cId="4156684215" sldId="2738"/>
+            <ac:picMk id="1030" creationId="{C93DB76E-C02F-05AC-2014-674F7E808ADA}"/>
+          </ac:picMkLst>
+        </pc:picChg>
+        <pc:picChg chg="add del mod">
+          <ac:chgData name="Xin Luo" userId="82312ee5779919a4" providerId="LiveId" clId="{82BFAA31-791A-9843-976C-3AAFAA5AC07D}" dt="2023-02-24T13:20:06.575" v="2903" actId="1076"/>
+          <ac:picMkLst>
+            <pc:docMk/>
+            <pc:sldMk cId="4156684215" sldId="2738"/>
+            <ac:picMk id="2050" creationId="{324F0AC4-07BA-4B3E-1A6B-D49FF0B87AC4}"/>
+          </ac:picMkLst>
+        </pc:picChg>
+      </pc:sldChg>
+      <pc:sldChg chg="delSp modSp add mod">
+        <pc:chgData name="Xin Luo" userId="82312ee5779919a4" providerId="LiveId" clId="{82BFAA31-791A-9843-976C-3AAFAA5AC07D}" dt="2023-02-24T12:59:25.971" v="2504" actId="20577"/>
+        <pc:sldMkLst>
+          <pc:docMk/>
+          <pc:sldMk cId="2776132283" sldId="2739"/>
+        </pc:sldMkLst>
+        <pc:spChg chg="mod">
+          <ac:chgData name="Xin Luo" userId="82312ee5779919a4" providerId="LiveId" clId="{82BFAA31-791A-9843-976C-3AAFAA5AC07D}" dt="2023-02-24T12:39:05.574" v="2002" actId="1076"/>
+          <ac:spMkLst>
+            <pc:docMk/>
+            <pc:sldMk cId="2776132283" sldId="2739"/>
+            <ac:spMk id="2" creationId="{631AADB6-C88A-D817-4683-FC087E4E240F}"/>
+          </ac:spMkLst>
+        </pc:spChg>
+        <pc:spChg chg="mod">
+          <ac:chgData name="Xin Luo" userId="82312ee5779919a4" providerId="LiveId" clId="{82BFAA31-791A-9843-976C-3AAFAA5AC07D}" dt="2023-02-24T12:59:25.971" v="2504" actId="20577"/>
+          <ac:spMkLst>
+            <pc:docMk/>
+            <pc:sldMk cId="2776132283" sldId="2739"/>
+            <ac:spMk id="6" creationId="{6741FEA2-C046-FD82-2800-2CB513792080}"/>
+          </ac:spMkLst>
+        </pc:spChg>
+        <pc:picChg chg="del">
+          <ac:chgData name="Xin Luo" userId="82312ee5779919a4" providerId="LiveId" clId="{82BFAA31-791A-9843-976C-3AAFAA5AC07D}" dt="2023-02-24T09:02:09.130" v="665" actId="478"/>
+          <ac:picMkLst>
+            <pc:docMk/>
+            <pc:sldMk cId="2776132283" sldId="2739"/>
+            <ac:picMk id="2050" creationId="{324F0AC4-07BA-4B3E-1A6B-D49FF0B87AC4}"/>
+          </ac:picMkLst>
+        </pc:picChg>
+      </pc:sldChg>
+      <pc:sldChg chg="delSp modSp add mod">
+        <pc:chgData name="Xin Luo" userId="82312ee5779919a4" providerId="LiveId" clId="{82BFAA31-791A-9843-976C-3AAFAA5AC07D}" dt="2023-02-24T12:42:54.354" v="2196" actId="20577"/>
+        <pc:sldMkLst>
+          <pc:docMk/>
+          <pc:sldMk cId="2510358707" sldId="2740"/>
+        </pc:sldMkLst>
+        <pc:spChg chg="mod">
+          <ac:chgData name="Xin Luo" userId="82312ee5779919a4" providerId="LiveId" clId="{82BFAA31-791A-9843-976C-3AAFAA5AC07D}" dt="2023-02-24T12:39:15.147" v="2006" actId="20577"/>
+          <ac:spMkLst>
+            <pc:docMk/>
+            <pc:sldMk cId="2510358707" sldId="2740"/>
+            <ac:spMk id="2" creationId="{631AADB6-C88A-D817-4683-FC087E4E240F}"/>
+          </ac:spMkLst>
+        </pc:spChg>
+        <pc:spChg chg="del mod">
+          <ac:chgData name="Xin Luo" userId="82312ee5779919a4" providerId="LiveId" clId="{82BFAA31-791A-9843-976C-3AAFAA5AC07D}" dt="2023-02-24T12:26:37.033" v="1934" actId="478"/>
+          <ac:spMkLst>
+            <pc:docMk/>
+            <pc:sldMk cId="2510358707" sldId="2740"/>
+            <ac:spMk id="5" creationId="{D45B97A4-ED20-7E18-1BEF-4A81710B7783}"/>
+          </ac:spMkLst>
+        </pc:spChg>
+        <pc:spChg chg="mod">
+          <ac:chgData name="Xin Luo" userId="82312ee5779919a4" providerId="LiveId" clId="{82BFAA31-791A-9843-976C-3AAFAA5AC07D}" dt="2023-02-24T12:42:54.354" v="2196" actId="20577"/>
+          <ac:spMkLst>
+            <pc:docMk/>
+            <pc:sldMk cId="2510358707" sldId="2740"/>
+            <ac:spMk id="17" creationId="{9E05FFCA-3371-AF5C-381D-71D984055F5A}"/>
+          </ac:spMkLst>
+        </pc:spChg>
+      </pc:sldChg>
+      <pc:sldChg chg="add del">
+        <pc:chgData name="Xin Luo" userId="82312ee5779919a4" providerId="LiveId" clId="{82BFAA31-791A-9843-976C-3AAFAA5AC07D}" dt="2023-02-24T12:26:24.988" v="1931"/>
+        <pc:sldMkLst>
+          <pc:docMk/>
+          <pc:sldMk cId="2028886328" sldId="2741"/>
+        </pc:sldMkLst>
+      </pc:sldChg>
+      <pc:sldChg chg="modSp add mod">
+        <pc:chgData name="Xin Luo" userId="82312ee5779919a4" providerId="LiveId" clId="{82BFAA31-791A-9843-976C-3AAFAA5AC07D}" dt="2023-02-24T13:00:24.884" v="2578" actId="20577"/>
+        <pc:sldMkLst>
+          <pc:docMk/>
+          <pc:sldMk cId="2476237792" sldId="2741"/>
+        </pc:sldMkLst>
+        <pc:spChg chg="mod">
+          <ac:chgData name="Xin Luo" userId="82312ee5779919a4" providerId="LiveId" clId="{82BFAA31-791A-9843-976C-3AAFAA5AC07D}" dt="2023-02-24T12:59:34.011" v="2511" actId="20577"/>
+          <ac:spMkLst>
+            <pc:docMk/>
+            <pc:sldMk cId="2476237792" sldId="2741"/>
+            <ac:spMk id="2" creationId="{631AADB6-C88A-D817-4683-FC087E4E240F}"/>
+          </ac:spMkLst>
+        </pc:spChg>
+        <pc:spChg chg="mod">
+          <ac:chgData name="Xin Luo" userId="82312ee5779919a4" providerId="LiveId" clId="{82BFAA31-791A-9843-976C-3AAFAA5AC07D}" dt="2023-02-24T12:39:25.368" v="2008"/>
+          <ac:spMkLst>
+            <pc:docMk/>
+            <pc:sldMk cId="2476237792" sldId="2741"/>
+            <ac:spMk id="3" creationId="{00000000-0000-0000-0000-000000000000}"/>
+          </ac:spMkLst>
+        </pc:spChg>
+        <pc:spChg chg="mod">
+          <ac:chgData name="Xin Luo" userId="82312ee5779919a4" providerId="LiveId" clId="{82BFAA31-791A-9843-976C-3AAFAA5AC07D}" dt="2023-02-24T13:00:24.884" v="2578" actId="20577"/>
+          <ac:spMkLst>
+            <pc:docMk/>
+            <pc:sldMk cId="2476237792" sldId="2741"/>
+            <ac:spMk id="6" creationId="{6741FEA2-C046-FD82-2800-2CB513792080}"/>
+          </ac:spMkLst>
+        </pc:spChg>
+      </pc:sldChg>
     </pc:docChg>
   </pc:docChgLst>
 </pc:chgInfo>
@@ -7213,7 +7213,7 @@
               </a14:hiddenFill>
             </a:ext>
             <a:ext uri="{FAA26D3D-D897-4be2-8F04-BA451C77F1D7}">
-              <ma14:placeholderFlag xmlns:ma14="http://schemas.microsoft.com/office/mac/drawingml/2011/main" xmlns="" val="1"/>
+              <ma14:placeholderFlag xmlns="" xmlns:ma14="http://schemas.microsoft.com/office/mac/drawingml/2011/main" val="1"/>
             </a:ext>
           </a:extLst>
         </p:spPr>
@@ -7597,7 +7597,7 @@
               </a14:hiddenLine>
             </a:ext>
             <a:ext uri="{FAA26D3D-D897-4be2-8F04-BA451C77F1D7}">
-              <ma14:placeholderFlag xmlns:ma14="http://schemas.microsoft.com/office/mac/drawingml/2011/main" xmlns="" val="1"/>
+              <ma14:placeholderFlag xmlns="" xmlns:ma14="http://schemas.microsoft.com/office/mac/drawingml/2011/main" val="1"/>
             </a:ext>
           </a:extLst>
         </p:spPr>
@@ -10164,7 +10164,7 @@
               </a14:hiddenLine>
             </a:ext>
             <a:ext uri="{FAA26D3D-D897-4be2-8F04-BA451C77F1D7}">
-              <ma14:placeholderFlag xmlns:ma14="http://schemas.microsoft.com/office/mac/drawingml/2011/main" xmlns="" val="1"/>
+              <ma14:placeholderFlag xmlns="" xmlns:ma14="http://schemas.microsoft.com/office/mac/drawingml/2011/main" val="1"/>
             </a:ext>
           </a:extLst>
         </p:spPr>
@@ -13855,7 +13855,7 @@
               </a14:hiddenLine>
             </a:ext>
             <a:ext uri="{FAA26D3D-D897-4be2-8F04-BA451C77F1D7}">
-              <ma14:placeholderFlag xmlns:ma14="http://schemas.microsoft.com/office/mac/drawingml/2011/main" xmlns="" val="1"/>
+              <ma14:placeholderFlag xmlns="" xmlns:ma14="http://schemas.microsoft.com/office/mac/drawingml/2011/main" val="1"/>
             </a:ext>
           </a:extLst>
         </p:spPr>
@@ -17351,8 +17351,45 @@
                 <a:latin typeface="+mn-ea"/>
                 <a:ea typeface="+mn-ea"/>
               </a:rPr>
-              <a:t>矢量数据，栅格数据便捷读写函数及使用演示。</a:t>
-            </a:r>
+              <a:t>矢量数据，栅格数据便捷读写函数</a:t>
+            </a:r>
+            <a:r>
+              <a:rPr lang="zh-CN" altLang="zh-CN">
+                <a:solidFill>
+                  <a:srgbClr val="151515"/>
+                </a:solidFill>
+                <a:latin typeface="+mn-ea"/>
+                <a:ea typeface="+mn-ea"/>
+              </a:rPr>
+              <a:t>及使用</a:t>
+            </a:r>
+            <a:r>
+              <a:rPr lang="zh-CN" altLang="en-US">
+                <a:solidFill>
+                  <a:srgbClr val="151515"/>
+                </a:solidFill>
+                <a:latin typeface="+mn-ea"/>
+                <a:ea typeface="+mn-ea"/>
+              </a:rPr>
+              <a:t>说明</a:t>
+            </a:r>
+            <a:r>
+              <a:rPr lang="zh-CN" altLang="zh-CN">
+                <a:solidFill>
+                  <a:srgbClr val="151515"/>
+                </a:solidFill>
+                <a:latin typeface="+mn-ea"/>
+                <a:ea typeface="+mn-ea"/>
+              </a:rPr>
+              <a:t>。</a:t>
+            </a:r>
+            <a:endParaRPr lang="zh-CN" altLang="zh-CN" dirty="0">
+              <a:solidFill>
+                <a:srgbClr val="151515"/>
+              </a:solidFill>
+              <a:latin typeface="+mn-ea"/>
+              <a:ea typeface="+mn-ea"/>
+            </a:endParaRPr>
           </a:p>
           <a:p>
             <a:pPr algn="l">
@@ -17395,6 +17432,16 @@
               <a:t>1. </a:t>
             </a:r>
             <a:r>
+              <a:rPr lang="zh-CN" altLang="en-US" dirty="0">
+                <a:solidFill>
+                  <a:srgbClr val="151515"/>
+                </a:solidFill>
+                <a:latin typeface="+mn-ea"/>
+                <a:ea typeface="+mn-ea"/>
+              </a:rPr>
+              <a:t>实用</a:t>
+            </a:r>
+            <a:r>
               <a:rPr lang="zh-CN" altLang="zh-CN" dirty="0">
                 <a:solidFill>
                   <a:srgbClr val="151515"/>
@@ -17402,7 +17449,7 @@
                 <a:latin typeface="+mn-ea"/>
                 <a:ea typeface="+mn-ea"/>
               </a:rPr>
-              <a:t>满足常规需求。</a:t>
+              <a:t>。</a:t>
             </a:r>
           </a:p>
           <a:p>
@@ -17446,27 +17493,7 @@
                 <a:latin typeface="+mn-ea"/>
                 <a:ea typeface="+mn-ea"/>
               </a:rPr>
-              <a:t>3. </a:t>
-            </a:r>
-            <a:r>
-              <a:rPr lang="zh-CN" altLang="zh-CN" dirty="0">
-                <a:solidFill>
-                  <a:srgbClr val="151515"/>
-                </a:solidFill>
-                <a:latin typeface="+mn-ea"/>
-                <a:ea typeface="+mn-ea"/>
-              </a:rPr>
-              <a:t>建议</a:t>
-            </a:r>
-            <a:r>
-              <a:rPr lang="en-US" altLang="zh-CN" dirty="0">
-                <a:solidFill>
-                  <a:srgbClr val="151515"/>
-                </a:solidFill>
-                <a:latin typeface="+mn-ea"/>
-                <a:ea typeface="+mn-ea"/>
-              </a:rPr>
-              <a:t>markdown</a:t>
+              <a:t>3. markdown</a:t>
             </a:r>
             <a:r>
               <a:rPr lang="zh-CN" altLang="zh-CN" dirty="0">
@@ -17496,15 +17523,62 @@
               <a:t>4. </a:t>
             </a:r>
             <a:r>
-              <a:rPr lang="zh-CN" altLang="zh-CN" dirty="0">
+              <a:rPr lang="zh-CN" altLang="en-US" dirty="0">
                 <a:solidFill>
                   <a:srgbClr val="151515"/>
                 </a:solidFill>
                 <a:latin typeface="+mn-ea"/>
                 <a:ea typeface="+mn-ea"/>
               </a:rPr>
-              <a:t>时间待定</a:t>
-            </a:r>
+              <a:t>截止日期为</a:t>
+            </a:r>
+            <a:r>
+              <a:rPr lang="en-US" altLang="zh-CN" dirty="0">
+                <a:solidFill>
+                  <a:srgbClr val="151515"/>
+                </a:solidFill>
+                <a:latin typeface="+mn-ea"/>
+                <a:ea typeface="+mn-ea"/>
+              </a:rPr>
+              <a:t>11</a:t>
+            </a:r>
+            <a:r>
+              <a:rPr lang="zh-CN" altLang="en-US" dirty="0">
+                <a:solidFill>
+                  <a:srgbClr val="151515"/>
+                </a:solidFill>
+                <a:latin typeface="+mn-ea"/>
+                <a:ea typeface="+mn-ea"/>
+              </a:rPr>
+              <a:t>月</a:t>
+            </a:r>
+            <a:r>
+              <a:rPr lang="en-US" altLang="zh-CN" dirty="0">
+                <a:solidFill>
+                  <a:srgbClr val="151515"/>
+                </a:solidFill>
+                <a:latin typeface="+mn-ea"/>
+                <a:ea typeface="+mn-ea"/>
+              </a:rPr>
+              <a:t>18</a:t>
+            </a:r>
+            <a:r>
+              <a:rPr lang="zh-CN" altLang="en-US" dirty="0">
+                <a:solidFill>
+                  <a:srgbClr val="151515"/>
+                </a:solidFill>
+                <a:latin typeface="+mn-ea"/>
+                <a:ea typeface="+mn-ea"/>
+              </a:rPr>
+              <a:t>日</a:t>
+            </a:r>
+            <a:endParaRPr lang="zh-CN" altLang="zh-CN" dirty="0">
+              <a:solidFill>
+                <a:srgbClr val="151515"/>
+              </a:solidFill>
+              <a:latin typeface="+mn-ea"/>
+              <a:ea typeface="+mn-ea"/>
+            </a:endParaRPr>
           </a:p>
         </p:txBody>
       </p:sp>
